--- a/Adventure Design.pptx
+++ b/Adventure Design.pptx
@@ -21,6 +21,7 @@
     <p:sldId id="276" r:id="rId15"/>
     <p:sldId id="277" r:id="rId16"/>
     <p:sldId id="278" r:id="rId17"/>
+    <p:sldId id="282" r:id="rId18"/>
   </p:sldIdLst>
   <p:sldSz cx="12192000" cy="6858000"/>
   <p:notesSz cx="6858000" cy="9144000"/>
@@ -274,7 +275,7 @@
           <a:p>
             <a:fld id="{1073FD90-5537-4366-A61B-260BD41BA947}" type="datetimeFigureOut">
               <a:rPr lang="ko-KR" altLang="en-US" smtClean="0"/>
-              <a:t>2018-12-10</a:t>
+              <a:t>2018-12-11</a:t>
             </a:fld>
             <a:endParaRPr lang="ko-KR" altLang="en-US"/>
           </a:p>
@@ -472,7 +473,7 @@
           <a:p>
             <a:fld id="{1073FD90-5537-4366-A61B-260BD41BA947}" type="datetimeFigureOut">
               <a:rPr lang="ko-KR" altLang="en-US" smtClean="0"/>
-              <a:t>2018-12-10</a:t>
+              <a:t>2018-12-11</a:t>
             </a:fld>
             <a:endParaRPr lang="ko-KR" altLang="en-US"/>
           </a:p>
@@ -680,7 +681,7 @@
           <a:p>
             <a:fld id="{1073FD90-5537-4366-A61B-260BD41BA947}" type="datetimeFigureOut">
               <a:rPr lang="ko-KR" altLang="en-US" smtClean="0"/>
-              <a:t>2018-12-10</a:t>
+              <a:t>2018-12-11</a:t>
             </a:fld>
             <a:endParaRPr lang="ko-KR" altLang="en-US"/>
           </a:p>
@@ -878,7 +879,7 @@
           <a:p>
             <a:fld id="{1073FD90-5537-4366-A61B-260BD41BA947}" type="datetimeFigureOut">
               <a:rPr lang="ko-KR" altLang="en-US" smtClean="0"/>
-              <a:t>2018-12-10</a:t>
+              <a:t>2018-12-11</a:t>
             </a:fld>
             <a:endParaRPr lang="ko-KR" altLang="en-US"/>
           </a:p>
@@ -1153,7 +1154,7 @@
           <a:p>
             <a:fld id="{1073FD90-5537-4366-A61B-260BD41BA947}" type="datetimeFigureOut">
               <a:rPr lang="ko-KR" altLang="en-US" smtClean="0"/>
-              <a:t>2018-12-10</a:t>
+              <a:t>2018-12-11</a:t>
             </a:fld>
             <a:endParaRPr lang="ko-KR" altLang="en-US"/>
           </a:p>
@@ -1418,7 +1419,7 @@
           <a:p>
             <a:fld id="{1073FD90-5537-4366-A61B-260BD41BA947}" type="datetimeFigureOut">
               <a:rPr lang="ko-KR" altLang="en-US" smtClean="0"/>
-              <a:t>2018-12-10</a:t>
+              <a:t>2018-12-11</a:t>
             </a:fld>
             <a:endParaRPr lang="ko-KR" altLang="en-US"/>
           </a:p>
@@ -1830,7 +1831,7 @@
           <a:p>
             <a:fld id="{1073FD90-5537-4366-A61B-260BD41BA947}" type="datetimeFigureOut">
               <a:rPr lang="ko-KR" altLang="en-US" smtClean="0"/>
-              <a:t>2018-12-10</a:t>
+              <a:t>2018-12-11</a:t>
             </a:fld>
             <a:endParaRPr lang="ko-KR" altLang="en-US"/>
           </a:p>
@@ -1971,7 +1972,7 @@
           <a:p>
             <a:fld id="{1073FD90-5537-4366-A61B-260BD41BA947}" type="datetimeFigureOut">
               <a:rPr lang="ko-KR" altLang="en-US" smtClean="0"/>
-              <a:t>2018-12-10</a:t>
+              <a:t>2018-12-11</a:t>
             </a:fld>
             <a:endParaRPr lang="ko-KR" altLang="en-US"/>
           </a:p>
@@ -2084,7 +2085,7 @@
           <a:p>
             <a:fld id="{1073FD90-5537-4366-A61B-260BD41BA947}" type="datetimeFigureOut">
               <a:rPr lang="ko-KR" altLang="en-US" smtClean="0"/>
-              <a:t>2018-12-10</a:t>
+              <a:t>2018-12-11</a:t>
             </a:fld>
             <a:endParaRPr lang="ko-KR" altLang="en-US"/>
           </a:p>
@@ -2395,7 +2396,7 @@
           <a:p>
             <a:fld id="{1073FD90-5537-4366-A61B-260BD41BA947}" type="datetimeFigureOut">
               <a:rPr lang="ko-KR" altLang="en-US" smtClean="0"/>
-              <a:t>2018-12-10</a:t>
+              <a:t>2018-12-11</a:t>
             </a:fld>
             <a:endParaRPr lang="ko-KR" altLang="en-US"/>
           </a:p>
@@ -2683,7 +2684,7 @@
           <a:p>
             <a:fld id="{1073FD90-5537-4366-A61B-260BD41BA947}" type="datetimeFigureOut">
               <a:rPr lang="ko-KR" altLang="en-US" smtClean="0"/>
-              <a:t>2018-12-10</a:t>
+              <a:t>2018-12-11</a:t>
             </a:fld>
             <a:endParaRPr lang="ko-KR" altLang="en-US"/>
           </a:p>
@@ -2924,7 +2925,7 @@
           <a:p>
             <a:fld id="{1073FD90-5537-4366-A61B-260BD41BA947}" type="datetimeFigureOut">
               <a:rPr lang="ko-KR" altLang="en-US" smtClean="0"/>
-              <a:t>2018-12-10</a:t>
+              <a:t>2018-12-11</a:t>
             </a:fld>
             <a:endParaRPr lang="ko-KR" altLang="en-US"/>
           </a:p>
@@ -13641,6 +13642,1168 @@
 </p:sld>
 </file>
 
+<file path=ppt/slides/slide17.xml><?xml version="1.0" encoding="utf-8"?>
+<p:sld xmlns:a="http://schemas.openxmlformats.org/drawingml/2006/main" xmlns:r="http://schemas.openxmlformats.org/officeDocument/2006/relationships" xmlns:p="http://schemas.openxmlformats.org/presentationml/2006/main">
+  <p:cSld>
+    <p:spTree>
+      <p:nvGrpSpPr>
+        <p:cNvPr id="1" name=""/>
+        <p:cNvGrpSpPr/>
+        <p:nvPr/>
+      </p:nvGrpSpPr>
+      <p:grpSpPr>
+        <a:xfrm>
+          <a:off x="0" y="0"/>
+          <a:ext cx="0" cy="0"/>
+          <a:chOff x="0" y="0"/>
+          <a:chExt cx="0" cy="0"/>
+        </a:xfrm>
+      </p:grpSpPr>
+      <p:sp>
+        <p:nvSpPr>
+          <p:cNvPr id="2" name="제목 1">
+            <a:extLst>
+              <a:ext uri="{FF2B5EF4-FFF2-40B4-BE49-F238E27FC236}">
+                <a16:creationId xmlns:a16="http://schemas.microsoft.com/office/drawing/2014/main" id="{33DFDBA8-2FFE-45A9-98D4-B9671D5C5D40}"/>
+              </a:ext>
+            </a:extLst>
+          </p:cNvPr>
+          <p:cNvSpPr>
+            <a:spLocks noGrp="1"/>
+          </p:cNvSpPr>
+          <p:nvPr>
+            <p:ph type="title"/>
+          </p:nvPr>
+        </p:nvSpPr>
+        <p:spPr/>
+        <p:txBody>
+          <a:bodyPr/>
+          <a:lstStyle/>
+          <a:p>
+            <a:r>
+              <a:rPr lang="ko-KR" altLang="en-US" b="1" dirty="0">
+                <a:effectLst>
+                  <a:outerShdw blurRad="38100" dist="38100" dir="2700000" algn="tl">
+                    <a:srgbClr val="000000">
+                      <a:alpha val="43137"/>
+                    </a:srgbClr>
+                  </a:outerShdw>
+                </a:effectLst>
+              </a:rPr>
+              <a:t>테스트 보고서</a:t>
+            </a:r>
+          </a:p>
+        </p:txBody>
+      </p:sp>
+      <p:cxnSp>
+        <p:nvCxnSpPr>
+          <p:cNvPr id="5" name="직선 연결선 4">
+            <a:extLst>
+              <a:ext uri="{FF2B5EF4-FFF2-40B4-BE49-F238E27FC236}">
+                <a16:creationId xmlns:a16="http://schemas.microsoft.com/office/drawing/2014/main" id="{F22AA8DD-ED0F-45F1-86B0-9537AE71DA68}"/>
+              </a:ext>
+            </a:extLst>
+          </p:cNvPr>
+          <p:cNvCxnSpPr>
+            <a:cxnSpLocks/>
+          </p:cNvCxnSpPr>
+          <p:nvPr/>
+        </p:nvCxnSpPr>
+        <p:spPr>
+          <a:xfrm>
+            <a:off x="11084767" y="734457"/>
+            <a:ext cx="269033" cy="0"/>
+          </a:xfrm>
+          <a:prstGeom prst="line">
+            <a:avLst/>
+          </a:prstGeom>
+          <a:ln w="44450" cap="rnd">
+            <a:round/>
+          </a:ln>
+        </p:spPr>
+        <p:style>
+          <a:lnRef idx="1">
+            <a:schemeClr val="accent1"/>
+          </a:lnRef>
+          <a:fillRef idx="0">
+            <a:schemeClr val="accent1"/>
+          </a:fillRef>
+          <a:effectRef idx="0">
+            <a:schemeClr val="accent1"/>
+          </a:effectRef>
+          <a:fontRef idx="minor">
+            <a:schemeClr val="tx1"/>
+          </a:fontRef>
+        </p:style>
+      </p:cxnSp>
+      <p:cxnSp>
+        <p:nvCxnSpPr>
+          <p:cNvPr id="7" name="직선 연결선 6">
+            <a:extLst>
+              <a:ext uri="{FF2B5EF4-FFF2-40B4-BE49-F238E27FC236}">
+                <a16:creationId xmlns:a16="http://schemas.microsoft.com/office/drawing/2014/main" id="{F9208F28-276D-406F-A6EC-CFE994BD16F9}"/>
+              </a:ext>
+            </a:extLst>
+          </p:cNvPr>
+          <p:cNvCxnSpPr>
+            <a:cxnSpLocks/>
+          </p:cNvCxnSpPr>
+          <p:nvPr/>
+        </p:nvCxnSpPr>
+        <p:spPr>
+          <a:xfrm>
+            <a:off x="1006151" y="1375692"/>
+            <a:ext cx="234820" cy="0"/>
+          </a:xfrm>
+          <a:prstGeom prst="line">
+            <a:avLst/>
+          </a:prstGeom>
+          <a:ln w="44450" cap="rnd">
+            <a:round/>
+          </a:ln>
+        </p:spPr>
+        <p:style>
+          <a:lnRef idx="1">
+            <a:schemeClr val="accent1"/>
+          </a:lnRef>
+          <a:fillRef idx="0">
+            <a:schemeClr val="accent1"/>
+          </a:fillRef>
+          <a:effectRef idx="0">
+            <a:schemeClr val="accent1"/>
+          </a:effectRef>
+          <a:fontRef idx="minor">
+            <a:schemeClr val="tx1"/>
+          </a:fontRef>
+        </p:style>
+      </p:cxnSp>
+      <p:sp>
+        <p:nvSpPr>
+          <p:cNvPr id="9" name="TextBox 8">
+            <a:extLst>
+              <a:ext uri="{FF2B5EF4-FFF2-40B4-BE49-F238E27FC236}">
+                <a16:creationId xmlns:a16="http://schemas.microsoft.com/office/drawing/2014/main" id="{224FA63F-25E4-4A1B-8A7C-FEC4BFF243CB}"/>
+              </a:ext>
+            </a:extLst>
+          </p:cNvPr>
+          <p:cNvSpPr txBox="1"/>
+          <p:nvPr/>
+        </p:nvSpPr>
+        <p:spPr>
+          <a:xfrm>
+            <a:off x="9806473" y="365125"/>
+            <a:ext cx="1687286" cy="338554"/>
+          </a:xfrm>
+          <a:prstGeom prst="rect">
+            <a:avLst/>
+          </a:prstGeom>
+          <a:noFill/>
+        </p:spPr>
+        <p:txBody>
+          <a:bodyPr wrap="square" rtlCol="0">
+            <a:spAutoFit/>
+          </a:bodyPr>
+          <a:lstStyle/>
+          <a:p>
+            <a:pPr algn="r"/>
+            <a:r>
+              <a:rPr lang="ko-KR" altLang="en-US" sz="1600" b="1" dirty="0"/>
+              <a:t>테스트 보고서</a:t>
+            </a:r>
+          </a:p>
+        </p:txBody>
+      </p:sp>
+      <p:graphicFrame>
+        <p:nvGraphicFramePr>
+          <p:cNvPr id="6" name="표 5">
+            <a:extLst>
+              <a:ext uri="{FF2B5EF4-FFF2-40B4-BE49-F238E27FC236}">
+                <a16:creationId xmlns:a16="http://schemas.microsoft.com/office/drawing/2014/main" id="{BD6008F3-D65D-408F-89C3-B7D1F5441617}"/>
+              </a:ext>
+            </a:extLst>
+          </p:cNvPr>
+          <p:cNvGraphicFramePr>
+            <a:graphicFrameLocks noGrp="1"/>
+          </p:cNvGraphicFramePr>
+          <p:nvPr>
+            <p:extLst>
+              <p:ext uri="{D42A27DB-BD31-4B8C-83A1-F6EECF244321}">
+                <p14:modId xmlns:p14="http://schemas.microsoft.com/office/powerpoint/2010/main" val="3705304926"/>
+              </p:ext>
+            </p:extLst>
+          </p:nvPr>
+        </p:nvGraphicFramePr>
+        <p:xfrm>
+          <a:off x="838200" y="2701255"/>
+          <a:ext cx="10232571" cy="2448160"/>
+        </p:xfrm>
+        <a:graphic>
+          <a:graphicData uri="http://schemas.openxmlformats.org/drawingml/2006/table">
+            <a:tbl>
+              <a:tblPr firstRow="1" firstCol="1" bandRow="1">
+                <a:tableStyleId>{5C22544A-7EE6-4342-B048-85BDC9FD1C3A}</a:tableStyleId>
+              </a:tblPr>
+              <a:tblGrid>
+                <a:gridCol w="2344700">
+                  <a:extLst>
+                    <a:ext uri="{9D8B030D-6E8A-4147-A177-3AD203B41FA5}">
+                      <a16:colId xmlns:a16="http://schemas.microsoft.com/office/drawing/2014/main" val="4284368180"/>
+                    </a:ext>
+                  </a:extLst>
+                </a:gridCol>
+                <a:gridCol w="3452558">
+                  <a:extLst>
+                    <a:ext uri="{9D8B030D-6E8A-4147-A177-3AD203B41FA5}">
+                      <a16:colId xmlns:a16="http://schemas.microsoft.com/office/drawing/2014/main" val="1494425247"/>
+                    </a:ext>
+                  </a:extLst>
+                </a:gridCol>
+                <a:gridCol w="3296652">
+                  <a:extLst>
+                    <a:ext uri="{9D8B030D-6E8A-4147-A177-3AD203B41FA5}">
+                      <a16:colId xmlns:a16="http://schemas.microsoft.com/office/drawing/2014/main" val="1234071025"/>
+                    </a:ext>
+                  </a:extLst>
+                </a:gridCol>
+                <a:gridCol w="1138661">
+                  <a:extLst>
+                    <a:ext uri="{9D8B030D-6E8A-4147-A177-3AD203B41FA5}">
+                      <a16:colId xmlns:a16="http://schemas.microsoft.com/office/drawing/2014/main" val="2373352199"/>
+                    </a:ext>
+                  </a:extLst>
+                </a:gridCol>
+              </a:tblGrid>
+              <a:tr h="306020">
+                <a:tc>
+                  <a:txBody>
+                    <a:bodyPr/>
+                    <a:lstStyle/>
+                    <a:p>
+                      <a:pPr algn="ctr" latinLnBrk="1"/>
+                      <a:r>
+                        <a:rPr lang="en-US" altLang="ko-KR" sz="1200" b="1" dirty="0">
+                          <a:solidFill>
+                            <a:schemeClr val="bg1"/>
+                          </a:solidFill>
+                        </a:rPr>
+                        <a:t>Test Case</a:t>
+                      </a:r>
+                      <a:endParaRPr lang="ko-KR" altLang="en-US" sz="1200" b="1" dirty="0">
+                        <a:solidFill>
+                          <a:schemeClr val="bg1"/>
+                        </a:solidFill>
+                      </a:endParaRPr>
+                    </a:p>
+                  </a:txBody>
+                  <a:tcPr marL="72000" anchor="ctr">
+                    <a:solidFill>
+                      <a:schemeClr val="tx2"/>
+                    </a:solidFill>
+                  </a:tcPr>
+                </a:tc>
+                <a:tc>
+                  <a:txBody>
+                    <a:bodyPr/>
+                    <a:lstStyle/>
+                    <a:p>
+                      <a:pPr marL="0" marR="0" lvl="0" indent="0" algn="ctr" defTabSz="914400" rtl="0" eaLnBrk="1" fontAlgn="auto" latinLnBrk="1" hangingPunct="1">
+                        <a:lnSpc>
+                          <a:spcPct val="100000"/>
+                        </a:lnSpc>
+                        <a:spcBef>
+                          <a:spcPts val="0"/>
+                        </a:spcBef>
+                        <a:spcAft>
+                          <a:spcPts val="0"/>
+                        </a:spcAft>
+                        <a:buClrTx/>
+                        <a:buSzTx/>
+                        <a:buFontTx/>
+                        <a:buNone/>
+                        <a:tabLst/>
+                        <a:defRPr/>
+                      </a:pPr>
+                      <a:r>
+                        <a:rPr kumimoji="0" lang="en-US" altLang="ko-KR" sz="1200" b="1" i="0" u="none" strike="noStrike" kern="1200" cap="none" spc="0" normalizeH="0" baseline="0" noProof="0" dirty="0">
+                          <a:ln>
+                            <a:noFill/>
+                          </a:ln>
+                          <a:solidFill>
+                            <a:schemeClr val="bg1"/>
+                          </a:solidFill>
+                          <a:effectLst/>
+                          <a:uLnTx/>
+                          <a:uFillTx/>
+                          <a:latin typeface="+mn-lt"/>
+                          <a:ea typeface="+mn-ea"/>
+                          <a:cs typeface="+mn-cs"/>
+                        </a:rPr>
+                        <a:t>UUT(Unit Under Test)</a:t>
+                      </a:r>
+                      <a:endParaRPr kumimoji="0" lang="ko-KR" altLang="en-US" sz="1200" b="1" i="0" u="none" strike="noStrike" kern="1200" cap="none" spc="0" normalizeH="0" baseline="0" noProof="0" dirty="0">
+                        <a:ln>
+                          <a:noFill/>
+                        </a:ln>
+                        <a:solidFill>
+                          <a:schemeClr val="bg1"/>
+                        </a:solidFill>
+                        <a:effectLst/>
+                        <a:uLnTx/>
+                        <a:uFillTx/>
+                        <a:latin typeface="+mn-lt"/>
+                        <a:ea typeface="+mn-ea"/>
+                        <a:cs typeface="+mn-cs"/>
+                      </a:endParaRPr>
+                    </a:p>
+                  </a:txBody>
+                  <a:tcPr marL="72000" anchor="ctr">
+                    <a:solidFill>
+                      <a:schemeClr val="tx2"/>
+                    </a:solidFill>
+                  </a:tcPr>
+                </a:tc>
+                <a:tc>
+                  <a:txBody>
+                    <a:bodyPr/>
+                    <a:lstStyle/>
+                    <a:p>
+                      <a:pPr marL="0" marR="0" lvl="0" indent="0" algn="ctr" defTabSz="914400" rtl="0" eaLnBrk="1" fontAlgn="auto" latinLnBrk="1" hangingPunct="1">
+                        <a:lnSpc>
+                          <a:spcPct val="100000"/>
+                        </a:lnSpc>
+                        <a:spcBef>
+                          <a:spcPts val="0"/>
+                        </a:spcBef>
+                        <a:spcAft>
+                          <a:spcPts val="0"/>
+                        </a:spcAft>
+                        <a:buClrTx/>
+                        <a:buSzTx/>
+                        <a:buFontTx/>
+                        <a:buNone/>
+                        <a:tabLst/>
+                        <a:defRPr/>
+                      </a:pPr>
+                      <a:r>
+                        <a:rPr kumimoji="0" lang="en-US" altLang="ko-KR" sz="1200" b="1" i="0" u="none" strike="noStrike" kern="1200" cap="none" spc="0" normalizeH="0" baseline="0" noProof="0" dirty="0">
+                          <a:ln>
+                            <a:noFill/>
+                          </a:ln>
+                          <a:solidFill>
+                            <a:schemeClr val="bg1"/>
+                          </a:solidFill>
+                          <a:effectLst/>
+                          <a:uLnTx/>
+                          <a:uFillTx/>
+                          <a:latin typeface="+mn-lt"/>
+                          <a:ea typeface="+mn-ea"/>
+                          <a:cs typeface="+mn-cs"/>
+                        </a:rPr>
+                        <a:t>Description</a:t>
+                      </a:r>
+                      <a:endParaRPr kumimoji="0" lang="ko-KR" altLang="en-US" sz="1200" b="1" i="0" u="none" strike="noStrike" kern="1200" cap="none" spc="0" normalizeH="0" baseline="0" noProof="0" dirty="0">
+                        <a:ln>
+                          <a:noFill/>
+                        </a:ln>
+                        <a:solidFill>
+                          <a:schemeClr val="bg1"/>
+                        </a:solidFill>
+                        <a:effectLst/>
+                        <a:uLnTx/>
+                        <a:uFillTx/>
+                        <a:latin typeface="+mn-lt"/>
+                        <a:ea typeface="+mn-ea"/>
+                        <a:cs typeface="+mn-cs"/>
+                      </a:endParaRPr>
+                    </a:p>
+                  </a:txBody>
+                  <a:tcPr marL="72000" anchor="ctr">
+                    <a:solidFill>
+                      <a:schemeClr val="tx2"/>
+                    </a:solidFill>
+                  </a:tcPr>
+                </a:tc>
+                <a:tc>
+                  <a:txBody>
+                    <a:bodyPr/>
+                    <a:lstStyle/>
+                    <a:p>
+                      <a:pPr algn="ctr" latinLnBrk="1"/>
+                      <a:r>
+                        <a:rPr lang="en-US" altLang="ko-KR" sz="1200" b="1" dirty="0">
+                          <a:solidFill>
+                            <a:schemeClr val="bg1"/>
+                          </a:solidFill>
+                        </a:rPr>
+                        <a:t>Result</a:t>
+                      </a:r>
+                      <a:endParaRPr lang="ko-KR" altLang="en-US" sz="1200" b="1" dirty="0">
+                        <a:solidFill>
+                          <a:schemeClr val="bg1"/>
+                        </a:solidFill>
+                      </a:endParaRPr>
+                    </a:p>
+                  </a:txBody>
+                  <a:tcPr marL="72000" anchor="ctr">
+                    <a:solidFill>
+                      <a:schemeClr val="tx2"/>
+                    </a:solidFill>
+                  </a:tcPr>
+                </a:tc>
+                <a:extLst>
+                  <a:ext uri="{0D108BD9-81ED-4DB2-BD59-A6C34878D82A}">
+                    <a16:rowId xmlns:a16="http://schemas.microsoft.com/office/drawing/2014/main" val="3134875969"/>
+                  </a:ext>
+                </a:extLst>
+              </a:tr>
+              <a:tr h="306020">
+                <a:tc>
+                  <a:txBody>
+                    <a:bodyPr/>
+                    <a:lstStyle/>
+                    <a:p>
+                      <a:pPr algn="ctr" latinLnBrk="1"/>
+                      <a:r>
+                        <a:rPr lang="en-US" altLang="ko-KR" sz="1200" dirty="0"/>
+                        <a:t>CC 01</a:t>
+                      </a:r>
+                      <a:endParaRPr lang="ko-KR" altLang="en-US" sz="1200" dirty="0"/>
+                    </a:p>
+                  </a:txBody>
+                  <a:tcPr marL="72000" anchor="ctr">
+                    <a:solidFill>
+                      <a:schemeClr val="accent1">
+                        <a:lumMod val="50000"/>
+                      </a:schemeClr>
+                    </a:solidFill>
+                  </a:tcPr>
+                </a:tc>
+                <a:tc>
+                  <a:txBody>
+                    <a:bodyPr/>
+                    <a:lstStyle/>
+                    <a:p>
+                      <a:pPr marL="0" marR="0" lvl="0" indent="0" algn="ctr" defTabSz="914400" rtl="0" eaLnBrk="1" fontAlgn="auto" latinLnBrk="1" hangingPunct="1">
+                        <a:lnSpc>
+                          <a:spcPct val="100000"/>
+                        </a:lnSpc>
+                        <a:spcBef>
+                          <a:spcPts val="0"/>
+                        </a:spcBef>
+                        <a:spcAft>
+                          <a:spcPts val="0"/>
+                        </a:spcAft>
+                        <a:buClrTx/>
+                        <a:buSzTx/>
+                        <a:buFontTx/>
+                        <a:buNone/>
+                        <a:tabLst/>
+                        <a:defRPr/>
+                      </a:pPr>
+                      <a:r>
+                        <a:rPr kumimoji="0" lang="en-US" altLang="ko-KR" sz="1200" b="0" i="0" u="none" strike="noStrike" kern="1200" cap="none" spc="0" normalizeH="0" baseline="0" noProof="0" dirty="0" err="1">
+                          <a:ln>
+                            <a:noFill/>
+                          </a:ln>
+                          <a:solidFill>
+                            <a:prstClr val="black"/>
+                          </a:solidFill>
+                          <a:effectLst/>
+                          <a:uLnTx/>
+                          <a:uFillTx/>
+                          <a:latin typeface="+mn-lt"/>
+                          <a:ea typeface="+mn-ea"/>
+                          <a:cs typeface="+mn-cs"/>
+                        </a:rPr>
+                        <a:t>CalendarCalculator.isLunarMonth</a:t>
+                      </a:r>
+                      <a:endParaRPr kumimoji="0" lang="ko-KR" altLang="en-US" sz="1200" b="0" i="0" u="none" strike="noStrike" kern="1200" cap="none" spc="0" normalizeH="0" baseline="0" noProof="0" dirty="0">
+                        <a:ln>
+                          <a:noFill/>
+                        </a:ln>
+                        <a:solidFill>
+                          <a:prstClr val="black"/>
+                        </a:solidFill>
+                        <a:effectLst/>
+                        <a:uLnTx/>
+                        <a:uFillTx/>
+                        <a:latin typeface="+mn-lt"/>
+                        <a:ea typeface="+mn-ea"/>
+                        <a:cs typeface="+mn-cs"/>
+                      </a:endParaRPr>
+                    </a:p>
+                  </a:txBody>
+                  <a:tcPr marL="72000" anchor="ctr"/>
+                </a:tc>
+                <a:tc>
+                  <a:txBody>
+                    <a:bodyPr/>
+                    <a:lstStyle/>
+                    <a:p>
+                      <a:pPr algn="ctr" latinLnBrk="1"/>
+                      <a:r>
+                        <a:rPr lang="ko-KR" altLang="en-US" sz="1200" dirty="0"/>
+                        <a:t>윤년 처리 기능 테스트</a:t>
+                      </a:r>
+                    </a:p>
+                  </a:txBody>
+                  <a:tcPr marL="72000" anchor="ctr"/>
+                </a:tc>
+                <a:tc>
+                  <a:txBody>
+                    <a:bodyPr/>
+                    <a:lstStyle/>
+                    <a:p>
+                      <a:pPr algn="ctr" latinLnBrk="1"/>
+                      <a:r>
+                        <a:rPr lang="en-US" altLang="ko-KR" sz="1200" b="0" dirty="0"/>
+                        <a:t>Pass</a:t>
+                      </a:r>
+                    </a:p>
+                  </a:txBody>
+                  <a:tcPr marL="72000" anchor="ctr"/>
+                </a:tc>
+                <a:extLst>
+                  <a:ext uri="{0D108BD9-81ED-4DB2-BD59-A6C34878D82A}">
+                    <a16:rowId xmlns:a16="http://schemas.microsoft.com/office/drawing/2014/main" val="1719815786"/>
+                  </a:ext>
+                </a:extLst>
+              </a:tr>
+              <a:tr h="306020">
+                <a:tc>
+                  <a:txBody>
+                    <a:bodyPr/>
+                    <a:lstStyle/>
+                    <a:p>
+                      <a:pPr algn="ctr" latinLnBrk="1"/>
+                      <a:r>
+                        <a:rPr lang="en-US" altLang="ko-KR" sz="1200" dirty="0"/>
+                        <a:t>CC 02</a:t>
+                      </a:r>
+                      <a:endParaRPr lang="ko-KR" altLang="en-US" sz="1200" dirty="0"/>
+                    </a:p>
+                  </a:txBody>
+                  <a:tcPr marL="72000" anchor="ctr">
+                    <a:solidFill>
+                      <a:schemeClr val="accent1">
+                        <a:lumMod val="50000"/>
+                      </a:schemeClr>
+                    </a:solidFill>
+                  </a:tcPr>
+                </a:tc>
+                <a:tc>
+                  <a:txBody>
+                    <a:bodyPr/>
+                    <a:lstStyle/>
+                    <a:p>
+                      <a:pPr algn="ctr" latinLnBrk="1"/>
+                      <a:r>
+                        <a:rPr kumimoji="0" lang="en-US" altLang="ko-KR" sz="1200" b="0" i="0" u="none" strike="noStrike" kern="1200" cap="none" spc="0" normalizeH="0" baseline="0" noProof="0" dirty="0" err="1">
+                          <a:ln>
+                            <a:noFill/>
+                          </a:ln>
+                          <a:solidFill>
+                            <a:prstClr val="black"/>
+                          </a:solidFill>
+                          <a:effectLst/>
+                          <a:uLnTx/>
+                          <a:uFillTx/>
+                          <a:latin typeface="+mn-lt"/>
+                          <a:ea typeface="+mn-ea"/>
+                          <a:cs typeface="+mn-cs"/>
+                        </a:rPr>
+                        <a:t>CalendarCalculator.formatDate</a:t>
+                      </a:r>
+                      <a:endParaRPr lang="ko-KR" altLang="en-US" sz="1200" dirty="0"/>
+                    </a:p>
+                  </a:txBody>
+                  <a:tcPr marL="72000" anchor="ctr"/>
+                </a:tc>
+                <a:tc>
+                  <a:txBody>
+                    <a:bodyPr/>
+                    <a:lstStyle/>
+                    <a:p>
+                      <a:pPr algn="ctr" latinLnBrk="1"/>
+                      <a:r>
+                        <a:rPr lang="en-US" altLang="ko-KR" sz="1050" dirty="0"/>
+                        <a:t>“xx-</a:t>
+                      </a:r>
+                      <a:r>
+                        <a:rPr lang="en-US" altLang="ko-KR" sz="1050" dirty="0" err="1"/>
+                        <a:t>yy</a:t>
+                      </a:r>
+                      <a:r>
+                        <a:rPr lang="en-US" altLang="ko-KR" sz="1050" dirty="0"/>
+                        <a:t>-</a:t>
+                      </a:r>
+                      <a:r>
+                        <a:rPr lang="en-US" altLang="ko-KR" sz="1050" dirty="0" err="1"/>
+                        <a:t>zz</a:t>
+                      </a:r>
+                      <a:r>
+                        <a:rPr lang="en-US" altLang="ko-KR" sz="1050" dirty="0"/>
+                        <a:t>” </a:t>
+                      </a:r>
+                      <a:r>
+                        <a:rPr lang="ko-KR" altLang="en-US" sz="1050" dirty="0"/>
+                        <a:t>문자열 </a:t>
+                      </a:r>
+                      <a:r>
+                        <a:rPr lang="en-US" altLang="ko-KR" sz="1050" dirty="0"/>
+                        <a:t>-&gt; (xx,</a:t>
+                      </a:r>
+                      <a:r>
+                        <a:rPr lang="ko-KR" altLang="en-US" sz="1050" dirty="0"/>
+                        <a:t> </a:t>
+                      </a:r>
+                      <a:r>
+                        <a:rPr lang="en-US" altLang="ko-KR" sz="1050" dirty="0" err="1"/>
+                        <a:t>yy</a:t>
+                      </a:r>
+                      <a:r>
+                        <a:rPr lang="en-US" altLang="ko-KR" sz="1050" dirty="0"/>
+                        <a:t>,</a:t>
+                      </a:r>
+                      <a:r>
+                        <a:rPr lang="ko-KR" altLang="en-US" sz="1050" dirty="0"/>
+                        <a:t> </a:t>
+                      </a:r>
+                      <a:r>
+                        <a:rPr lang="en-US" altLang="ko-KR" sz="1050" dirty="0" err="1"/>
+                        <a:t>zz</a:t>
+                      </a:r>
+                      <a:r>
+                        <a:rPr lang="en-US" altLang="ko-KR" sz="1050" dirty="0"/>
+                        <a:t>) Tuple </a:t>
+                      </a:r>
+                      <a:r>
+                        <a:rPr lang="ko-KR" altLang="en-US" sz="1050" dirty="0"/>
+                        <a:t>가공 기능</a:t>
+                      </a:r>
+                    </a:p>
+                  </a:txBody>
+                  <a:tcPr marL="72000" anchor="ctr"/>
+                </a:tc>
+                <a:tc>
+                  <a:txBody>
+                    <a:bodyPr/>
+                    <a:lstStyle/>
+                    <a:p>
+                      <a:pPr marL="0" marR="0" lvl="0" indent="0" algn="ctr" defTabSz="914400" rtl="0" eaLnBrk="1" fontAlgn="auto" latinLnBrk="1" hangingPunct="1">
+                        <a:lnSpc>
+                          <a:spcPct val="100000"/>
+                        </a:lnSpc>
+                        <a:spcBef>
+                          <a:spcPts val="0"/>
+                        </a:spcBef>
+                        <a:spcAft>
+                          <a:spcPts val="0"/>
+                        </a:spcAft>
+                        <a:buClrTx/>
+                        <a:buSzTx/>
+                        <a:buFontTx/>
+                        <a:buNone/>
+                        <a:tabLst/>
+                        <a:defRPr/>
+                      </a:pPr>
+                      <a:r>
+                        <a:rPr lang="en-US" altLang="ko-KR" sz="1100" b="0" dirty="0"/>
+                        <a:t>Pass</a:t>
+                      </a:r>
+                    </a:p>
+                  </a:txBody>
+                  <a:tcPr marL="72000" anchor="ctr"/>
+                </a:tc>
+                <a:extLst>
+                  <a:ext uri="{0D108BD9-81ED-4DB2-BD59-A6C34878D82A}">
+                    <a16:rowId xmlns:a16="http://schemas.microsoft.com/office/drawing/2014/main" val="750086017"/>
+                  </a:ext>
+                </a:extLst>
+              </a:tr>
+              <a:tr h="306020">
+                <a:tc>
+                  <a:txBody>
+                    <a:bodyPr/>
+                    <a:lstStyle/>
+                    <a:p>
+                      <a:pPr algn="ctr" latinLnBrk="1"/>
+                      <a:r>
+                        <a:rPr lang="en-US" altLang="ko-KR" sz="1200" dirty="0"/>
+                        <a:t>CC 04</a:t>
+                      </a:r>
+                      <a:endParaRPr lang="ko-KR" altLang="en-US" sz="1200" dirty="0"/>
+                    </a:p>
+                  </a:txBody>
+                  <a:tcPr marL="72000" anchor="ctr">
+                    <a:solidFill>
+                      <a:schemeClr val="accent1">
+                        <a:lumMod val="50000"/>
+                      </a:schemeClr>
+                    </a:solidFill>
+                  </a:tcPr>
+                </a:tc>
+                <a:tc>
+                  <a:txBody>
+                    <a:bodyPr/>
+                    <a:lstStyle/>
+                    <a:p>
+                      <a:pPr algn="ctr" latinLnBrk="1"/>
+                      <a:r>
+                        <a:rPr kumimoji="0" lang="en-US" altLang="ko-KR" sz="1200" b="0" i="0" u="none" strike="noStrike" kern="1200" cap="none" spc="0" normalizeH="0" baseline="0" noProof="0" dirty="0" err="1">
+                          <a:ln>
+                            <a:noFill/>
+                          </a:ln>
+                          <a:solidFill>
+                            <a:prstClr val="black"/>
+                          </a:solidFill>
+                          <a:effectLst/>
+                          <a:uLnTx/>
+                          <a:uFillTx/>
+                          <a:latin typeface="+mn-lt"/>
+                          <a:ea typeface="+mn-ea"/>
+                          <a:cs typeface="+mn-cs"/>
+                        </a:rPr>
+                        <a:t>CalendarCalculator.toSolarDate</a:t>
+                      </a:r>
+                      <a:endParaRPr lang="ko-KR" altLang="en-US" sz="1200" dirty="0"/>
+                    </a:p>
+                  </a:txBody>
+                  <a:tcPr marL="72000" anchor="ctr"/>
+                </a:tc>
+                <a:tc>
+                  <a:txBody>
+                    <a:bodyPr/>
+                    <a:lstStyle/>
+                    <a:p>
+                      <a:pPr algn="ctr" latinLnBrk="1"/>
+                      <a:r>
+                        <a:rPr lang="ko-KR" altLang="en-US" sz="1200" dirty="0"/>
+                        <a:t>음력 </a:t>
+                      </a:r>
+                      <a:r>
+                        <a:rPr lang="en-US" altLang="ko-KR" sz="1200" dirty="0"/>
+                        <a:t>-&gt; </a:t>
+                      </a:r>
+                      <a:r>
+                        <a:rPr lang="ko-KR" altLang="en-US" sz="1200" dirty="0"/>
+                        <a:t>양력 변환 기능 테스트</a:t>
+                      </a:r>
+                    </a:p>
+                  </a:txBody>
+                  <a:tcPr marL="72000" anchor="ctr"/>
+                </a:tc>
+                <a:tc>
+                  <a:txBody>
+                    <a:bodyPr/>
+                    <a:lstStyle/>
+                    <a:p>
+                      <a:pPr algn="ctr" latinLnBrk="1"/>
+                      <a:r>
+                        <a:rPr lang="en-US" altLang="ko-KR" sz="1100" b="0" dirty="0"/>
+                        <a:t>Pass</a:t>
+                      </a:r>
+                      <a:endParaRPr lang="ko-KR" altLang="en-US" sz="1100" dirty="0"/>
+                    </a:p>
+                  </a:txBody>
+                  <a:tcPr marL="72000" anchor="ctr"/>
+                </a:tc>
+                <a:extLst>
+                  <a:ext uri="{0D108BD9-81ED-4DB2-BD59-A6C34878D82A}">
+                    <a16:rowId xmlns:a16="http://schemas.microsoft.com/office/drawing/2014/main" val="3008624949"/>
+                  </a:ext>
+                </a:extLst>
+              </a:tr>
+              <a:tr h="306020">
+                <a:tc>
+                  <a:txBody>
+                    <a:bodyPr/>
+                    <a:lstStyle/>
+                    <a:p>
+                      <a:pPr algn="ctr" latinLnBrk="1"/>
+                      <a:r>
+                        <a:rPr lang="en-US" altLang="ko-KR" sz="1200" dirty="0"/>
+                        <a:t>CC 05</a:t>
+                      </a:r>
+                      <a:endParaRPr lang="ko-KR" altLang="en-US" sz="1200" dirty="0"/>
+                    </a:p>
+                  </a:txBody>
+                  <a:tcPr marL="72000" anchor="ctr">
+                    <a:solidFill>
+                      <a:schemeClr val="accent1">
+                        <a:lumMod val="50000"/>
+                      </a:schemeClr>
+                    </a:solidFill>
+                  </a:tcPr>
+                </a:tc>
+                <a:tc>
+                  <a:txBody>
+                    <a:bodyPr/>
+                    <a:lstStyle/>
+                    <a:p>
+                      <a:pPr algn="ctr" latinLnBrk="1"/>
+                      <a:r>
+                        <a:rPr kumimoji="0" lang="en-US" altLang="ko-KR" sz="1200" b="0" i="0" u="none" strike="noStrike" kern="1200" cap="none" spc="0" normalizeH="0" baseline="0" noProof="0" dirty="0" err="1">
+                          <a:ln>
+                            <a:noFill/>
+                          </a:ln>
+                          <a:solidFill>
+                            <a:prstClr val="black"/>
+                          </a:solidFill>
+                          <a:effectLst/>
+                          <a:uLnTx/>
+                          <a:uFillTx/>
+                          <a:latin typeface="+mn-lt"/>
+                          <a:ea typeface="+mn-ea"/>
+                          <a:cs typeface="+mn-cs"/>
+                        </a:rPr>
+                        <a:t>CalendarCalculator.toLunarDate</a:t>
+                      </a:r>
+                      <a:endParaRPr lang="ko-KR" altLang="en-US" sz="1200" dirty="0"/>
+                    </a:p>
+                  </a:txBody>
+                  <a:tcPr marL="72000" anchor="ctr"/>
+                </a:tc>
+                <a:tc>
+                  <a:txBody>
+                    <a:bodyPr/>
+                    <a:lstStyle/>
+                    <a:p>
+                      <a:pPr algn="ctr" latinLnBrk="1"/>
+                      <a:r>
+                        <a:rPr lang="ko-KR" altLang="en-US" sz="1200" dirty="0"/>
+                        <a:t>양력 </a:t>
+                      </a:r>
+                      <a:r>
+                        <a:rPr lang="en-US" altLang="ko-KR" sz="1200" dirty="0"/>
+                        <a:t>-&gt; </a:t>
+                      </a:r>
+                      <a:r>
+                        <a:rPr lang="ko-KR" altLang="en-US" sz="1200" dirty="0"/>
+                        <a:t>음력 변환 기능 테스트</a:t>
+                      </a:r>
+                    </a:p>
+                  </a:txBody>
+                  <a:tcPr marL="72000" anchor="ctr"/>
+                </a:tc>
+                <a:tc>
+                  <a:txBody>
+                    <a:bodyPr/>
+                    <a:lstStyle/>
+                    <a:p>
+                      <a:pPr algn="ctr" latinLnBrk="1"/>
+                      <a:r>
+                        <a:rPr lang="en-US" altLang="ko-KR" sz="1100" b="0" dirty="0"/>
+                        <a:t>Pass</a:t>
+                      </a:r>
+                      <a:endParaRPr lang="ko-KR" altLang="en-US" sz="1100" dirty="0"/>
+                    </a:p>
+                  </a:txBody>
+                  <a:tcPr marL="72000" anchor="ctr"/>
+                </a:tc>
+                <a:extLst>
+                  <a:ext uri="{0D108BD9-81ED-4DB2-BD59-A6C34878D82A}">
+                    <a16:rowId xmlns:a16="http://schemas.microsoft.com/office/drawing/2014/main" val="1783107652"/>
+                  </a:ext>
+                </a:extLst>
+              </a:tr>
+              <a:tr h="306020">
+                <a:tc>
+                  <a:txBody>
+                    <a:bodyPr/>
+                    <a:lstStyle/>
+                    <a:p>
+                      <a:pPr algn="ctr" latinLnBrk="1"/>
+                      <a:r>
+                        <a:rPr lang="en-US" altLang="ko-KR" sz="1200" dirty="0"/>
+                        <a:t>CC 06</a:t>
+                      </a:r>
+                      <a:endParaRPr lang="ko-KR" altLang="en-US" sz="1200" dirty="0"/>
+                    </a:p>
+                  </a:txBody>
+                  <a:tcPr marL="72000" anchor="ctr">
+                    <a:solidFill>
+                      <a:schemeClr val="accent1">
+                        <a:lumMod val="50000"/>
+                      </a:schemeClr>
+                    </a:solidFill>
+                  </a:tcPr>
+                </a:tc>
+                <a:tc>
+                  <a:txBody>
+                    <a:bodyPr/>
+                    <a:lstStyle/>
+                    <a:p>
+                      <a:pPr algn="ctr" latinLnBrk="1"/>
+                      <a:r>
+                        <a:rPr kumimoji="0" lang="en-US" altLang="ko-KR" sz="1200" b="0" i="0" u="none" strike="noStrike" kern="1200" cap="none" spc="0" normalizeH="0" baseline="0" noProof="0" dirty="0" err="1">
+                          <a:ln>
+                            <a:noFill/>
+                          </a:ln>
+                          <a:solidFill>
+                            <a:prstClr val="black"/>
+                          </a:solidFill>
+                          <a:effectLst/>
+                          <a:uLnTx/>
+                          <a:uFillTx/>
+                          <a:latin typeface="+mn-lt"/>
+                          <a:ea typeface="+mn-ea"/>
+                          <a:cs typeface="+mn-cs"/>
+                        </a:rPr>
+                        <a:t>CalendarCalculator.getSolarHoliday</a:t>
+                      </a:r>
+                      <a:endParaRPr lang="ko-KR" altLang="en-US" sz="1200" dirty="0"/>
+                    </a:p>
+                  </a:txBody>
+                  <a:tcPr marL="72000" anchor="ctr"/>
+                </a:tc>
+                <a:tc>
+                  <a:txBody>
+                    <a:bodyPr/>
+                    <a:lstStyle/>
+                    <a:p>
+                      <a:pPr algn="ctr" latinLnBrk="1"/>
+                      <a:r>
+                        <a:rPr lang="ko-KR" altLang="en-US" sz="1200" dirty="0"/>
+                        <a:t>음력 휴일 </a:t>
+                      </a:r>
+                      <a:r>
+                        <a:rPr lang="en-US" altLang="ko-KR" sz="1200" dirty="0"/>
+                        <a:t>-&gt; </a:t>
+                      </a:r>
+                      <a:r>
+                        <a:rPr lang="ko-KR" altLang="en-US" sz="1200" dirty="0"/>
+                        <a:t>양력 휴일 변환 기능 테스트</a:t>
+                      </a:r>
+                    </a:p>
+                  </a:txBody>
+                  <a:tcPr marL="72000" anchor="ctr"/>
+                </a:tc>
+                <a:tc>
+                  <a:txBody>
+                    <a:bodyPr/>
+                    <a:lstStyle/>
+                    <a:p>
+                      <a:pPr algn="ctr" latinLnBrk="1"/>
+                      <a:r>
+                        <a:rPr lang="en-US" altLang="ko-KR" sz="1100" b="0" dirty="0"/>
+                        <a:t>Pass</a:t>
+                      </a:r>
+                      <a:endParaRPr lang="ko-KR" altLang="en-US" sz="1100" dirty="0"/>
+                    </a:p>
+                  </a:txBody>
+                  <a:tcPr marL="72000" anchor="ctr"/>
+                </a:tc>
+                <a:extLst>
+                  <a:ext uri="{0D108BD9-81ED-4DB2-BD59-A6C34878D82A}">
+                    <a16:rowId xmlns:a16="http://schemas.microsoft.com/office/drawing/2014/main" val="668470449"/>
+                  </a:ext>
+                </a:extLst>
+              </a:tr>
+              <a:tr h="306020">
+                <a:tc>
+                  <a:txBody>
+                    <a:bodyPr/>
+                    <a:lstStyle/>
+                    <a:p>
+                      <a:pPr algn="ctr" latinLnBrk="1"/>
+                      <a:r>
+                        <a:rPr lang="en-US" altLang="ko-KR" sz="1200" dirty="0"/>
+                        <a:t>CM 01</a:t>
+                      </a:r>
+                      <a:endParaRPr lang="ko-KR" altLang="en-US" sz="1200" dirty="0"/>
+                    </a:p>
+                  </a:txBody>
+                  <a:tcPr marL="72000" anchor="ctr">
+                    <a:solidFill>
+                      <a:schemeClr val="accent1">
+                        <a:lumMod val="50000"/>
+                      </a:schemeClr>
+                    </a:solidFill>
+                  </a:tcPr>
+                </a:tc>
+                <a:tc>
+                  <a:txBody>
+                    <a:bodyPr/>
+                    <a:lstStyle/>
+                    <a:p>
+                      <a:pPr algn="ctr" latinLnBrk="1"/>
+                      <a:r>
+                        <a:rPr kumimoji="0" lang="en-US" altLang="ko-KR" sz="1200" b="0" i="0" u="none" strike="noStrike" kern="1200" cap="none" spc="0" normalizeH="0" baseline="0" noProof="0" dirty="0" err="1">
+                          <a:ln>
+                            <a:noFill/>
+                          </a:ln>
+                          <a:solidFill>
+                            <a:prstClr val="black"/>
+                          </a:solidFill>
+                          <a:effectLst/>
+                          <a:uLnTx/>
+                          <a:uFillTx/>
+                          <a:latin typeface="+mn-lt"/>
+                          <a:ea typeface="+mn-ea"/>
+                          <a:cs typeface="+mn-cs"/>
+                        </a:rPr>
+                        <a:t>MyCalendar.makeCalendar</a:t>
+                      </a:r>
+                      <a:endParaRPr lang="ko-KR" altLang="en-US" sz="1200" dirty="0"/>
+                    </a:p>
+                  </a:txBody>
+                  <a:tcPr marL="72000" anchor="ctr"/>
+                </a:tc>
+                <a:tc>
+                  <a:txBody>
+                    <a:bodyPr/>
+                    <a:lstStyle/>
+                    <a:p>
+                      <a:pPr algn="ctr" latinLnBrk="1"/>
+                      <a:r>
+                        <a:rPr lang="ko-KR" altLang="en-US" sz="1200" dirty="0"/>
+                        <a:t>달력 리스트 제작 기능 테스트</a:t>
+                      </a:r>
+                    </a:p>
+                  </a:txBody>
+                  <a:tcPr marL="72000" anchor="ctr"/>
+                </a:tc>
+                <a:tc>
+                  <a:txBody>
+                    <a:bodyPr/>
+                    <a:lstStyle/>
+                    <a:p>
+                      <a:pPr algn="ctr" latinLnBrk="1"/>
+                      <a:r>
+                        <a:rPr lang="en-US" altLang="ko-KR" sz="1100" b="0" dirty="0"/>
+                        <a:t>Pass</a:t>
+                      </a:r>
+                      <a:endParaRPr lang="ko-KR" altLang="en-US" sz="1100" dirty="0"/>
+                    </a:p>
+                  </a:txBody>
+                  <a:tcPr marL="72000" anchor="ctr"/>
+                </a:tc>
+                <a:extLst>
+                  <a:ext uri="{0D108BD9-81ED-4DB2-BD59-A6C34878D82A}">
+                    <a16:rowId xmlns:a16="http://schemas.microsoft.com/office/drawing/2014/main" val="2458786645"/>
+                  </a:ext>
+                </a:extLst>
+              </a:tr>
+              <a:tr h="306020">
+                <a:tc>
+                  <a:txBody>
+                    <a:bodyPr/>
+                    <a:lstStyle/>
+                    <a:p>
+                      <a:pPr algn="ctr" latinLnBrk="1"/>
+                      <a:r>
+                        <a:rPr lang="en-US" altLang="ko-KR" sz="1200" dirty="0"/>
+                        <a:t>CM 02</a:t>
+                      </a:r>
+                      <a:endParaRPr lang="ko-KR" altLang="en-US" sz="1200" dirty="0"/>
+                    </a:p>
+                  </a:txBody>
+                  <a:tcPr marL="72000" anchor="ctr">
+                    <a:solidFill>
+                      <a:schemeClr val="accent1">
+                        <a:lumMod val="50000"/>
+                      </a:schemeClr>
+                    </a:solidFill>
+                  </a:tcPr>
+                </a:tc>
+                <a:tc>
+                  <a:txBody>
+                    <a:bodyPr/>
+                    <a:lstStyle/>
+                    <a:p>
+                      <a:pPr algn="ctr" latinLnBrk="1"/>
+                      <a:r>
+                        <a:rPr kumimoji="0" lang="en-US" altLang="ko-KR" sz="1200" b="0" i="0" u="none" strike="noStrike" kern="1200" cap="none" spc="0" normalizeH="0" baseline="0" noProof="0" dirty="0" err="1">
+                          <a:ln>
+                            <a:noFill/>
+                          </a:ln>
+                          <a:solidFill>
+                            <a:prstClr val="black"/>
+                          </a:solidFill>
+                          <a:effectLst/>
+                          <a:uLnTx/>
+                          <a:uFillTx/>
+                          <a:latin typeface="+mn-lt"/>
+                          <a:ea typeface="+mn-ea"/>
+                          <a:cs typeface="+mn-cs"/>
+                        </a:rPr>
+                        <a:t>MyCalendar</a:t>
+                      </a:r>
+                      <a:r>
+                        <a:rPr kumimoji="0" lang="en-US" altLang="ko-KR" sz="1200" b="0" i="0" u="none" strike="noStrike" kern="1200" cap="none" spc="0" normalizeH="0" baseline="0" noProof="0" dirty="0">
+                          <a:ln>
+                            <a:noFill/>
+                          </a:ln>
+                          <a:solidFill>
+                            <a:prstClr val="black"/>
+                          </a:solidFill>
+                          <a:effectLst/>
+                          <a:uLnTx/>
+                          <a:uFillTx/>
+                          <a:latin typeface="+mn-lt"/>
+                          <a:ea typeface="+mn-ea"/>
+                          <a:cs typeface="+mn-cs"/>
+                        </a:rPr>
+                        <a:t>.</a:t>
+                      </a:r>
+                      <a:endParaRPr lang="ko-KR" altLang="en-US" sz="1200" dirty="0"/>
+                    </a:p>
+                  </a:txBody>
+                  <a:tcPr marL="72000" anchor="ctr"/>
+                </a:tc>
+                <a:tc>
+                  <a:txBody>
+                    <a:bodyPr/>
+                    <a:lstStyle/>
+                    <a:p>
+                      <a:pPr algn="ctr" latinLnBrk="1"/>
+                      <a:r>
+                        <a:rPr lang="ko-KR" altLang="en-US" sz="1200" dirty="0"/>
+                        <a:t>정방형 달력 리스트 제작 기능 테스트</a:t>
+                      </a:r>
+                    </a:p>
+                  </a:txBody>
+                  <a:tcPr marL="72000" anchor="ctr"/>
+                </a:tc>
+                <a:tc>
+                  <a:txBody>
+                    <a:bodyPr/>
+                    <a:lstStyle/>
+                    <a:p>
+                      <a:pPr algn="ctr" latinLnBrk="1"/>
+                      <a:r>
+                        <a:rPr lang="en-US" altLang="ko-KR" sz="1100" b="0" dirty="0"/>
+                        <a:t>Pass</a:t>
+                      </a:r>
+                      <a:endParaRPr lang="ko-KR" altLang="en-US" sz="1100" dirty="0"/>
+                    </a:p>
+                  </a:txBody>
+                  <a:tcPr marL="72000" anchor="ctr"/>
+                </a:tc>
+                <a:extLst>
+                  <a:ext uri="{0D108BD9-81ED-4DB2-BD59-A6C34878D82A}">
+                    <a16:rowId xmlns:a16="http://schemas.microsoft.com/office/drawing/2014/main" val="2713476165"/>
+                  </a:ext>
+                </a:extLst>
+              </a:tr>
+            </a:tbl>
+          </a:graphicData>
+        </a:graphic>
+      </p:graphicFrame>
+    </p:spTree>
+    <p:extLst>
+      <p:ext uri="{BB962C8B-B14F-4D97-AF65-F5344CB8AC3E}">
+        <p14:creationId xmlns:p14="http://schemas.microsoft.com/office/powerpoint/2010/main" val="3402785950"/>
+      </p:ext>
+    </p:extLst>
+  </p:cSld>
+  <p:clrMapOvr>
+    <a:masterClrMapping/>
+  </p:clrMapOvr>
+</p:sld>
+</file>
+
 <file path=ppt/slides/slide2.xml><?xml version="1.0" encoding="utf-8"?>
 <p:sld xmlns:a="http://schemas.openxmlformats.org/drawingml/2006/main" xmlns:r="http://schemas.openxmlformats.org/officeDocument/2006/relationships" xmlns:p="http://schemas.openxmlformats.org/presentationml/2006/main">
   <p:cSld>

--- a/Adventure Design.pptx
+++ b/Adventure Design.pptx
@@ -5,23 +5,28 @@
     <p:sldMasterId id="2147483648" r:id="rId1"/>
   </p:sldMasterIdLst>
   <p:sldIdLst>
-    <p:sldId id="260" r:id="rId2"/>
-    <p:sldId id="262" r:id="rId3"/>
-    <p:sldId id="267" r:id="rId4"/>
-    <p:sldId id="271" r:id="rId5"/>
-    <p:sldId id="272" r:id="rId6"/>
-    <p:sldId id="273" r:id="rId7"/>
-    <p:sldId id="263" r:id="rId8"/>
-    <p:sldId id="279" r:id="rId9"/>
-    <p:sldId id="280" r:id="rId10"/>
-    <p:sldId id="281" r:id="rId11"/>
-    <p:sldId id="264" r:id="rId12"/>
-    <p:sldId id="274" r:id="rId13"/>
-    <p:sldId id="275" r:id="rId14"/>
-    <p:sldId id="276" r:id="rId15"/>
-    <p:sldId id="277" r:id="rId16"/>
-    <p:sldId id="278" r:id="rId17"/>
-    <p:sldId id="282" r:id="rId18"/>
+    <p:sldId id="285" r:id="rId2"/>
+    <p:sldId id="284" r:id="rId3"/>
+    <p:sldId id="260" r:id="rId4"/>
+    <p:sldId id="262" r:id="rId5"/>
+    <p:sldId id="267" r:id="rId6"/>
+    <p:sldId id="271" r:id="rId7"/>
+    <p:sldId id="272" r:id="rId8"/>
+    <p:sldId id="273" r:id="rId9"/>
+    <p:sldId id="263" r:id="rId10"/>
+    <p:sldId id="279" r:id="rId11"/>
+    <p:sldId id="280" r:id="rId12"/>
+    <p:sldId id="281" r:id="rId13"/>
+    <p:sldId id="264" r:id="rId14"/>
+    <p:sldId id="274" r:id="rId15"/>
+    <p:sldId id="275" r:id="rId16"/>
+    <p:sldId id="276" r:id="rId17"/>
+    <p:sldId id="277" r:id="rId18"/>
+    <p:sldId id="278" r:id="rId19"/>
+    <p:sldId id="282" r:id="rId20"/>
+    <p:sldId id="288" r:id="rId21"/>
+    <p:sldId id="286" r:id="rId22"/>
+    <p:sldId id="287" r:id="rId23"/>
   </p:sldIdLst>
   <p:sldSz cx="12192000" cy="6858000"/>
   <p:notesSz cx="6858000" cy="9144000"/>
@@ -275,7 +280,7 @@
           <a:p>
             <a:fld id="{1073FD90-5537-4366-A61B-260BD41BA947}" type="datetimeFigureOut">
               <a:rPr lang="ko-KR" altLang="en-US" smtClean="0"/>
-              <a:t>2018-12-11</a:t>
+              <a:t>2018-12-10</a:t>
             </a:fld>
             <a:endParaRPr lang="ko-KR" altLang="en-US"/>
           </a:p>
@@ -473,7 +478,7 @@
           <a:p>
             <a:fld id="{1073FD90-5537-4366-A61B-260BD41BA947}" type="datetimeFigureOut">
               <a:rPr lang="ko-KR" altLang="en-US" smtClean="0"/>
-              <a:t>2018-12-11</a:t>
+              <a:t>2018-12-10</a:t>
             </a:fld>
             <a:endParaRPr lang="ko-KR" altLang="en-US"/>
           </a:p>
@@ -681,7 +686,7 @@
           <a:p>
             <a:fld id="{1073FD90-5537-4366-A61B-260BD41BA947}" type="datetimeFigureOut">
               <a:rPr lang="ko-KR" altLang="en-US" smtClean="0"/>
-              <a:t>2018-12-11</a:t>
+              <a:t>2018-12-10</a:t>
             </a:fld>
             <a:endParaRPr lang="ko-KR" altLang="en-US"/>
           </a:p>
@@ -879,7 +884,7 @@
           <a:p>
             <a:fld id="{1073FD90-5537-4366-A61B-260BD41BA947}" type="datetimeFigureOut">
               <a:rPr lang="ko-KR" altLang="en-US" smtClean="0"/>
-              <a:t>2018-12-11</a:t>
+              <a:t>2018-12-10</a:t>
             </a:fld>
             <a:endParaRPr lang="ko-KR" altLang="en-US"/>
           </a:p>
@@ -1154,7 +1159,7 @@
           <a:p>
             <a:fld id="{1073FD90-5537-4366-A61B-260BD41BA947}" type="datetimeFigureOut">
               <a:rPr lang="ko-KR" altLang="en-US" smtClean="0"/>
-              <a:t>2018-12-11</a:t>
+              <a:t>2018-12-10</a:t>
             </a:fld>
             <a:endParaRPr lang="ko-KR" altLang="en-US"/>
           </a:p>
@@ -1419,7 +1424,7 @@
           <a:p>
             <a:fld id="{1073FD90-5537-4366-A61B-260BD41BA947}" type="datetimeFigureOut">
               <a:rPr lang="ko-KR" altLang="en-US" smtClean="0"/>
-              <a:t>2018-12-11</a:t>
+              <a:t>2018-12-10</a:t>
             </a:fld>
             <a:endParaRPr lang="ko-KR" altLang="en-US"/>
           </a:p>
@@ -1831,7 +1836,7 @@
           <a:p>
             <a:fld id="{1073FD90-5537-4366-A61B-260BD41BA947}" type="datetimeFigureOut">
               <a:rPr lang="ko-KR" altLang="en-US" smtClean="0"/>
-              <a:t>2018-12-11</a:t>
+              <a:t>2018-12-10</a:t>
             </a:fld>
             <a:endParaRPr lang="ko-KR" altLang="en-US"/>
           </a:p>
@@ -1972,7 +1977,7 @@
           <a:p>
             <a:fld id="{1073FD90-5537-4366-A61B-260BD41BA947}" type="datetimeFigureOut">
               <a:rPr lang="ko-KR" altLang="en-US" smtClean="0"/>
-              <a:t>2018-12-11</a:t>
+              <a:t>2018-12-10</a:t>
             </a:fld>
             <a:endParaRPr lang="ko-KR" altLang="en-US"/>
           </a:p>
@@ -2085,7 +2090,7 @@
           <a:p>
             <a:fld id="{1073FD90-5537-4366-A61B-260BD41BA947}" type="datetimeFigureOut">
               <a:rPr lang="ko-KR" altLang="en-US" smtClean="0"/>
-              <a:t>2018-12-11</a:t>
+              <a:t>2018-12-10</a:t>
             </a:fld>
             <a:endParaRPr lang="ko-KR" altLang="en-US"/>
           </a:p>
@@ -2396,7 +2401,7 @@
           <a:p>
             <a:fld id="{1073FD90-5537-4366-A61B-260BD41BA947}" type="datetimeFigureOut">
               <a:rPr lang="ko-KR" altLang="en-US" smtClean="0"/>
-              <a:t>2018-12-11</a:t>
+              <a:t>2018-12-10</a:t>
             </a:fld>
             <a:endParaRPr lang="ko-KR" altLang="en-US"/>
           </a:p>
@@ -2684,7 +2689,7 @@
           <a:p>
             <a:fld id="{1073FD90-5537-4366-A61B-260BD41BA947}" type="datetimeFigureOut">
               <a:rPr lang="ko-KR" altLang="en-US" smtClean="0"/>
-              <a:t>2018-12-11</a:t>
+              <a:t>2018-12-10</a:t>
             </a:fld>
             <a:endParaRPr lang="ko-KR" altLang="en-US"/>
           </a:p>
@@ -2925,7 +2930,7 @@
           <a:p>
             <a:fld id="{1073FD90-5537-4366-A61B-260BD41BA947}" type="datetimeFigureOut">
               <a:rPr lang="ko-KR" altLang="en-US" smtClean="0"/>
-              <a:t>2018-12-11</a:t>
+              <a:t>2018-12-10</a:t>
             </a:fld>
             <a:endParaRPr lang="ko-KR" altLang="en-US"/>
           </a:p>
@@ -3347,7 +3352,7 @@
           <p:cNvPr id="2" name="제목 1">
             <a:extLst>
               <a:ext uri="{FF2B5EF4-FFF2-40B4-BE49-F238E27FC236}">
-                <a16:creationId xmlns:a16="http://schemas.microsoft.com/office/drawing/2014/main" id="{33DFDBA8-2FFE-45A9-98D4-B9671D5C5D40}"/>
+                <a16:creationId xmlns:a16="http://schemas.microsoft.com/office/drawing/2014/main" id="{292F4683-B99A-4B8A-9D37-C47AAFCFFB9A}"/>
               </a:ext>
             </a:extLst>
           </p:cNvPr>
@@ -3355,16 +3360,21 @@
             <a:spLocks noGrp="1"/>
           </p:cNvSpPr>
           <p:nvPr>
-            <p:ph type="title"/>
+            <p:ph type="ctrTitle"/>
           </p:nvPr>
         </p:nvSpPr>
-        <p:spPr/>
+        <p:spPr>
+          <a:xfrm>
+            <a:off x="1524000" y="2015716"/>
+            <a:ext cx="9144000" cy="2387600"/>
+          </a:xfrm>
+        </p:spPr>
         <p:txBody>
-          <a:bodyPr/>
+          <a:bodyPr anchor="ctr"/>
           <a:lstStyle/>
           <a:p>
             <a:r>
-              <a:rPr lang="ko-KR" altLang="en-US" b="1" dirty="0">
+              <a:rPr lang="en-US" altLang="ko-KR" dirty="0">
                 <a:effectLst>
                   <a:outerShdw blurRad="38100" dist="38100" dir="2700000" algn="tl">
                     <a:srgbClr val="000000">
@@ -3373,17 +3383,95 @@
                   </a:outerShdw>
                 </a:effectLst>
               </a:rPr>
-              <a:t>요구사항 명세</a:t>
-            </a:r>
+              <a:t>Software Project II</a:t>
+            </a:r>
+            <a:br>
+              <a:rPr lang="en-US" altLang="ko-KR" dirty="0">
+                <a:effectLst>
+                  <a:outerShdw blurRad="38100" dist="38100" dir="2700000" algn="tl">
+                    <a:srgbClr val="000000">
+                      <a:alpha val="43137"/>
+                    </a:srgbClr>
+                  </a:outerShdw>
+                </a:effectLst>
+              </a:rPr>
+            </a:br>
+            <a:r>
+              <a:rPr lang="en-US" altLang="ko-KR" sz="4400" dirty="0">
+                <a:effectLst>
+                  <a:outerShdw blurRad="38100" dist="38100" dir="2700000" algn="tl">
+                    <a:srgbClr val="000000">
+                      <a:alpha val="43137"/>
+                    </a:srgbClr>
+                  </a:outerShdw>
+                </a:effectLst>
+              </a:rPr>
+              <a:t>Adventure Design</a:t>
+            </a:r>
+            <a:endParaRPr lang="ko-KR" altLang="en-US" sz="4400" dirty="0">
+              <a:effectLst>
+                <a:outerShdw blurRad="38100" dist="38100" dir="2700000" algn="tl">
+                  <a:srgbClr val="000000">
+                    <a:alpha val="43137"/>
+                  </a:srgbClr>
+                </a:outerShdw>
+              </a:effectLst>
+            </a:endParaRPr>
+          </a:p>
+        </p:txBody>
+      </p:sp>
+      <p:sp>
+        <p:nvSpPr>
+          <p:cNvPr id="3" name="부제목 2">
+            <a:extLst>
+              <a:ext uri="{FF2B5EF4-FFF2-40B4-BE49-F238E27FC236}">
+                <a16:creationId xmlns:a16="http://schemas.microsoft.com/office/drawing/2014/main" id="{0AE753C9-B1CE-4032-AC3E-2E1E0B52E9C3}"/>
+              </a:ext>
+            </a:extLst>
+          </p:cNvPr>
+          <p:cNvSpPr>
+            <a:spLocks noGrp="1"/>
+          </p:cNvSpPr>
+          <p:nvPr>
+            <p:ph type="subTitle" idx="1"/>
+          </p:nvPr>
+        </p:nvSpPr>
+        <p:spPr>
+          <a:xfrm>
+            <a:off x="1524000" y="4403316"/>
+            <a:ext cx="9144000" cy="1655762"/>
+          </a:xfrm>
+        </p:spPr>
+        <p:txBody>
+          <a:bodyPr anchor="ctr"/>
+          <a:lstStyle/>
+          <a:p>
+            <a:r>
+              <a:rPr lang="en-US" altLang="ko-KR" dirty="0"/>
+              <a:t>Prod. </a:t>
+            </a:r>
+            <a:r>
+              <a:rPr lang="en-US" altLang="ko-KR" dirty="0" err="1"/>
+              <a:t>Angheng</a:t>
+            </a:r>
+            <a:r>
+              <a:rPr lang="en-US" altLang="ko-KR" dirty="0"/>
+              <a:t> &amp; </a:t>
+            </a:r>
+            <a:r>
+              <a:rPr lang="en-US" altLang="ko-KR" dirty="0" err="1"/>
+              <a:t>whismile</a:t>
+            </a:r>
+            <a:endParaRPr lang="ko-KR" altLang="en-US" dirty="0"/>
           </a:p>
         </p:txBody>
       </p:sp>
       <p:cxnSp>
         <p:nvCxnSpPr>
-          <p:cNvPr id="5" name="직선 연결선 4">
+          <p:cNvPr id="4" name="직선 연결선 3">
             <a:extLst>
               <a:ext uri="{FF2B5EF4-FFF2-40B4-BE49-F238E27FC236}">
-                <a16:creationId xmlns:a16="http://schemas.microsoft.com/office/drawing/2014/main" id="{F22AA8DD-ED0F-45F1-86B0-9537AE71DA68}"/>
+                <a16:creationId xmlns:a16="http://schemas.microsoft.com/office/drawing/2014/main" id="{3403AC00-7FDA-42DD-A0E1-9EB8628D1BE0}"/>
               </a:ext>
             </a:extLst>
           </p:cNvPr>
@@ -3394,48 +3482,7 @@
         </p:nvCxnSpPr>
         <p:spPr>
           <a:xfrm>
-            <a:off x="11084767" y="734457"/>
-            <a:ext cx="269033" cy="0"/>
-          </a:xfrm>
-          <a:prstGeom prst="line">
-            <a:avLst/>
-          </a:prstGeom>
-          <a:ln w="44450" cap="rnd">
-            <a:round/>
-          </a:ln>
-        </p:spPr>
-        <p:style>
-          <a:lnRef idx="1">
-            <a:schemeClr val="accent1"/>
-          </a:lnRef>
-          <a:fillRef idx="0">
-            <a:schemeClr val="accent1"/>
-          </a:fillRef>
-          <a:effectRef idx="0">
-            <a:schemeClr val="accent1"/>
-          </a:effectRef>
-          <a:fontRef idx="minor">
-            <a:schemeClr val="tx1"/>
-          </a:fontRef>
-        </p:style>
-      </p:cxnSp>
-      <p:cxnSp>
-        <p:nvCxnSpPr>
-          <p:cNvPr id="7" name="직선 연결선 6">
-            <a:extLst>
-              <a:ext uri="{FF2B5EF4-FFF2-40B4-BE49-F238E27FC236}">
-                <a16:creationId xmlns:a16="http://schemas.microsoft.com/office/drawing/2014/main" id="{F9208F28-276D-406F-A6EC-CFE994BD16F9}"/>
-              </a:ext>
-            </a:extLst>
-          </p:cNvPr>
-          <p:cNvCxnSpPr>
-            <a:cxnSpLocks/>
-          </p:cNvCxnSpPr>
-          <p:nvPr/>
-        </p:nvCxnSpPr>
-        <p:spPr>
-          <a:xfrm>
-            <a:off x="1006151" y="1375692"/>
+            <a:off x="4267825" y="5457498"/>
             <a:ext cx="234820" cy="0"/>
           </a:xfrm>
           <a:prstGeom prst="line">
@@ -3460,521 +3507,10 @@
           </a:fontRef>
         </p:style>
       </p:cxnSp>
-      <p:sp>
-        <p:nvSpPr>
-          <p:cNvPr id="9" name="TextBox 8">
-            <a:extLst>
-              <a:ext uri="{FF2B5EF4-FFF2-40B4-BE49-F238E27FC236}">
-                <a16:creationId xmlns:a16="http://schemas.microsoft.com/office/drawing/2014/main" id="{224FA63F-25E4-4A1B-8A7C-FEC4BFF243CB}"/>
-              </a:ext>
-            </a:extLst>
-          </p:cNvPr>
-          <p:cNvSpPr txBox="1"/>
-          <p:nvPr/>
-        </p:nvSpPr>
-        <p:spPr>
-          <a:xfrm>
-            <a:off x="9806473" y="365125"/>
-            <a:ext cx="1687286" cy="369332"/>
-          </a:xfrm>
-          <a:prstGeom prst="rect">
-            <a:avLst/>
-          </a:prstGeom>
-          <a:noFill/>
-        </p:spPr>
-        <p:txBody>
-          <a:bodyPr wrap="square" rtlCol="0">
-            <a:spAutoFit/>
-          </a:bodyPr>
-          <a:lstStyle/>
-          <a:p>
-            <a:pPr algn="r"/>
-            <a:r>
-              <a:rPr lang="ko-KR" altLang="en-US" b="1" dirty="0"/>
-              <a:t>요구사항 명세</a:t>
-            </a:r>
-          </a:p>
-        </p:txBody>
-      </p:sp>
-      <p:graphicFrame>
-        <p:nvGraphicFramePr>
-          <p:cNvPr id="8" name="표 7">
-            <a:extLst>
-              <a:ext uri="{FF2B5EF4-FFF2-40B4-BE49-F238E27FC236}">
-                <a16:creationId xmlns:a16="http://schemas.microsoft.com/office/drawing/2014/main" id="{A6FAEDF7-BBE2-4ACB-971B-400FF03736B4}"/>
-              </a:ext>
-            </a:extLst>
-          </p:cNvPr>
-          <p:cNvGraphicFramePr>
-            <a:graphicFrameLocks noGrp="1"/>
-          </p:cNvGraphicFramePr>
-          <p:nvPr>
-            <p:extLst>
-              <p:ext uri="{D42A27DB-BD31-4B8C-83A1-F6EECF244321}">
-                <p14:modId xmlns:p14="http://schemas.microsoft.com/office/powerpoint/2010/main" val="4007561783"/>
-              </p:ext>
-            </p:extLst>
-          </p:nvPr>
-        </p:nvGraphicFramePr>
-        <p:xfrm>
-          <a:off x="852196" y="1848309"/>
-          <a:ext cx="10487607" cy="4176405"/>
-        </p:xfrm>
-        <a:graphic>
-          <a:graphicData uri="http://schemas.openxmlformats.org/drawingml/2006/table">
-            <a:tbl>
-              <a:tblPr firstRow="1" firstCol="1" bandRow="1">
-                <a:tableStyleId>{5C22544A-7EE6-4342-B048-85BDC9FD1C3A}</a:tableStyleId>
-              </a:tblPr>
-              <a:tblGrid>
-                <a:gridCol w="1671735">
-                  <a:extLst>
-                    <a:ext uri="{9D8B030D-6E8A-4147-A177-3AD203B41FA5}">
-                      <a16:colId xmlns:a16="http://schemas.microsoft.com/office/drawing/2014/main" val="1472000666"/>
-                    </a:ext>
-                  </a:extLst>
-                </a:gridCol>
-                <a:gridCol w="4300634">
-                  <a:extLst>
-                    <a:ext uri="{9D8B030D-6E8A-4147-A177-3AD203B41FA5}">
-                      <a16:colId xmlns:a16="http://schemas.microsoft.com/office/drawing/2014/main" val="4284368180"/>
-                    </a:ext>
-                  </a:extLst>
-                </a:gridCol>
-                <a:gridCol w="4515238">
-                  <a:extLst>
-                    <a:ext uri="{9D8B030D-6E8A-4147-A177-3AD203B41FA5}">
-                      <a16:colId xmlns:a16="http://schemas.microsoft.com/office/drawing/2014/main" val="4287067943"/>
-                    </a:ext>
-                  </a:extLst>
-                </a:gridCol>
-              </a:tblGrid>
-              <a:tr h="488325">
-                <a:tc>
-                  <a:txBody>
-                    <a:bodyPr/>
-                    <a:lstStyle/>
-                    <a:p>
-                      <a:pPr latinLnBrk="1"/>
-                      <a:endParaRPr lang="ko-KR" altLang="en-US" dirty="0"/>
-                    </a:p>
-                  </a:txBody>
-                  <a:tcPr marL="72000" anchor="ctr" anchorCtr="1">
-                    <a:solidFill>
-                      <a:schemeClr val="accent1">
-                        <a:lumMod val="50000"/>
-                      </a:schemeClr>
-                    </a:solidFill>
-                  </a:tcPr>
-                </a:tc>
-                <a:tc>
-                  <a:txBody>
-                    <a:bodyPr/>
-                    <a:lstStyle/>
-                    <a:p>
-                      <a:pPr algn="ctr" latinLnBrk="1"/>
-                      <a:r>
-                        <a:rPr lang="ko-KR" altLang="en-US" dirty="0"/>
-                        <a:t>세부 사항</a:t>
-                      </a:r>
-                    </a:p>
-                  </a:txBody>
-                  <a:tcPr marL="72000" anchor="ctr">
-                    <a:solidFill>
-                      <a:schemeClr val="accent1">
-                        <a:lumMod val="50000"/>
-                      </a:schemeClr>
-                    </a:solidFill>
-                  </a:tcPr>
-                </a:tc>
-                <a:tc>
-                  <a:txBody>
-                    <a:bodyPr/>
-                    <a:lstStyle/>
-                    <a:p>
-                      <a:pPr algn="ctr" latinLnBrk="1"/>
-                      <a:r>
-                        <a:rPr lang="ko-KR" altLang="en-US" dirty="0"/>
-                        <a:t>액션</a:t>
-                      </a:r>
-                    </a:p>
-                  </a:txBody>
-                  <a:tcPr marL="72000" anchor="ctr">
-                    <a:solidFill>
-                      <a:schemeClr val="accent1">
-                        <a:lumMod val="50000"/>
-                      </a:schemeClr>
-                    </a:solidFill>
-                  </a:tcPr>
-                </a:tc>
-                <a:extLst>
-                  <a:ext uri="{0D108BD9-81ED-4DB2-BD59-A6C34878D82A}">
-                    <a16:rowId xmlns:a16="http://schemas.microsoft.com/office/drawing/2014/main" val="3828578026"/>
-                  </a:ext>
-                </a:extLst>
-              </a:tr>
-              <a:tr h="1051559">
-                <a:tc rowSpan="3">
-                  <a:txBody>
-                    <a:bodyPr/>
-                    <a:lstStyle/>
-                    <a:p>
-                      <a:pPr latinLnBrk="1"/>
-                      <a:r>
-                        <a:rPr lang="ko-KR" altLang="en-US" sz="1600" dirty="0"/>
-                        <a:t>기능적 요구사항</a:t>
-                      </a:r>
-                    </a:p>
-                  </a:txBody>
-                  <a:tcPr marL="72000" anchor="ctr" anchorCtr="1">
-                    <a:solidFill>
-                      <a:schemeClr val="accent1">
-                        <a:lumMod val="50000"/>
-                      </a:schemeClr>
-                    </a:solidFill>
-                  </a:tcPr>
-                </a:tc>
-                <a:tc>
-                  <a:txBody>
-                    <a:bodyPr/>
-                    <a:lstStyle/>
-                    <a:p>
-                      <a:pPr algn="l" latinLnBrk="1"/>
-                      <a:r>
-                        <a:rPr lang="ko-KR" altLang="en-US" b="1" dirty="0"/>
-                        <a:t>캘린더</a:t>
-                      </a:r>
-                    </a:p>
-                  </a:txBody>
-                  <a:tcPr marL="72000" anchor="ctr"/>
-                </a:tc>
-                <a:tc>
-                  <a:txBody>
-                    <a:bodyPr/>
-                    <a:lstStyle/>
-                    <a:p>
-                      <a:pPr algn="l" latinLnBrk="1"/>
-                      <a:r>
-                        <a:rPr lang="ko-KR" altLang="en-US" sz="1400" dirty="0"/>
-                        <a:t>연도와 월에 맞는 캘린더가 출력된다</a:t>
-                      </a:r>
-                      <a:r>
-                        <a:rPr lang="en-US" altLang="ko-KR" sz="1400" dirty="0"/>
-                        <a:t>. </a:t>
-                      </a:r>
-                    </a:p>
-                    <a:p>
-                      <a:pPr marL="400050" indent="-400050" algn="l" latinLnBrk="1">
-                        <a:buAutoNum type="romanLcPeriod"/>
-                      </a:pPr>
-                      <a:r>
-                        <a:rPr lang="ko-KR" altLang="en-US" sz="1400" dirty="0"/>
-                        <a:t>버튼을 클릭하여 다음 혹은 이전 월로 이동할 수 있어야 한다</a:t>
-                      </a:r>
-                      <a:r>
-                        <a:rPr lang="en-US" altLang="ko-KR" sz="1400" dirty="0"/>
-                        <a:t>.</a:t>
-                      </a:r>
-                    </a:p>
-                    <a:p>
-                      <a:pPr marL="400050" indent="-400050" algn="l" latinLnBrk="1">
-                        <a:buAutoNum type="romanLcPeriod"/>
-                      </a:pPr>
-                      <a:r>
-                        <a:rPr lang="en-US" altLang="ko-KR" sz="1400" dirty="0" err="1"/>
-                        <a:t>comboBox</a:t>
-                      </a:r>
-                      <a:r>
-                        <a:rPr lang="en-US" altLang="ko-KR" sz="1400" dirty="0"/>
-                        <a:t> </a:t>
-                      </a:r>
-                      <a:r>
-                        <a:rPr lang="ko-KR" altLang="en-US" sz="1400" dirty="0"/>
-                        <a:t>를 사용하여 특정 연도의 특정 월로 이동할 수 있어야 한다</a:t>
-                      </a:r>
-                      <a:r>
-                        <a:rPr lang="en-US" altLang="ko-KR" sz="1400" dirty="0"/>
-                        <a:t>.</a:t>
-                      </a:r>
-                    </a:p>
-                    <a:p>
-                      <a:pPr marL="400050" indent="-400050" algn="l" latinLnBrk="1">
-                        <a:buAutoNum type="romanLcPeriod"/>
-                      </a:pPr>
-                      <a:r>
-                        <a:rPr lang="ko-KR" altLang="en-US" sz="1400" dirty="0"/>
-                        <a:t>휴일과 일요일은 빨간색으로 표기한다</a:t>
-                      </a:r>
-                      <a:r>
-                        <a:rPr lang="en-US" altLang="ko-KR" sz="1400" dirty="0"/>
-                        <a:t>.</a:t>
-                      </a:r>
-                      <a:endParaRPr lang="ko-KR" altLang="en-US" sz="1400" dirty="0"/>
-                    </a:p>
-                  </a:txBody>
-                  <a:tcPr marL="72000" anchor="ctr"/>
-                </a:tc>
-                <a:extLst>
-                  <a:ext uri="{0D108BD9-81ED-4DB2-BD59-A6C34878D82A}">
-                    <a16:rowId xmlns:a16="http://schemas.microsoft.com/office/drawing/2014/main" val="3272470095"/>
-                  </a:ext>
-                </a:extLst>
-              </a:tr>
-              <a:tr h="1051559">
-                <a:tc vMerge="1">
-                  <a:txBody>
-                    <a:bodyPr/>
-                    <a:lstStyle/>
-                    <a:p>
-                      <a:pPr latinLnBrk="1"/>
-                      <a:endParaRPr lang="ko-KR" altLang="en-US" dirty="0"/>
-                    </a:p>
-                  </a:txBody>
-                  <a:tcPr marL="72000" anchor="ctr" anchorCtr="1">
-                    <a:solidFill>
-                      <a:schemeClr val="accent1">
-                        <a:lumMod val="50000"/>
-                      </a:schemeClr>
-                    </a:solidFill>
-                  </a:tcPr>
-                </a:tc>
-                <a:tc>
-                  <a:txBody>
-                    <a:bodyPr/>
-                    <a:lstStyle/>
-                    <a:p>
-                      <a:pPr algn="l" latinLnBrk="1"/>
-                      <a:r>
-                        <a:rPr lang="ko-KR" altLang="en-US" b="1" dirty="0"/>
-                        <a:t>음력 </a:t>
-                      </a:r>
-                      <a:r>
-                        <a:rPr lang="en-US" altLang="ko-KR" b="1" dirty="0"/>
-                        <a:t>/ </a:t>
-                      </a:r>
-                      <a:r>
-                        <a:rPr lang="ko-KR" altLang="en-US" b="1" dirty="0"/>
-                        <a:t>양력 변환</a:t>
-                      </a:r>
-                    </a:p>
-                  </a:txBody>
-                  <a:tcPr marL="72000" anchor="ctr"/>
-                </a:tc>
-                <a:tc>
-                  <a:txBody>
-                    <a:bodyPr/>
-                    <a:lstStyle/>
-                    <a:p>
-                      <a:pPr algn="l" latinLnBrk="1"/>
-                      <a:r>
-                        <a:rPr lang="ko-KR" altLang="en-US" sz="1400" b="0" dirty="0"/>
-                        <a:t>음력을 양력으로</a:t>
-                      </a:r>
-                      <a:r>
-                        <a:rPr lang="en-US" altLang="ko-KR" sz="1400" b="0" dirty="0"/>
-                        <a:t>, </a:t>
-                      </a:r>
-                      <a:r>
-                        <a:rPr lang="ko-KR" altLang="en-US" sz="1400" b="0" dirty="0"/>
-                        <a:t>양력을 음력으로 변환한다</a:t>
-                      </a:r>
-                      <a:r>
-                        <a:rPr lang="en-US" altLang="ko-KR" sz="1400" b="0" dirty="0"/>
-                        <a:t>.</a:t>
-                      </a:r>
-                    </a:p>
-                    <a:p>
-                      <a:pPr marL="400050" indent="-400050" algn="l" latinLnBrk="1">
-                        <a:buAutoNum type="romanLcPeriod"/>
-                      </a:pPr>
-                      <a:r>
-                        <a:rPr lang="en-US" altLang="ko-KR" sz="1400" b="0" dirty="0"/>
-                        <a:t>Spinner </a:t>
-                      </a:r>
-                      <a:r>
-                        <a:rPr lang="ko-KR" altLang="en-US" sz="1400" b="0" dirty="0"/>
-                        <a:t>을 이용하여 특정 연도</a:t>
-                      </a:r>
-                      <a:r>
-                        <a:rPr lang="en-US" altLang="ko-KR" sz="1400" b="0" dirty="0"/>
-                        <a:t>, </a:t>
-                      </a:r>
-                      <a:r>
-                        <a:rPr lang="ko-KR" altLang="en-US" sz="1400" b="0" dirty="0"/>
-                        <a:t>월</a:t>
-                      </a:r>
-                      <a:r>
-                        <a:rPr lang="en-US" altLang="ko-KR" sz="1400" b="0" dirty="0"/>
-                        <a:t>, </a:t>
-                      </a:r>
-                      <a:r>
-                        <a:rPr lang="ko-KR" altLang="en-US" sz="1400" b="0" dirty="0"/>
-                        <a:t>일 로 이동한다</a:t>
-                      </a:r>
-                      <a:r>
-                        <a:rPr lang="en-US" altLang="ko-KR" sz="1400" b="0" dirty="0"/>
-                        <a:t>.</a:t>
-                      </a:r>
-                    </a:p>
-                    <a:p>
-                      <a:pPr marL="400050" indent="-400050" algn="l" latinLnBrk="1">
-                        <a:buAutoNum type="romanLcPeriod"/>
-                      </a:pPr>
-                      <a:r>
-                        <a:rPr lang="ko-KR" altLang="en-US" sz="1400" b="0" dirty="0"/>
-                        <a:t>리셋 버튼을 누르면 오늘 날짜가 표시되고</a:t>
-                      </a:r>
-                      <a:r>
-                        <a:rPr lang="en-US" altLang="ko-KR" sz="1400" b="0" dirty="0"/>
-                        <a:t>, </a:t>
-                      </a:r>
-                      <a:r>
-                        <a:rPr lang="ko-KR" altLang="en-US" sz="1400" b="0" dirty="0"/>
-                        <a:t>이에 따른 음력 날짜를 출력한다</a:t>
-                      </a:r>
-                      <a:r>
-                        <a:rPr lang="en-US" altLang="ko-KR" sz="1400" b="0" dirty="0"/>
-                        <a:t>.</a:t>
-                      </a:r>
-                      <a:endParaRPr lang="ko-KR" altLang="en-US" sz="1400" b="0" dirty="0"/>
-                    </a:p>
-                  </a:txBody>
-                  <a:tcPr marL="72000" anchor="ctr"/>
-                </a:tc>
-                <a:extLst>
-                  <a:ext uri="{0D108BD9-81ED-4DB2-BD59-A6C34878D82A}">
-                    <a16:rowId xmlns:a16="http://schemas.microsoft.com/office/drawing/2014/main" val="510944559"/>
-                  </a:ext>
-                </a:extLst>
-              </a:tr>
-              <a:tr h="1051559">
-                <a:tc vMerge="1">
-                  <a:txBody>
-                    <a:bodyPr/>
-                    <a:lstStyle/>
-                    <a:p>
-                      <a:pPr latinLnBrk="1"/>
-                      <a:endParaRPr lang="ko-KR" altLang="en-US" dirty="0"/>
-                    </a:p>
-                  </a:txBody>
-                  <a:tcPr marL="72000" anchor="ctr" anchorCtr="1">
-                    <a:solidFill>
-                      <a:schemeClr val="accent1">
-                        <a:lumMod val="50000"/>
-                      </a:schemeClr>
-                    </a:solidFill>
-                  </a:tcPr>
-                </a:tc>
-                <a:tc>
-                  <a:txBody>
-                    <a:bodyPr/>
-                    <a:lstStyle/>
-                    <a:p>
-                      <a:pPr algn="l" latinLnBrk="1"/>
-                      <a:r>
-                        <a:rPr lang="ko-KR" altLang="en-US" b="1" dirty="0"/>
-                        <a:t>스케줄러</a:t>
-                      </a:r>
-                    </a:p>
-                  </a:txBody>
-                  <a:tcPr marL="72000" anchor="ctr"/>
-                </a:tc>
-                <a:tc>
-                  <a:txBody>
-                    <a:bodyPr/>
-                    <a:lstStyle/>
-                    <a:p>
-                      <a:pPr algn="l" latinLnBrk="1"/>
-                      <a:r>
-                        <a:rPr lang="ko-KR" altLang="en-US" sz="1400" dirty="0"/>
-                        <a:t>캘린더에 일정을 추가한다</a:t>
-                      </a:r>
-                      <a:r>
-                        <a:rPr lang="en-US" altLang="ko-KR" sz="1400" dirty="0"/>
-                        <a:t>.</a:t>
-                      </a:r>
-                    </a:p>
-                    <a:p>
-                      <a:pPr marL="400050" indent="-400050" algn="l" latinLnBrk="1">
-                        <a:buAutoNum type="romanLcPeriod"/>
-                      </a:pPr>
-                      <a:r>
-                        <a:rPr lang="ko-KR" altLang="en-US" sz="1400" dirty="0"/>
-                        <a:t>일정엔 제목</a:t>
-                      </a:r>
-                      <a:r>
-                        <a:rPr lang="en-US" altLang="ko-KR" sz="1400" dirty="0"/>
-                        <a:t>, </a:t>
-                      </a:r>
-                      <a:r>
-                        <a:rPr lang="ko-KR" altLang="en-US" sz="1400" dirty="0"/>
-                        <a:t>장소</a:t>
-                      </a:r>
-                      <a:r>
-                        <a:rPr lang="en-US" altLang="ko-KR" sz="1400" dirty="0"/>
-                        <a:t>, </a:t>
-                      </a:r>
-                      <a:r>
-                        <a:rPr lang="ko-KR" altLang="en-US" sz="1400" dirty="0"/>
-                        <a:t>시간</a:t>
-                      </a:r>
-                      <a:r>
-                        <a:rPr lang="en-US" altLang="ko-KR" sz="1400" dirty="0"/>
-                        <a:t>, </a:t>
-                      </a:r>
-                      <a:r>
-                        <a:rPr lang="ko-KR" altLang="en-US" sz="1400" dirty="0"/>
-                        <a:t>내용이 포함된다</a:t>
-                      </a:r>
-                      <a:r>
-                        <a:rPr lang="en-US" altLang="ko-KR" sz="1400" dirty="0"/>
-                        <a:t>.</a:t>
-                      </a:r>
-                    </a:p>
-                    <a:p>
-                      <a:pPr marL="400050" indent="-400050" algn="l" latinLnBrk="1">
-                        <a:buAutoNum type="romanLcPeriod"/>
-                      </a:pPr>
-                      <a:r>
-                        <a:rPr lang="ko-KR" altLang="en-US" sz="1400" dirty="0"/>
-                        <a:t>일정이 있는 날은 캘린더에 다른 색으로 표시된다</a:t>
-                      </a:r>
-                      <a:r>
-                        <a:rPr lang="en-US" altLang="ko-KR" sz="1400" dirty="0"/>
-                        <a:t>.</a:t>
-                      </a:r>
-                    </a:p>
-                    <a:p>
-                      <a:pPr marL="400050" indent="-400050" algn="l" latinLnBrk="1">
-                        <a:buAutoNum type="romanLcPeriod"/>
-                      </a:pPr>
-                      <a:r>
-                        <a:rPr lang="ko-KR" altLang="en-US" sz="1400" dirty="0"/>
-                        <a:t>프로그램을 종료하여도 데이터가 사라지지 않아야 한다</a:t>
-                      </a:r>
-                      <a:r>
-                        <a:rPr lang="en-US" altLang="ko-KR" sz="1400" dirty="0"/>
-                        <a:t>.</a:t>
-                      </a:r>
-                      <a:endParaRPr lang="ko-KR" altLang="en-US" sz="1400" dirty="0"/>
-                    </a:p>
-                  </a:txBody>
-                  <a:tcPr marL="72000" anchor="ctr"/>
-                </a:tc>
-                <a:extLst>
-                  <a:ext uri="{0D108BD9-81ED-4DB2-BD59-A6C34878D82A}">
-                    <a16:rowId xmlns:a16="http://schemas.microsoft.com/office/drawing/2014/main" val="155404318"/>
-                  </a:ext>
-                </a:extLst>
-              </a:tr>
-            </a:tbl>
-          </a:graphicData>
-        </a:graphic>
-      </p:graphicFrame>
     </p:spTree>
     <p:extLst>
       <p:ext uri="{BB962C8B-B14F-4D97-AF65-F5344CB8AC3E}">
-        <p14:creationId xmlns:p14="http://schemas.microsoft.com/office/powerpoint/2010/main" val="2629551876"/>
+        <p14:creationId xmlns:p14="http://schemas.microsoft.com/office/powerpoint/2010/main" val="1011337173"/>
       </p:ext>
     </p:extLst>
   </p:cSld>
@@ -4274,6 +3810,1345 @@
                   <a:schemeClr val="tx1"/>
                 </a:solidFill>
               </a:rPr>
+              <a:t>SWP_</a:t>
+            </a:r>
+          </a:p>
+          <a:p>
+            <a:pPr algn="ctr"/>
+            <a:r>
+              <a:rPr lang="en-US" altLang="ko-KR" b="1" dirty="0">
+                <a:solidFill>
+                  <a:schemeClr val="tx1"/>
+                </a:solidFill>
+              </a:rPr>
+              <a:t>Calendar.py</a:t>
+            </a:r>
+            <a:endParaRPr lang="ko-KR" altLang="en-US" b="1" dirty="0">
+              <a:solidFill>
+                <a:schemeClr val="tx1"/>
+              </a:solidFill>
+            </a:endParaRPr>
+          </a:p>
+        </p:txBody>
+      </p:sp>
+      <p:sp>
+        <p:nvSpPr>
+          <p:cNvPr id="19" name="TextBox 18">
+            <a:extLst>
+              <a:ext uri="{FF2B5EF4-FFF2-40B4-BE49-F238E27FC236}">
+                <a16:creationId xmlns:a16="http://schemas.microsoft.com/office/drawing/2014/main" id="{4F84AF88-595C-441E-89EE-B725DE89DECC}"/>
+              </a:ext>
+            </a:extLst>
+          </p:cNvPr>
+          <p:cNvSpPr txBox="1"/>
+          <p:nvPr/>
+        </p:nvSpPr>
+        <p:spPr>
+          <a:xfrm>
+            <a:off x="1720720" y="2327212"/>
+            <a:ext cx="1659295" cy="369332"/>
+          </a:xfrm>
+          <a:prstGeom prst="rect">
+            <a:avLst/>
+          </a:prstGeom>
+          <a:noFill/>
+        </p:spPr>
+        <p:txBody>
+          <a:bodyPr wrap="square" rtlCol="0">
+            <a:spAutoFit/>
+          </a:bodyPr>
+          <a:lstStyle/>
+          <a:p>
+            <a:pPr algn="ctr"/>
+            <a:r>
+              <a:rPr lang="en-US" altLang="ko-KR" b="1" dirty="0"/>
+              <a:t>Main</a:t>
+            </a:r>
+            <a:endParaRPr lang="ko-KR" altLang="en-US" b="1" dirty="0"/>
+          </a:p>
+        </p:txBody>
+      </p:sp>
+      <p:sp>
+        <p:nvSpPr>
+          <p:cNvPr id="3" name="TextBox 2">
+            <a:extLst>
+              <a:ext uri="{FF2B5EF4-FFF2-40B4-BE49-F238E27FC236}">
+                <a16:creationId xmlns:a16="http://schemas.microsoft.com/office/drawing/2014/main" id="{72A45FF1-3820-413C-87F5-985E77E08F3E}"/>
+              </a:ext>
+            </a:extLst>
+          </p:cNvPr>
+          <p:cNvSpPr txBox="1"/>
+          <p:nvPr/>
+        </p:nvSpPr>
+        <p:spPr>
+          <a:xfrm>
+            <a:off x="5494175" y="2060892"/>
+            <a:ext cx="5999584" cy="4431983"/>
+          </a:xfrm>
+          <a:prstGeom prst="rect">
+            <a:avLst/>
+          </a:prstGeom>
+          <a:noFill/>
+        </p:spPr>
+        <p:txBody>
+          <a:bodyPr wrap="square" rtlCol="0">
+            <a:spAutoFit/>
+          </a:bodyPr>
+          <a:lstStyle/>
+          <a:p>
+            <a:r>
+              <a:rPr lang="en-US" altLang="ko-KR" sz="1600" b="1" dirty="0"/>
+              <a:t>GUI</a:t>
+            </a:r>
+            <a:r>
+              <a:rPr lang="ko-KR" altLang="en-US" sz="1600" b="1" dirty="0"/>
+              <a:t>를 구성하고 메인 창을 띄운다</a:t>
+            </a:r>
+            <a:r>
+              <a:rPr lang="en-US" altLang="ko-KR" sz="1600" b="1" dirty="0"/>
+              <a:t>. </a:t>
+            </a:r>
+            <a:r>
+              <a:rPr lang="ko-KR" altLang="en-US" sz="1600" b="1" dirty="0"/>
+              <a:t>일정을 </a:t>
+            </a:r>
+            <a:r>
+              <a:rPr lang="en-US" altLang="ko-KR" sz="1600" b="1" dirty="0"/>
+              <a:t>pickle</a:t>
+            </a:r>
+            <a:r>
+              <a:rPr lang="ko-KR" altLang="en-US" sz="1600" b="1" dirty="0"/>
+              <a:t>로 저장한다</a:t>
+            </a:r>
+            <a:r>
+              <a:rPr lang="en-US" altLang="ko-KR" sz="1600" b="1" dirty="0"/>
+              <a:t>.</a:t>
+            </a:r>
+          </a:p>
+          <a:p>
+            <a:r>
+              <a:rPr lang="ko-KR" altLang="en-US" sz="1600" dirty="0"/>
+              <a:t>달력 연산 외의 모든 처리를 진행한다</a:t>
+            </a:r>
+            <a:r>
+              <a:rPr lang="en-US" altLang="ko-KR" sz="1600" dirty="0"/>
+              <a:t>.</a:t>
+            </a:r>
+          </a:p>
+          <a:p>
+            <a:r>
+              <a:rPr lang="en-US" altLang="ko-KR" sz="1600" dirty="0" err="1"/>
+              <a:t>caledarManager</a:t>
+            </a:r>
+            <a:r>
+              <a:rPr lang="en-US" altLang="ko-KR" sz="1600" dirty="0"/>
+              <a:t> </a:t>
+            </a:r>
+            <a:r>
+              <a:rPr lang="ko-KR" altLang="en-US" sz="1600" dirty="0"/>
+              <a:t>로부터 달력 정보를 받아 달력을 출력한다</a:t>
+            </a:r>
+            <a:r>
+              <a:rPr lang="en-US" altLang="ko-KR" sz="1600" dirty="0"/>
+              <a:t>. </a:t>
+            </a:r>
+            <a:r>
+              <a:rPr lang="en-US" altLang="ko-KR" sz="1600" dirty="0" err="1"/>
+              <a:t>calendarCalculator</a:t>
+            </a:r>
+            <a:r>
+              <a:rPr lang="en-US" altLang="ko-KR" sz="1600" dirty="0"/>
+              <a:t> </a:t>
+            </a:r>
+            <a:r>
+              <a:rPr lang="ko-KR" altLang="en-US" sz="1600" dirty="0"/>
+              <a:t>에게 연도</a:t>
+            </a:r>
+            <a:r>
+              <a:rPr lang="en-US" altLang="ko-KR" sz="1600" dirty="0"/>
+              <a:t>, </a:t>
+            </a:r>
+            <a:r>
+              <a:rPr lang="ko-KR" altLang="en-US" sz="1600" dirty="0"/>
+              <a:t>월</a:t>
+            </a:r>
+            <a:r>
+              <a:rPr lang="en-US" altLang="ko-KR" sz="1600" dirty="0"/>
+              <a:t>, </a:t>
+            </a:r>
+            <a:r>
+              <a:rPr lang="ko-KR" altLang="en-US" sz="1600" dirty="0"/>
+              <a:t>일을 보내고 음 </a:t>
+            </a:r>
+            <a:r>
+              <a:rPr lang="en-US" altLang="ko-KR" sz="1600" dirty="0"/>
+              <a:t>/</a:t>
+            </a:r>
+            <a:r>
+              <a:rPr lang="ko-KR" altLang="en-US" sz="1600" dirty="0"/>
+              <a:t>양력 날짜를 받는다</a:t>
+            </a:r>
+            <a:r>
+              <a:rPr lang="en-US" altLang="ko-KR" sz="1600" dirty="0"/>
+              <a:t>.</a:t>
+            </a:r>
+          </a:p>
+          <a:p>
+            <a:endParaRPr lang="en-US" altLang="ko-KR" sz="1600" dirty="0"/>
+          </a:p>
+          <a:p>
+            <a:pPr marL="285750" indent="-285750">
+              <a:buFont typeface="Arial" panose="020B0604020202020204" pitchFamily="34" charset="0"/>
+              <a:buChar char="•"/>
+            </a:pPr>
+            <a:r>
+              <a:rPr lang="en-US" altLang="ko-KR" sz="1600" b="1" dirty="0" err="1"/>
+              <a:t>renderDate</a:t>
+            </a:r>
+            <a:r>
+              <a:rPr lang="en-US" altLang="ko-KR" sz="1600" b="1" dirty="0"/>
+              <a:t>()</a:t>
+            </a:r>
+            <a:endParaRPr lang="en-US" altLang="ko-KR" sz="1600" dirty="0"/>
+          </a:p>
+          <a:p>
+            <a:pPr marL="285750" indent="-285750">
+              <a:buFont typeface="Arial" panose="020B0604020202020204" pitchFamily="34" charset="0"/>
+              <a:buChar char="•"/>
+            </a:pPr>
+            <a:r>
+              <a:rPr lang="en-US" altLang="ko-KR" sz="1600" b="1" dirty="0" err="1"/>
+              <a:t>btnEvent</a:t>
+            </a:r>
+            <a:r>
+              <a:rPr lang="en-US" altLang="ko-KR" sz="1600" b="1" dirty="0"/>
+              <a:t>()</a:t>
+            </a:r>
+            <a:endParaRPr lang="en-US" altLang="ko-KR" sz="1600" dirty="0"/>
+          </a:p>
+          <a:p>
+            <a:pPr marL="285750" indent="-285750">
+              <a:buFont typeface="Arial" panose="020B0604020202020204" pitchFamily="34" charset="0"/>
+              <a:buChar char="•"/>
+            </a:pPr>
+            <a:r>
+              <a:rPr lang="en-US" altLang="ko-KR" sz="1600" b="1" dirty="0"/>
+              <a:t>Modifying()</a:t>
+            </a:r>
+          </a:p>
+          <a:p>
+            <a:pPr marL="285750" indent="-285750">
+              <a:buFont typeface="Arial" panose="020B0604020202020204" pitchFamily="34" charset="0"/>
+              <a:buChar char="•"/>
+            </a:pPr>
+            <a:r>
+              <a:rPr lang="en-US" altLang="ko-KR" sz="1600" b="1" dirty="0" err="1"/>
+              <a:t>previousMonth</a:t>
+            </a:r>
+            <a:r>
+              <a:rPr lang="en-US" altLang="ko-KR" sz="1600" b="1" dirty="0"/>
+              <a:t>()</a:t>
+            </a:r>
+          </a:p>
+          <a:p>
+            <a:pPr marL="285750" indent="-285750">
+              <a:buFont typeface="Arial" panose="020B0604020202020204" pitchFamily="34" charset="0"/>
+              <a:buChar char="•"/>
+            </a:pPr>
+            <a:r>
+              <a:rPr lang="en-US" altLang="ko-KR" sz="1600" b="1" dirty="0" err="1"/>
+              <a:t>nextMonth</a:t>
+            </a:r>
+            <a:r>
+              <a:rPr lang="en-US" altLang="ko-KR" sz="1600" b="1" dirty="0"/>
+              <a:t>()</a:t>
+            </a:r>
+          </a:p>
+          <a:p>
+            <a:pPr marL="285750" indent="-285750">
+              <a:buFont typeface="Arial" panose="020B0604020202020204" pitchFamily="34" charset="0"/>
+              <a:buChar char="•"/>
+            </a:pPr>
+            <a:r>
+              <a:rPr lang="en-US" altLang="ko-KR" sz="1600" b="1" dirty="0" err="1"/>
+              <a:t>selectionChanged</a:t>
+            </a:r>
+            <a:r>
+              <a:rPr lang="en-US" altLang="ko-KR" sz="1600" b="1" dirty="0"/>
+              <a:t>()</a:t>
+            </a:r>
+          </a:p>
+          <a:p>
+            <a:pPr marL="285750" indent="-285750">
+              <a:buFont typeface="Arial" panose="020B0604020202020204" pitchFamily="34" charset="0"/>
+              <a:buChar char="•"/>
+            </a:pPr>
+            <a:r>
+              <a:rPr lang="en-US" altLang="ko-KR" sz="1600" b="1" dirty="0" err="1"/>
+              <a:t>clearLayout</a:t>
+            </a:r>
+            <a:r>
+              <a:rPr lang="en-US" altLang="ko-KR" sz="1600" b="1" dirty="0"/>
+              <a:t>() </a:t>
+            </a:r>
+          </a:p>
+          <a:p>
+            <a:pPr marL="285750" indent="-285750">
+              <a:buFont typeface="Arial" panose="020B0604020202020204" pitchFamily="34" charset="0"/>
+              <a:buChar char="•"/>
+            </a:pPr>
+            <a:r>
+              <a:rPr lang="en-US" altLang="ko-KR" sz="1600" b="1" dirty="0" err="1"/>
+              <a:t>setScheduleUI</a:t>
+            </a:r>
+            <a:r>
+              <a:rPr lang="en-US" altLang="ko-KR" sz="1600" b="1" dirty="0"/>
+              <a:t>() </a:t>
+            </a:r>
+          </a:p>
+          <a:p>
+            <a:pPr marL="285750" indent="-285750">
+              <a:buFont typeface="Arial" panose="020B0604020202020204" pitchFamily="34" charset="0"/>
+              <a:buChar char="•"/>
+            </a:pPr>
+            <a:r>
+              <a:rPr lang="en-US" altLang="ko-KR" sz="1600" b="1" dirty="0" err="1"/>
+              <a:t>setLunaDateUI</a:t>
+            </a:r>
+            <a:r>
+              <a:rPr lang="en-US" altLang="ko-KR" sz="1600" b="1" dirty="0"/>
+              <a:t>() </a:t>
+            </a:r>
+          </a:p>
+          <a:p>
+            <a:pPr marL="285750" indent="-285750">
+              <a:buFont typeface="Arial" panose="020B0604020202020204" pitchFamily="34" charset="0"/>
+              <a:buChar char="•"/>
+            </a:pPr>
+            <a:r>
+              <a:rPr lang="en-US" altLang="ko-KR" sz="1600" b="1" dirty="0"/>
+              <a:t>display()</a:t>
+            </a:r>
+            <a:r>
+              <a:rPr lang="en-US" altLang="ko-KR" sz="1600" dirty="0"/>
+              <a:t>.</a:t>
+            </a:r>
+          </a:p>
+          <a:p>
+            <a:pPr marL="285750" indent="-285750">
+              <a:buFont typeface="Arial" panose="020B0604020202020204" pitchFamily="34" charset="0"/>
+              <a:buChar char="•"/>
+            </a:pPr>
+            <a:r>
+              <a:rPr lang="en-US" altLang="ko-KR" sz="1600" b="1" dirty="0" err="1"/>
+              <a:t>lunarBtnEvent</a:t>
+            </a:r>
+            <a:r>
+              <a:rPr lang="en-US" altLang="ko-KR" sz="1600" b="1" dirty="0"/>
+              <a:t>()</a:t>
+            </a:r>
+          </a:p>
+        </p:txBody>
+      </p:sp>
+    </p:spTree>
+    <p:extLst>
+      <p:ext uri="{BB962C8B-B14F-4D97-AF65-F5344CB8AC3E}">
+        <p14:creationId xmlns:p14="http://schemas.microsoft.com/office/powerpoint/2010/main" val="1841210795"/>
+      </p:ext>
+    </p:extLst>
+  </p:cSld>
+  <p:clrMapOvr>
+    <a:masterClrMapping/>
+  </p:clrMapOvr>
+</p:sld>
+</file>
+
+<file path=ppt/slides/slide11.xml><?xml version="1.0" encoding="utf-8"?>
+<p:sld xmlns:a="http://schemas.openxmlformats.org/drawingml/2006/main" xmlns:r="http://schemas.openxmlformats.org/officeDocument/2006/relationships" xmlns:p="http://schemas.openxmlformats.org/presentationml/2006/main">
+  <p:cSld>
+    <p:spTree>
+      <p:nvGrpSpPr>
+        <p:cNvPr id="1" name=""/>
+        <p:cNvGrpSpPr/>
+        <p:nvPr/>
+      </p:nvGrpSpPr>
+      <p:grpSpPr>
+        <a:xfrm>
+          <a:off x="0" y="0"/>
+          <a:ext cx="0" cy="0"/>
+          <a:chOff x="0" y="0"/>
+          <a:chExt cx="0" cy="0"/>
+        </a:xfrm>
+      </p:grpSpPr>
+      <p:sp>
+        <p:nvSpPr>
+          <p:cNvPr id="2" name="제목 1">
+            <a:extLst>
+              <a:ext uri="{FF2B5EF4-FFF2-40B4-BE49-F238E27FC236}">
+                <a16:creationId xmlns:a16="http://schemas.microsoft.com/office/drawing/2014/main" id="{33DFDBA8-2FFE-45A9-98D4-B9671D5C5D40}"/>
+              </a:ext>
+            </a:extLst>
+          </p:cNvPr>
+          <p:cNvSpPr>
+            <a:spLocks noGrp="1"/>
+          </p:cNvSpPr>
+          <p:nvPr>
+            <p:ph type="title"/>
+          </p:nvPr>
+        </p:nvSpPr>
+        <p:spPr/>
+        <p:txBody>
+          <a:bodyPr/>
+          <a:lstStyle/>
+          <a:p>
+            <a:r>
+              <a:rPr lang="ko-KR" altLang="en-US" b="1" dirty="0">
+                <a:effectLst>
+                  <a:outerShdw blurRad="38100" dist="38100" dir="2700000" algn="tl">
+                    <a:srgbClr val="000000">
+                      <a:alpha val="43137"/>
+                    </a:srgbClr>
+                  </a:outerShdw>
+                </a:effectLst>
+              </a:rPr>
+              <a:t>소프트웨어 구조</a:t>
+            </a:r>
+            <a:r>
+              <a:rPr lang="en-US" altLang="ko-KR" b="1" dirty="0">
+                <a:effectLst>
+                  <a:outerShdw blurRad="38100" dist="38100" dir="2700000" algn="tl">
+                    <a:srgbClr val="000000">
+                      <a:alpha val="43137"/>
+                    </a:srgbClr>
+                  </a:outerShdw>
+                </a:effectLst>
+              </a:rPr>
+              <a:t> </a:t>
+            </a:r>
+            <a:r>
+              <a:rPr lang="ko-KR" altLang="en-US" b="1" dirty="0">
+                <a:effectLst>
+                  <a:outerShdw blurRad="38100" dist="38100" dir="2700000" algn="tl">
+                    <a:srgbClr val="000000">
+                      <a:alpha val="43137"/>
+                    </a:srgbClr>
+                  </a:outerShdw>
+                </a:effectLst>
+              </a:rPr>
+              <a:t>설계</a:t>
+            </a:r>
+            <a:r>
+              <a:rPr lang="en-US" altLang="ko-KR" sz="2400" b="1" dirty="0">
+                <a:effectLst>
+                  <a:outerShdw blurRad="38100" dist="38100" dir="2700000" algn="tl">
+                    <a:srgbClr val="000000">
+                      <a:alpha val="43137"/>
+                    </a:srgbClr>
+                  </a:outerShdw>
+                </a:effectLst>
+              </a:rPr>
+              <a:t>(</a:t>
+            </a:r>
+            <a:r>
+              <a:rPr lang="ko-KR" altLang="en-US" sz="2400" b="1" dirty="0">
+                <a:effectLst>
+                  <a:outerShdw blurRad="38100" dist="38100" dir="2700000" algn="tl">
+                    <a:srgbClr val="000000">
+                      <a:alpha val="43137"/>
+                    </a:srgbClr>
+                  </a:outerShdw>
+                </a:effectLst>
+              </a:rPr>
+              <a:t>전체 구조</a:t>
+            </a:r>
+            <a:r>
+              <a:rPr lang="en-US" altLang="ko-KR" sz="2400" b="1" dirty="0">
+                <a:effectLst>
+                  <a:outerShdw blurRad="38100" dist="38100" dir="2700000" algn="tl">
+                    <a:srgbClr val="000000">
+                      <a:alpha val="43137"/>
+                    </a:srgbClr>
+                  </a:outerShdw>
+                </a:effectLst>
+              </a:rPr>
+              <a:t>)</a:t>
+            </a:r>
+            <a:endParaRPr lang="ko-KR" altLang="en-US" b="1" dirty="0">
+              <a:effectLst>
+                <a:outerShdw blurRad="38100" dist="38100" dir="2700000" algn="tl">
+                  <a:srgbClr val="000000">
+                    <a:alpha val="43137"/>
+                  </a:srgbClr>
+                </a:outerShdw>
+              </a:effectLst>
+            </a:endParaRPr>
+          </a:p>
+        </p:txBody>
+      </p:sp>
+      <p:cxnSp>
+        <p:nvCxnSpPr>
+          <p:cNvPr id="5" name="직선 연결선 4">
+            <a:extLst>
+              <a:ext uri="{FF2B5EF4-FFF2-40B4-BE49-F238E27FC236}">
+                <a16:creationId xmlns:a16="http://schemas.microsoft.com/office/drawing/2014/main" id="{F22AA8DD-ED0F-45F1-86B0-9537AE71DA68}"/>
+              </a:ext>
+            </a:extLst>
+          </p:cNvPr>
+          <p:cNvCxnSpPr>
+            <a:cxnSpLocks/>
+          </p:cNvCxnSpPr>
+          <p:nvPr/>
+        </p:nvCxnSpPr>
+        <p:spPr>
+          <a:xfrm>
+            <a:off x="11084767" y="734457"/>
+            <a:ext cx="269033" cy="0"/>
+          </a:xfrm>
+          <a:prstGeom prst="line">
+            <a:avLst/>
+          </a:prstGeom>
+          <a:ln w="44450" cap="rnd">
+            <a:round/>
+          </a:ln>
+        </p:spPr>
+        <p:style>
+          <a:lnRef idx="1">
+            <a:schemeClr val="accent1"/>
+          </a:lnRef>
+          <a:fillRef idx="0">
+            <a:schemeClr val="accent1"/>
+          </a:fillRef>
+          <a:effectRef idx="0">
+            <a:schemeClr val="accent1"/>
+          </a:effectRef>
+          <a:fontRef idx="minor">
+            <a:schemeClr val="tx1"/>
+          </a:fontRef>
+        </p:style>
+      </p:cxnSp>
+      <p:cxnSp>
+        <p:nvCxnSpPr>
+          <p:cNvPr id="7" name="직선 연결선 6">
+            <a:extLst>
+              <a:ext uri="{FF2B5EF4-FFF2-40B4-BE49-F238E27FC236}">
+                <a16:creationId xmlns:a16="http://schemas.microsoft.com/office/drawing/2014/main" id="{F9208F28-276D-406F-A6EC-CFE994BD16F9}"/>
+              </a:ext>
+            </a:extLst>
+          </p:cNvPr>
+          <p:cNvCxnSpPr>
+            <a:cxnSpLocks/>
+          </p:cNvCxnSpPr>
+          <p:nvPr/>
+        </p:nvCxnSpPr>
+        <p:spPr>
+          <a:xfrm>
+            <a:off x="1006151" y="1375692"/>
+            <a:ext cx="234820" cy="0"/>
+          </a:xfrm>
+          <a:prstGeom prst="line">
+            <a:avLst/>
+          </a:prstGeom>
+          <a:ln w="44450" cap="rnd">
+            <a:round/>
+          </a:ln>
+        </p:spPr>
+        <p:style>
+          <a:lnRef idx="1">
+            <a:schemeClr val="accent1"/>
+          </a:lnRef>
+          <a:fillRef idx="0">
+            <a:schemeClr val="accent1"/>
+          </a:fillRef>
+          <a:effectRef idx="0">
+            <a:schemeClr val="accent1"/>
+          </a:effectRef>
+          <a:fontRef idx="minor">
+            <a:schemeClr val="tx1"/>
+          </a:fontRef>
+        </p:style>
+      </p:cxnSp>
+      <p:sp>
+        <p:nvSpPr>
+          <p:cNvPr id="9" name="TextBox 8">
+            <a:extLst>
+              <a:ext uri="{FF2B5EF4-FFF2-40B4-BE49-F238E27FC236}">
+                <a16:creationId xmlns:a16="http://schemas.microsoft.com/office/drawing/2014/main" id="{224FA63F-25E4-4A1B-8A7C-FEC4BFF243CB}"/>
+              </a:ext>
+            </a:extLst>
+          </p:cNvPr>
+          <p:cNvSpPr txBox="1"/>
+          <p:nvPr/>
+        </p:nvSpPr>
+        <p:spPr>
+          <a:xfrm>
+            <a:off x="9806473" y="365125"/>
+            <a:ext cx="1687286" cy="338554"/>
+          </a:xfrm>
+          <a:prstGeom prst="rect">
+            <a:avLst/>
+          </a:prstGeom>
+          <a:noFill/>
+        </p:spPr>
+        <p:txBody>
+          <a:bodyPr wrap="square" rtlCol="0">
+            <a:spAutoFit/>
+          </a:bodyPr>
+          <a:lstStyle/>
+          <a:p>
+            <a:pPr algn="r"/>
+            <a:r>
+              <a:rPr lang="ko-KR" altLang="en-US" sz="1600" b="1" dirty="0"/>
+              <a:t>소프트웨어 설계</a:t>
+            </a:r>
+          </a:p>
+        </p:txBody>
+      </p:sp>
+      <p:sp>
+        <p:nvSpPr>
+          <p:cNvPr id="4" name="사각형: 둥근 모서리 3">
+            <a:extLst>
+              <a:ext uri="{FF2B5EF4-FFF2-40B4-BE49-F238E27FC236}">
+                <a16:creationId xmlns:a16="http://schemas.microsoft.com/office/drawing/2014/main" id="{5F86D1E7-8232-4D1D-9C0B-7BD231765F3B}"/>
+              </a:ext>
+            </a:extLst>
+          </p:cNvPr>
+          <p:cNvSpPr/>
+          <p:nvPr/>
+        </p:nvSpPr>
+        <p:spPr>
+          <a:xfrm>
+            <a:off x="1640633" y="2696547"/>
+            <a:ext cx="1819470" cy="2313991"/>
+          </a:xfrm>
+          <a:prstGeom prst="roundRect">
+            <a:avLst/>
+          </a:prstGeom>
+          <a:noFill/>
+          <a:ln w="69850"/>
+        </p:spPr>
+        <p:style>
+          <a:lnRef idx="2">
+            <a:schemeClr val="accent1">
+              <a:shade val="50000"/>
+            </a:schemeClr>
+          </a:lnRef>
+          <a:fillRef idx="1">
+            <a:schemeClr val="accent1"/>
+          </a:fillRef>
+          <a:effectRef idx="0">
+            <a:schemeClr val="accent1"/>
+          </a:effectRef>
+          <a:fontRef idx="minor">
+            <a:schemeClr val="lt1"/>
+          </a:fontRef>
+        </p:style>
+        <p:txBody>
+          <a:bodyPr rtlCol="0" anchor="ctr"/>
+          <a:lstStyle/>
+          <a:p>
+            <a:pPr algn="ctr"/>
+            <a:r>
+              <a:rPr lang="en-US" altLang="ko-KR" b="1" dirty="0">
+                <a:solidFill>
+                  <a:schemeClr val="tx1"/>
+                </a:solidFill>
+              </a:rPr>
+              <a:t>calendar</a:t>
+            </a:r>
+          </a:p>
+          <a:p>
+            <a:pPr algn="ctr"/>
+            <a:r>
+              <a:rPr lang="en-US" altLang="ko-KR" b="1" dirty="0">
+                <a:solidFill>
+                  <a:schemeClr val="tx1"/>
+                </a:solidFill>
+              </a:rPr>
+              <a:t>Manager.py</a:t>
+            </a:r>
+            <a:endParaRPr lang="ko-KR" altLang="en-US" b="1" dirty="0">
+              <a:solidFill>
+                <a:schemeClr val="tx1"/>
+              </a:solidFill>
+            </a:endParaRPr>
+          </a:p>
+        </p:txBody>
+      </p:sp>
+      <p:sp>
+        <p:nvSpPr>
+          <p:cNvPr id="19" name="TextBox 18">
+            <a:extLst>
+              <a:ext uri="{FF2B5EF4-FFF2-40B4-BE49-F238E27FC236}">
+                <a16:creationId xmlns:a16="http://schemas.microsoft.com/office/drawing/2014/main" id="{4F84AF88-595C-441E-89EE-B725DE89DECC}"/>
+              </a:ext>
+            </a:extLst>
+          </p:cNvPr>
+          <p:cNvSpPr txBox="1"/>
+          <p:nvPr/>
+        </p:nvSpPr>
+        <p:spPr>
+          <a:xfrm>
+            <a:off x="1720720" y="2111772"/>
+            <a:ext cx="1659295" cy="584775"/>
+          </a:xfrm>
+          <a:prstGeom prst="rect">
+            <a:avLst/>
+          </a:prstGeom>
+          <a:noFill/>
+        </p:spPr>
+        <p:txBody>
+          <a:bodyPr wrap="square" rtlCol="0">
+            <a:spAutoFit/>
+          </a:bodyPr>
+          <a:lstStyle/>
+          <a:p>
+            <a:pPr algn="ctr"/>
+            <a:r>
+              <a:rPr lang="en-US" altLang="ko-KR" sz="1600" b="1" dirty="0"/>
+              <a:t>Managing</a:t>
+            </a:r>
+          </a:p>
+          <a:p>
+            <a:pPr algn="ctr"/>
+            <a:r>
+              <a:rPr lang="en-US" altLang="ko-KR" sz="1600" b="1" dirty="0"/>
+              <a:t>Calendar</a:t>
+            </a:r>
+            <a:endParaRPr lang="ko-KR" altLang="en-US" sz="1600" b="1" dirty="0"/>
+          </a:p>
+        </p:txBody>
+      </p:sp>
+      <p:sp>
+        <p:nvSpPr>
+          <p:cNvPr id="3" name="TextBox 2">
+            <a:extLst>
+              <a:ext uri="{FF2B5EF4-FFF2-40B4-BE49-F238E27FC236}">
+                <a16:creationId xmlns:a16="http://schemas.microsoft.com/office/drawing/2014/main" id="{72A45FF1-3820-413C-87F5-985E77E08F3E}"/>
+              </a:ext>
+            </a:extLst>
+          </p:cNvPr>
+          <p:cNvSpPr txBox="1"/>
+          <p:nvPr/>
+        </p:nvSpPr>
+        <p:spPr>
+          <a:xfrm>
+            <a:off x="5494175" y="1837605"/>
+            <a:ext cx="5999584" cy="4031873"/>
+          </a:xfrm>
+          <a:prstGeom prst="rect">
+            <a:avLst/>
+          </a:prstGeom>
+          <a:noFill/>
+        </p:spPr>
+        <p:txBody>
+          <a:bodyPr wrap="square" rtlCol="0">
+            <a:spAutoFit/>
+          </a:bodyPr>
+          <a:lstStyle/>
+          <a:p>
+            <a:r>
+              <a:rPr lang="ko-KR" altLang="en-US" sz="1600" b="1" dirty="0"/>
+              <a:t>달력 정보를 연산한다</a:t>
+            </a:r>
+            <a:r>
+              <a:rPr lang="en-US" altLang="ko-KR" sz="1600" b="1" dirty="0"/>
+              <a:t>. </a:t>
+            </a:r>
+            <a:r>
+              <a:rPr lang="ko-KR" altLang="en-US" sz="1600" b="1" dirty="0"/>
+              <a:t>일정을 클래스에 저장한다</a:t>
+            </a:r>
+            <a:r>
+              <a:rPr lang="en-US" altLang="ko-KR" sz="1600" b="1" dirty="0"/>
+              <a:t>.</a:t>
+            </a:r>
+          </a:p>
+          <a:p>
+            <a:r>
+              <a:rPr lang="ko-KR" altLang="en-US" sz="1600" dirty="0"/>
+              <a:t> 입력 받은 년</a:t>
+            </a:r>
+            <a:r>
+              <a:rPr lang="en-US" altLang="ko-KR" sz="1600" dirty="0"/>
+              <a:t>, </a:t>
+            </a:r>
+            <a:r>
+              <a:rPr lang="ko-KR" altLang="en-US" sz="1600" dirty="0"/>
+              <a:t>월</a:t>
+            </a:r>
+            <a:r>
+              <a:rPr lang="en-US" altLang="ko-KR" sz="1600" dirty="0"/>
+              <a:t>, </a:t>
+            </a:r>
+            <a:r>
+              <a:rPr lang="ko-KR" altLang="en-US" sz="1600" dirty="0"/>
+              <a:t>일로 </a:t>
+            </a:r>
+            <a:r>
+              <a:rPr lang="en-US" altLang="ko-KR" sz="1600" dirty="0"/>
+              <a:t>2</a:t>
+            </a:r>
+            <a:r>
+              <a:rPr lang="ko-KR" altLang="en-US" sz="1600" dirty="0"/>
+              <a:t>차원 배열을 생산한다</a:t>
+            </a:r>
+            <a:r>
+              <a:rPr lang="en-US" altLang="ko-KR" sz="1600" dirty="0"/>
+              <a:t>. </a:t>
+            </a:r>
+            <a:r>
+              <a:rPr lang="ko-KR" altLang="en-US" sz="1600" dirty="0"/>
+              <a:t>각 요소는 </a:t>
+            </a:r>
+            <a:r>
+              <a:rPr lang="en-US" altLang="ko-KR" sz="1600" dirty="0"/>
+              <a:t>1</a:t>
+            </a:r>
+            <a:r>
+              <a:rPr lang="ko-KR" altLang="en-US" sz="1600" dirty="0"/>
+              <a:t>부터 </a:t>
+            </a:r>
+            <a:r>
+              <a:rPr lang="en-US" altLang="ko-KR" sz="1600" dirty="0"/>
+              <a:t>30 </a:t>
+            </a:r>
+            <a:r>
+              <a:rPr lang="ko-KR" altLang="en-US" sz="1600" dirty="0"/>
+              <a:t>혹은 </a:t>
+            </a:r>
+            <a:r>
+              <a:rPr lang="en-US" altLang="ko-KR" sz="1600" dirty="0"/>
+              <a:t>31</a:t>
+            </a:r>
+            <a:r>
+              <a:rPr lang="ko-KR" altLang="en-US" sz="1600" dirty="0"/>
+              <a:t>로 구성되어 있으며</a:t>
+            </a:r>
+            <a:r>
+              <a:rPr lang="en-US" altLang="ko-KR" sz="1600" dirty="0"/>
+              <a:t>, </a:t>
+            </a:r>
+            <a:r>
+              <a:rPr lang="ko-KR" altLang="en-US" sz="1600" dirty="0"/>
+              <a:t>각 요소의 인덱스 값은 달력의 좌표 값을 나타낸다</a:t>
+            </a:r>
+            <a:r>
+              <a:rPr lang="en-US" altLang="ko-KR" sz="1600" dirty="0"/>
+              <a:t>.</a:t>
+            </a:r>
+          </a:p>
+          <a:p>
+            <a:r>
+              <a:rPr lang="en-US" altLang="ko-KR" sz="1600" dirty="0"/>
+              <a:t> </a:t>
+            </a:r>
+            <a:r>
+              <a:rPr lang="ko-KR" altLang="en-US" sz="1600" dirty="0"/>
+              <a:t>휴일들을 </a:t>
+            </a:r>
+            <a:r>
+              <a:rPr lang="ko-KR" altLang="en-US" sz="1600" dirty="0" err="1"/>
+              <a:t>튜플로</a:t>
+            </a:r>
+            <a:r>
+              <a:rPr lang="ko-KR" altLang="en-US" sz="1600" dirty="0"/>
+              <a:t> 저장한다</a:t>
+            </a:r>
+            <a:r>
+              <a:rPr lang="en-US" altLang="ko-KR" sz="1600" dirty="0"/>
+              <a:t>. Ex.</a:t>
+            </a:r>
+            <a:r>
+              <a:rPr lang="ko-KR" altLang="en-US" sz="1600" dirty="0"/>
+              <a:t> </a:t>
+            </a:r>
+            <a:r>
+              <a:rPr lang="en-US" altLang="ko-KR" sz="1600" dirty="0"/>
+              <a:t>-&gt;</a:t>
+            </a:r>
+            <a:r>
+              <a:rPr lang="ko-KR" altLang="en-US" sz="1600" dirty="0"/>
+              <a:t> </a:t>
+            </a:r>
+            <a:r>
+              <a:rPr lang="en-US" altLang="ko-KR" sz="1600" dirty="0"/>
+              <a:t>(</a:t>
+            </a:r>
+            <a:r>
+              <a:rPr lang="ko-KR" altLang="en-US" sz="1600" dirty="0"/>
+              <a:t>월</a:t>
+            </a:r>
+            <a:r>
+              <a:rPr lang="en-US" altLang="ko-KR" sz="1600" dirty="0"/>
+              <a:t>, </a:t>
+            </a:r>
+            <a:r>
+              <a:rPr lang="ko-KR" altLang="en-US" sz="1600" dirty="0"/>
+              <a:t>일</a:t>
+            </a:r>
+            <a:r>
+              <a:rPr lang="en-US" altLang="ko-KR" sz="1600" dirty="0"/>
+              <a:t>, </a:t>
+            </a:r>
+            <a:r>
+              <a:rPr lang="ko-KR" altLang="en-US" sz="1600" dirty="0"/>
+              <a:t>휴일 명</a:t>
+            </a:r>
+            <a:r>
+              <a:rPr lang="en-US" altLang="ko-KR" sz="1600" dirty="0"/>
+              <a:t>)</a:t>
+            </a:r>
+          </a:p>
+          <a:p>
+            <a:r>
+              <a:rPr lang="en-US" altLang="ko-KR" sz="1600" dirty="0"/>
+              <a:t> </a:t>
+            </a:r>
+            <a:r>
+              <a:rPr lang="ko-KR" altLang="en-US" sz="1600" dirty="0"/>
+              <a:t>일정을 내부 클래스에 저장한다</a:t>
+            </a:r>
+            <a:r>
+              <a:rPr lang="en-US" altLang="ko-KR" sz="1600" dirty="0"/>
+              <a:t>. </a:t>
+            </a:r>
+            <a:r>
+              <a:rPr lang="ko-KR" altLang="en-US" sz="1600" dirty="0"/>
+              <a:t>이 클래스는 </a:t>
+            </a:r>
+            <a:r>
+              <a:rPr lang="en-US" altLang="ko-KR" sz="1600" dirty="0"/>
+              <a:t>pickle</a:t>
+            </a:r>
+            <a:r>
+              <a:rPr lang="ko-KR" altLang="en-US" sz="1600" dirty="0"/>
+              <a:t>로 저장된다</a:t>
+            </a:r>
+            <a:r>
+              <a:rPr lang="en-US" altLang="ko-KR" sz="1600" dirty="0"/>
+              <a:t>.</a:t>
+            </a:r>
+          </a:p>
+          <a:p>
+            <a:endParaRPr lang="en-US" altLang="ko-KR" sz="1600" dirty="0"/>
+          </a:p>
+          <a:p>
+            <a:pPr marL="285750" indent="-285750">
+              <a:buFont typeface="Arial" panose="020B0604020202020204" pitchFamily="34" charset="0"/>
+              <a:buChar char="•"/>
+            </a:pPr>
+            <a:r>
+              <a:rPr lang="en-US" altLang="ko-KR" sz="1600" b="1" dirty="0" err="1"/>
+              <a:t>getCalendar</a:t>
+            </a:r>
+            <a:r>
+              <a:rPr lang="en-US" altLang="ko-KR" sz="1600" b="1" dirty="0"/>
+              <a:t>()</a:t>
+            </a:r>
+          </a:p>
+          <a:p>
+            <a:pPr marL="285750" indent="-285750">
+              <a:buFont typeface="Arial" panose="020B0604020202020204" pitchFamily="34" charset="0"/>
+              <a:buChar char="•"/>
+            </a:pPr>
+            <a:r>
+              <a:rPr lang="en-US" altLang="ko-KR" sz="1600" b="1" dirty="0" err="1"/>
+              <a:t>getMaxDay</a:t>
+            </a:r>
+            <a:r>
+              <a:rPr lang="en-US" altLang="ko-KR" sz="1600" b="1" dirty="0"/>
+              <a:t>()</a:t>
+            </a:r>
+          </a:p>
+          <a:p>
+            <a:pPr marL="285750" indent="-285750">
+              <a:buFont typeface="Arial" panose="020B0604020202020204" pitchFamily="34" charset="0"/>
+              <a:buChar char="•"/>
+            </a:pPr>
+            <a:r>
+              <a:rPr lang="en-US" altLang="ko-KR" sz="1600" b="1" dirty="0" err="1"/>
+              <a:t>setYear</a:t>
+            </a:r>
+            <a:r>
+              <a:rPr lang="en-US" altLang="ko-KR" sz="1600" b="1" dirty="0"/>
+              <a:t>()</a:t>
+            </a:r>
+          </a:p>
+          <a:p>
+            <a:pPr marL="285750" indent="-285750">
+              <a:buFont typeface="Arial" panose="020B0604020202020204" pitchFamily="34" charset="0"/>
+              <a:buChar char="•"/>
+            </a:pPr>
+            <a:r>
+              <a:rPr lang="en-US" altLang="ko-KR" sz="1600" b="1" dirty="0" err="1"/>
+              <a:t>setMonth</a:t>
+            </a:r>
+            <a:r>
+              <a:rPr lang="en-US" altLang="ko-KR" sz="1600" b="1" dirty="0"/>
+              <a:t>()</a:t>
+            </a:r>
+          </a:p>
+          <a:p>
+            <a:pPr marL="285750" indent="-285750">
+              <a:buFont typeface="Arial" panose="020B0604020202020204" pitchFamily="34" charset="0"/>
+              <a:buChar char="•"/>
+            </a:pPr>
+            <a:r>
+              <a:rPr lang="en-US" altLang="ko-KR" sz="1600" b="1" dirty="0" err="1"/>
+              <a:t>setCalendar</a:t>
+            </a:r>
+            <a:r>
+              <a:rPr lang="en-US" altLang="ko-KR" sz="1600" b="1" dirty="0"/>
+              <a:t>()</a:t>
+            </a:r>
+          </a:p>
+          <a:p>
+            <a:pPr marL="285750" indent="-285750">
+              <a:buFont typeface="Arial" panose="020B0604020202020204" pitchFamily="34" charset="0"/>
+              <a:buChar char="•"/>
+            </a:pPr>
+            <a:r>
+              <a:rPr lang="en-US" altLang="ko-KR" sz="1600" b="1" dirty="0" err="1"/>
+              <a:t>makeCalendar</a:t>
+            </a:r>
+            <a:r>
+              <a:rPr lang="en-US" altLang="ko-KR" sz="1600" b="1" dirty="0"/>
+              <a:t>()</a:t>
+            </a:r>
+          </a:p>
+          <a:p>
+            <a:pPr marL="285750" indent="-285750">
+              <a:buFont typeface="Arial" panose="020B0604020202020204" pitchFamily="34" charset="0"/>
+              <a:buChar char="•"/>
+            </a:pPr>
+            <a:r>
+              <a:rPr lang="en-US" altLang="ko-KR" sz="1600" b="1" dirty="0" err="1"/>
+              <a:t>enrollHoliday</a:t>
+            </a:r>
+            <a:r>
+              <a:rPr lang="en-US" altLang="ko-KR" sz="1600" b="1" dirty="0"/>
+              <a:t>()</a:t>
+            </a:r>
+          </a:p>
+          <a:p>
+            <a:pPr marL="285750" indent="-285750">
+              <a:buFont typeface="Arial" panose="020B0604020202020204" pitchFamily="34" charset="0"/>
+              <a:buChar char="•"/>
+            </a:pPr>
+            <a:r>
+              <a:rPr lang="en-US" altLang="ko-KR" sz="1600" b="1" dirty="0" err="1"/>
+              <a:t>loadHoliday</a:t>
+            </a:r>
+            <a:r>
+              <a:rPr lang="en-US" altLang="ko-KR" sz="1600" b="1" dirty="0"/>
+              <a:t>()</a:t>
+            </a:r>
+          </a:p>
+        </p:txBody>
+      </p:sp>
+    </p:spTree>
+    <p:extLst>
+      <p:ext uri="{BB962C8B-B14F-4D97-AF65-F5344CB8AC3E}">
+        <p14:creationId xmlns:p14="http://schemas.microsoft.com/office/powerpoint/2010/main" val="1282942851"/>
+      </p:ext>
+    </p:extLst>
+  </p:cSld>
+  <p:clrMapOvr>
+    <a:masterClrMapping/>
+  </p:clrMapOvr>
+</p:sld>
+</file>
+
+<file path=ppt/slides/slide12.xml><?xml version="1.0" encoding="utf-8"?>
+<p:sld xmlns:a="http://schemas.openxmlformats.org/drawingml/2006/main" xmlns:r="http://schemas.openxmlformats.org/officeDocument/2006/relationships" xmlns:p="http://schemas.openxmlformats.org/presentationml/2006/main">
+  <p:cSld>
+    <p:spTree>
+      <p:nvGrpSpPr>
+        <p:cNvPr id="1" name=""/>
+        <p:cNvGrpSpPr/>
+        <p:nvPr/>
+      </p:nvGrpSpPr>
+      <p:grpSpPr>
+        <a:xfrm>
+          <a:off x="0" y="0"/>
+          <a:ext cx="0" cy="0"/>
+          <a:chOff x="0" y="0"/>
+          <a:chExt cx="0" cy="0"/>
+        </a:xfrm>
+      </p:grpSpPr>
+      <p:sp>
+        <p:nvSpPr>
+          <p:cNvPr id="2" name="제목 1">
+            <a:extLst>
+              <a:ext uri="{FF2B5EF4-FFF2-40B4-BE49-F238E27FC236}">
+                <a16:creationId xmlns:a16="http://schemas.microsoft.com/office/drawing/2014/main" id="{33DFDBA8-2FFE-45A9-98D4-B9671D5C5D40}"/>
+              </a:ext>
+            </a:extLst>
+          </p:cNvPr>
+          <p:cNvSpPr>
+            <a:spLocks noGrp="1"/>
+          </p:cNvSpPr>
+          <p:nvPr>
+            <p:ph type="title"/>
+          </p:nvPr>
+        </p:nvSpPr>
+        <p:spPr/>
+        <p:txBody>
+          <a:bodyPr/>
+          <a:lstStyle/>
+          <a:p>
+            <a:r>
+              <a:rPr lang="ko-KR" altLang="en-US" b="1" dirty="0">
+                <a:effectLst>
+                  <a:outerShdw blurRad="38100" dist="38100" dir="2700000" algn="tl">
+                    <a:srgbClr val="000000">
+                      <a:alpha val="43137"/>
+                    </a:srgbClr>
+                  </a:outerShdw>
+                </a:effectLst>
+              </a:rPr>
+              <a:t>소프트웨어 구조</a:t>
+            </a:r>
+            <a:r>
+              <a:rPr lang="en-US" altLang="ko-KR" b="1" dirty="0">
+                <a:effectLst>
+                  <a:outerShdw blurRad="38100" dist="38100" dir="2700000" algn="tl">
+                    <a:srgbClr val="000000">
+                      <a:alpha val="43137"/>
+                    </a:srgbClr>
+                  </a:outerShdw>
+                </a:effectLst>
+              </a:rPr>
+              <a:t> </a:t>
+            </a:r>
+            <a:r>
+              <a:rPr lang="ko-KR" altLang="en-US" b="1" dirty="0">
+                <a:effectLst>
+                  <a:outerShdw blurRad="38100" dist="38100" dir="2700000" algn="tl">
+                    <a:srgbClr val="000000">
+                      <a:alpha val="43137"/>
+                    </a:srgbClr>
+                  </a:outerShdw>
+                </a:effectLst>
+              </a:rPr>
+              <a:t>설계</a:t>
+            </a:r>
+            <a:r>
+              <a:rPr lang="en-US" altLang="ko-KR" sz="2400" b="1" dirty="0">
+                <a:effectLst>
+                  <a:outerShdw blurRad="38100" dist="38100" dir="2700000" algn="tl">
+                    <a:srgbClr val="000000">
+                      <a:alpha val="43137"/>
+                    </a:srgbClr>
+                  </a:outerShdw>
+                </a:effectLst>
+              </a:rPr>
+              <a:t>(</a:t>
+            </a:r>
+            <a:r>
+              <a:rPr lang="ko-KR" altLang="en-US" sz="2400" b="1" dirty="0">
+                <a:effectLst>
+                  <a:outerShdw blurRad="38100" dist="38100" dir="2700000" algn="tl">
+                    <a:srgbClr val="000000">
+                      <a:alpha val="43137"/>
+                    </a:srgbClr>
+                  </a:outerShdw>
+                </a:effectLst>
+              </a:rPr>
+              <a:t>전체 구조</a:t>
+            </a:r>
+            <a:r>
+              <a:rPr lang="en-US" altLang="ko-KR" sz="2400" b="1" dirty="0">
+                <a:effectLst>
+                  <a:outerShdw blurRad="38100" dist="38100" dir="2700000" algn="tl">
+                    <a:srgbClr val="000000">
+                      <a:alpha val="43137"/>
+                    </a:srgbClr>
+                  </a:outerShdw>
+                </a:effectLst>
+              </a:rPr>
+              <a:t>)</a:t>
+            </a:r>
+            <a:endParaRPr lang="ko-KR" altLang="en-US" b="1" dirty="0">
+              <a:effectLst>
+                <a:outerShdw blurRad="38100" dist="38100" dir="2700000" algn="tl">
+                  <a:srgbClr val="000000">
+                    <a:alpha val="43137"/>
+                  </a:srgbClr>
+                </a:outerShdw>
+              </a:effectLst>
+            </a:endParaRPr>
+          </a:p>
+        </p:txBody>
+      </p:sp>
+      <p:cxnSp>
+        <p:nvCxnSpPr>
+          <p:cNvPr id="5" name="직선 연결선 4">
+            <a:extLst>
+              <a:ext uri="{FF2B5EF4-FFF2-40B4-BE49-F238E27FC236}">
+                <a16:creationId xmlns:a16="http://schemas.microsoft.com/office/drawing/2014/main" id="{F22AA8DD-ED0F-45F1-86B0-9537AE71DA68}"/>
+              </a:ext>
+            </a:extLst>
+          </p:cNvPr>
+          <p:cNvCxnSpPr>
+            <a:cxnSpLocks/>
+          </p:cNvCxnSpPr>
+          <p:nvPr/>
+        </p:nvCxnSpPr>
+        <p:spPr>
+          <a:xfrm>
+            <a:off x="11084767" y="734457"/>
+            <a:ext cx="269033" cy="0"/>
+          </a:xfrm>
+          <a:prstGeom prst="line">
+            <a:avLst/>
+          </a:prstGeom>
+          <a:ln w="44450" cap="rnd">
+            <a:round/>
+          </a:ln>
+        </p:spPr>
+        <p:style>
+          <a:lnRef idx="1">
+            <a:schemeClr val="accent1"/>
+          </a:lnRef>
+          <a:fillRef idx="0">
+            <a:schemeClr val="accent1"/>
+          </a:fillRef>
+          <a:effectRef idx="0">
+            <a:schemeClr val="accent1"/>
+          </a:effectRef>
+          <a:fontRef idx="minor">
+            <a:schemeClr val="tx1"/>
+          </a:fontRef>
+        </p:style>
+      </p:cxnSp>
+      <p:cxnSp>
+        <p:nvCxnSpPr>
+          <p:cNvPr id="7" name="직선 연결선 6">
+            <a:extLst>
+              <a:ext uri="{FF2B5EF4-FFF2-40B4-BE49-F238E27FC236}">
+                <a16:creationId xmlns:a16="http://schemas.microsoft.com/office/drawing/2014/main" id="{F9208F28-276D-406F-A6EC-CFE994BD16F9}"/>
+              </a:ext>
+            </a:extLst>
+          </p:cNvPr>
+          <p:cNvCxnSpPr>
+            <a:cxnSpLocks/>
+          </p:cNvCxnSpPr>
+          <p:nvPr/>
+        </p:nvCxnSpPr>
+        <p:spPr>
+          <a:xfrm>
+            <a:off x="1006151" y="1375692"/>
+            <a:ext cx="234820" cy="0"/>
+          </a:xfrm>
+          <a:prstGeom prst="line">
+            <a:avLst/>
+          </a:prstGeom>
+          <a:ln w="44450" cap="rnd">
+            <a:round/>
+          </a:ln>
+        </p:spPr>
+        <p:style>
+          <a:lnRef idx="1">
+            <a:schemeClr val="accent1"/>
+          </a:lnRef>
+          <a:fillRef idx="0">
+            <a:schemeClr val="accent1"/>
+          </a:fillRef>
+          <a:effectRef idx="0">
+            <a:schemeClr val="accent1"/>
+          </a:effectRef>
+          <a:fontRef idx="minor">
+            <a:schemeClr val="tx1"/>
+          </a:fontRef>
+        </p:style>
+      </p:cxnSp>
+      <p:sp>
+        <p:nvSpPr>
+          <p:cNvPr id="9" name="TextBox 8">
+            <a:extLst>
+              <a:ext uri="{FF2B5EF4-FFF2-40B4-BE49-F238E27FC236}">
+                <a16:creationId xmlns:a16="http://schemas.microsoft.com/office/drawing/2014/main" id="{224FA63F-25E4-4A1B-8A7C-FEC4BFF243CB}"/>
+              </a:ext>
+            </a:extLst>
+          </p:cNvPr>
+          <p:cNvSpPr txBox="1"/>
+          <p:nvPr/>
+        </p:nvSpPr>
+        <p:spPr>
+          <a:xfrm>
+            <a:off x="9806473" y="365125"/>
+            <a:ext cx="1687286" cy="338554"/>
+          </a:xfrm>
+          <a:prstGeom prst="rect">
+            <a:avLst/>
+          </a:prstGeom>
+          <a:noFill/>
+        </p:spPr>
+        <p:txBody>
+          <a:bodyPr wrap="square" rtlCol="0">
+            <a:spAutoFit/>
+          </a:bodyPr>
+          <a:lstStyle/>
+          <a:p>
+            <a:pPr algn="r"/>
+            <a:r>
+              <a:rPr lang="ko-KR" altLang="en-US" sz="1600" b="1" dirty="0"/>
+              <a:t>소프트웨어 설계</a:t>
+            </a:r>
+          </a:p>
+        </p:txBody>
+      </p:sp>
+      <p:sp>
+        <p:nvSpPr>
+          <p:cNvPr id="4" name="사각형: 둥근 모서리 3">
+            <a:extLst>
+              <a:ext uri="{FF2B5EF4-FFF2-40B4-BE49-F238E27FC236}">
+                <a16:creationId xmlns:a16="http://schemas.microsoft.com/office/drawing/2014/main" id="{5F86D1E7-8232-4D1D-9C0B-7BD231765F3B}"/>
+              </a:ext>
+            </a:extLst>
+          </p:cNvPr>
+          <p:cNvSpPr/>
+          <p:nvPr/>
+        </p:nvSpPr>
+        <p:spPr>
+          <a:xfrm>
+            <a:off x="1640633" y="2696547"/>
+            <a:ext cx="1819470" cy="2313991"/>
+          </a:xfrm>
+          <a:prstGeom prst="roundRect">
+            <a:avLst/>
+          </a:prstGeom>
+          <a:noFill/>
+          <a:ln w="69850"/>
+        </p:spPr>
+        <p:style>
+          <a:lnRef idx="2">
+            <a:schemeClr val="accent1">
+              <a:shade val="50000"/>
+            </a:schemeClr>
+          </a:lnRef>
+          <a:fillRef idx="1">
+            <a:schemeClr val="accent1"/>
+          </a:fillRef>
+          <a:effectRef idx="0">
+            <a:schemeClr val="accent1"/>
+          </a:effectRef>
+          <a:fontRef idx="minor">
+            <a:schemeClr val="lt1"/>
+          </a:fontRef>
+        </p:style>
+        <p:txBody>
+          <a:bodyPr rtlCol="0" anchor="ctr"/>
+          <a:lstStyle/>
+          <a:p>
+            <a:pPr algn="ctr"/>
+            <a:r>
+              <a:rPr lang="en-US" altLang="ko-KR" b="1" dirty="0">
+                <a:solidFill>
+                  <a:schemeClr val="tx1"/>
+                </a:solidFill>
+              </a:rPr>
               <a:t>calendar</a:t>
             </a:r>
           </a:p>
@@ -4547,7 +5422,7 @@
 </p:sld>
 </file>
 
-<file path=ppt/slides/slide11.xml><?xml version="1.0" encoding="utf-8"?>
+<file path=ppt/slides/slide13.xml><?xml version="1.0" encoding="utf-8"?>
 <p:sld xmlns:a="http://schemas.openxmlformats.org/drawingml/2006/main" xmlns:r="http://schemas.openxmlformats.org/officeDocument/2006/relationships" xmlns:p="http://schemas.openxmlformats.org/presentationml/2006/main">
   <p:cSld>
     <p:spTree>
@@ -6352,7 +7227,7 @@
 </p:sld>
 </file>
 
-<file path=ppt/slides/slide12.xml><?xml version="1.0" encoding="utf-8"?>
+<file path=ppt/slides/slide14.xml><?xml version="1.0" encoding="utf-8"?>
 <p:sld xmlns:a="http://schemas.openxmlformats.org/drawingml/2006/main" xmlns:r="http://schemas.openxmlformats.org/officeDocument/2006/relationships" xmlns:p="http://schemas.openxmlformats.org/presentationml/2006/main">
   <p:cSld>
     <p:spTree>
@@ -7925,7 +8800,7 @@
 </p:sld>
 </file>
 
-<file path=ppt/slides/slide13.xml><?xml version="1.0" encoding="utf-8"?>
+<file path=ppt/slides/slide15.xml><?xml version="1.0" encoding="utf-8"?>
 <p:sld xmlns:a="http://schemas.openxmlformats.org/drawingml/2006/main" xmlns:r="http://schemas.openxmlformats.org/officeDocument/2006/relationships" xmlns:p="http://schemas.openxmlformats.org/presentationml/2006/main">
   <p:cSld>
     <p:spTree>
@@ -9773,7 +10648,7 @@
 </p:sld>
 </file>
 
-<file path=ppt/slides/slide14.xml><?xml version="1.0" encoding="utf-8"?>
+<file path=ppt/slides/slide16.xml><?xml version="1.0" encoding="utf-8"?>
 <p:sld xmlns:a="http://schemas.openxmlformats.org/drawingml/2006/main" xmlns:r="http://schemas.openxmlformats.org/officeDocument/2006/relationships" xmlns:p="http://schemas.openxmlformats.org/presentationml/2006/main">
   <p:cSld>
     <p:spTree>
@@ -10908,7 +11783,7 @@
 </p:sld>
 </file>
 
-<file path=ppt/slides/slide15.xml><?xml version="1.0" encoding="utf-8"?>
+<file path=ppt/slides/slide17.xml><?xml version="1.0" encoding="utf-8"?>
 <p:sld xmlns:a="http://schemas.openxmlformats.org/drawingml/2006/main" xmlns:r="http://schemas.openxmlformats.org/officeDocument/2006/relationships" xmlns:p="http://schemas.openxmlformats.org/presentationml/2006/main">
   <p:cSld>
     <p:spTree>
@@ -12070,7 +12945,7 @@
 </p:sld>
 </file>
 
-<file path=ppt/slides/slide16.xml><?xml version="1.0" encoding="utf-8"?>
+<file path=ppt/slides/slide18.xml><?xml version="1.0" encoding="utf-8"?>
 <p:sld xmlns:a="http://schemas.openxmlformats.org/drawingml/2006/main" xmlns:r="http://schemas.openxmlformats.org/officeDocument/2006/relationships" xmlns:p="http://schemas.openxmlformats.org/presentationml/2006/main">
   <p:cSld>
     <p:spTree>
@@ -12256,7 +13131,7 @@
           <p:nvPr>
             <p:extLst>
               <p:ext uri="{D42A27DB-BD31-4B8C-83A1-F6EECF244321}">
-                <p14:modId xmlns:p14="http://schemas.microsoft.com/office/powerpoint/2010/main" val="1669232412"/>
+                <p14:modId xmlns:p14="http://schemas.microsoft.com/office/powerpoint/2010/main" val="3078292121"/>
               </p:ext>
             </p:extLst>
           </p:nvPr>
@@ -12644,8 +13519,20 @@
                         <a:t>클래스를 </a:t>
                       </a:r>
                       <a:r>
+                        <a:rPr lang="en-US" altLang="ko-KR" sz="1200" b="1" dirty="0"/>
+                        <a:t>Inheritance(</a:t>
+                      </a:r>
+                      <a:r>
+                        <a:rPr lang="ko-KR" altLang="en-US" sz="1200" b="1" dirty="0"/>
+                        <a:t>상속</a:t>
+                      </a:r>
+                      <a:r>
+                        <a:rPr lang="en-US" altLang="ko-KR" sz="1200" b="1" dirty="0"/>
+                        <a:t>)</a:t>
+                      </a:r>
+                      <a:r>
                         <a:rPr lang="en-US" altLang="ko-KR" sz="1200" dirty="0"/>
-                        <a:t>Inheritance </a:t>
+                        <a:t> </a:t>
                       </a:r>
                       <a:r>
                         <a:rPr lang="ko-KR" altLang="en-US" sz="1200" dirty="0"/>
@@ -13642,7 +14529,7 @@
 </p:sld>
 </file>
 
-<file path=ppt/slides/slide17.xml><?xml version="1.0" encoding="utf-8"?>
+<file path=ppt/slides/slide19.xml><?xml version="1.0" encoding="utf-8"?>
 <p:sld xmlns:a="http://schemas.openxmlformats.org/drawingml/2006/main" xmlns:r="http://schemas.openxmlformats.org/officeDocument/2006/relationships" xmlns:p="http://schemas.openxmlformats.org/presentationml/2006/main">
   <p:cSld>
     <p:spTree>
@@ -13680,6 +14567,18 @@
           <a:bodyPr/>
           <a:lstStyle/>
           <a:p>
+            <a:r>
+              <a:rPr lang="en-US" altLang="ko-KR" b="1" dirty="0">
+                <a:effectLst>
+                  <a:outerShdw blurRad="38100" dist="38100" dir="2700000" algn="tl">
+                    <a:srgbClr val="000000">
+                      <a:alpha val="43137"/>
+                    </a:srgbClr>
+                  </a:outerShdw>
+                </a:effectLst>
+              </a:rPr>
+              <a:t>Unit </a:t>
+            </a:r>
             <a:r>
               <a:rPr lang="ko-KR" altLang="en-US" b="1" dirty="0">
                 <a:effectLst>
@@ -14852,6 +15751,2212 @@
                   </a:outerShdw>
                 </a:effectLst>
               </a:rPr>
+              <a:t>목차</a:t>
+            </a:r>
+          </a:p>
+        </p:txBody>
+      </p:sp>
+      <p:cxnSp>
+        <p:nvCxnSpPr>
+          <p:cNvPr id="5" name="직선 연결선 4">
+            <a:extLst>
+              <a:ext uri="{FF2B5EF4-FFF2-40B4-BE49-F238E27FC236}">
+                <a16:creationId xmlns:a16="http://schemas.microsoft.com/office/drawing/2014/main" id="{F22AA8DD-ED0F-45F1-86B0-9537AE71DA68}"/>
+              </a:ext>
+            </a:extLst>
+          </p:cNvPr>
+          <p:cNvCxnSpPr>
+            <a:cxnSpLocks/>
+          </p:cNvCxnSpPr>
+          <p:nvPr/>
+        </p:nvCxnSpPr>
+        <p:spPr>
+          <a:xfrm>
+            <a:off x="11084767" y="734457"/>
+            <a:ext cx="269033" cy="0"/>
+          </a:xfrm>
+          <a:prstGeom prst="line">
+            <a:avLst/>
+          </a:prstGeom>
+          <a:ln w="44450" cap="rnd">
+            <a:round/>
+          </a:ln>
+        </p:spPr>
+        <p:style>
+          <a:lnRef idx="1">
+            <a:schemeClr val="accent1"/>
+          </a:lnRef>
+          <a:fillRef idx="0">
+            <a:schemeClr val="accent1"/>
+          </a:fillRef>
+          <a:effectRef idx="0">
+            <a:schemeClr val="accent1"/>
+          </a:effectRef>
+          <a:fontRef idx="minor">
+            <a:schemeClr val="tx1"/>
+          </a:fontRef>
+        </p:style>
+      </p:cxnSp>
+      <p:cxnSp>
+        <p:nvCxnSpPr>
+          <p:cNvPr id="7" name="직선 연결선 6">
+            <a:extLst>
+              <a:ext uri="{FF2B5EF4-FFF2-40B4-BE49-F238E27FC236}">
+                <a16:creationId xmlns:a16="http://schemas.microsoft.com/office/drawing/2014/main" id="{F9208F28-276D-406F-A6EC-CFE994BD16F9}"/>
+              </a:ext>
+            </a:extLst>
+          </p:cNvPr>
+          <p:cNvCxnSpPr>
+            <a:cxnSpLocks/>
+          </p:cNvCxnSpPr>
+          <p:nvPr/>
+        </p:nvCxnSpPr>
+        <p:spPr>
+          <a:xfrm>
+            <a:off x="1006151" y="1375692"/>
+            <a:ext cx="234820" cy="0"/>
+          </a:xfrm>
+          <a:prstGeom prst="line">
+            <a:avLst/>
+          </a:prstGeom>
+          <a:ln w="44450" cap="rnd">
+            <a:round/>
+          </a:ln>
+        </p:spPr>
+        <p:style>
+          <a:lnRef idx="1">
+            <a:schemeClr val="accent1"/>
+          </a:lnRef>
+          <a:fillRef idx="0">
+            <a:schemeClr val="accent1"/>
+          </a:fillRef>
+          <a:effectRef idx="0">
+            <a:schemeClr val="accent1"/>
+          </a:effectRef>
+          <a:fontRef idx="minor">
+            <a:schemeClr val="tx1"/>
+          </a:fontRef>
+        </p:style>
+      </p:cxnSp>
+      <p:sp>
+        <p:nvSpPr>
+          <p:cNvPr id="9" name="TextBox 8">
+            <a:extLst>
+              <a:ext uri="{FF2B5EF4-FFF2-40B4-BE49-F238E27FC236}">
+                <a16:creationId xmlns:a16="http://schemas.microsoft.com/office/drawing/2014/main" id="{224FA63F-25E4-4A1B-8A7C-FEC4BFF243CB}"/>
+              </a:ext>
+            </a:extLst>
+          </p:cNvPr>
+          <p:cNvSpPr txBox="1"/>
+          <p:nvPr/>
+        </p:nvSpPr>
+        <p:spPr>
+          <a:xfrm>
+            <a:off x="9806473" y="365125"/>
+            <a:ext cx="1687286" cy="369332"/>
+          </a:xfrm>
+          <a:prstGeom prst="rect">
+            <a:avLst/>
+          </a:prstGeom>
+          <a:noFill/>
+        </p:spPr>
+        <p:txBody>
+          <a:bodyPr wrap="square" rtlCol="0">
+            <a:spAutoFit/>
+          </a:bodyPr>
+          <a:lstStyle/>
+          <a:p>
+            <a:pPr algn="r"/>
+            <a:r>
+              <a:rPr lang="ko-KR" altLang="en-US" b="1" dirty="0"/>
+              <a:t>목차</a:t>
+            </a:r>
+          </a:p>
+        </p:txBody>
+      </p:sp>
+      <p:sp>
+        <p:nvSpPr>
+          <p:cNvPr id="3" name="TextBox 2">
+            <a:extLst>
+              <a:ext uri="{FF2B5EF4-FFF2-40B4-BE49-F238E27FC236}">
+                <a16:creationId xmlns:a16="http://schemas.microsoft.com/office/drawing/2014/main" id="{9385EEC3-A948-4F74-A546-41539B682B52}"/>
+              </a:ext>
+            </a:extLst>
+          </p:cNvPr>
+          <p:cNvSpPr txBox="1"/>
+          <p:nvPr/>
+        </p:nvSpPr>
+        <p:spPr>
+          <a:xfrm>
+            <a:off x="838200" y="1808652"/>
+            <a:ext cx="10246567" cy="3240695"/>
+          </a:xfrm>
+          <a:prstGeom prst="rect">
+            <a:avLst/>
+          </a:prstGeom>
+          <a:noFill/>
+        </p:spPr>
+        <p:txBody>
+          <a:bodyPr wrap="square" rtlCol="0" anchor="ctr">
+            <a:spAutoFit/>
+          </a:bodyPr>
+          <a:lstStyle/>
+          <a:p>
+            <a:pPr>
+              <a:lnSpc>
+                <a:spcPct val="150000"/>
+              </a:lnSpc>
+            </a:pPr>
+            <a:r>
+              <a:rPr lang="ko-KR" altLang="en-US" sz="2800" dirty="0"/>
+              <a:t>요구사항 명세</a:t>
+            </a:r>
+            <a:endParaRPr lang="en-US" altLang="ko-KR" sz="2800" dirty="0"/>
+          </a:p>
+          <a:p>
+            <a:pPr>
+              <a:lnSpc>
+                <a:spcPct val="150000"/>
+              </a:lnSpc>
+            </a:pPr>
+            <a:r>
+              <a:rPr lang="en-US" altLang="ko-KR" sz="2800" dirty="0"/>
+              <a:t>UI</a:t>
+            </a:r>
+            <a:r>
+              <a:rPr lang="ko-KR" altLang="en-US" sz="2800" dirty="0"/>
+              <a:t>설계</a:t>
+            </a:r>
+            <a:endParaRPr lang="en-US" altLang="ko-KR" sz="2800" dirty="0"/>
+          </a:p>
+          <a:p>
+            <a:pPr>
+              <a:lnSpc>
+                <a:spcPct val="150000"/>
+              </a:lnSpc>
+            </a:pPr>
+            <a:r>
+              <a:rPr lang="ko-KR" altLang="en-US" sz="2800" dirty="0"/>
+              <a:t>소프트웨어구조설계</a:t>
+            </a:r>
+            <a:endParaRPr lang="en-US" altLang="ko-KR" sz="2800" dirty="0"/>
+          </a:p>
+          <a:p>
+            <a:pPr>
+              <a:lnSpc>
+                <a:spcPct val="150000"/>
+              </a:lnSpc>
+            </a:pPr>
+            <a:r>
+              <a:rPr lang="ko-KR" altLang="en-US" sz="2800" dirty="0"/>
+              <a:t>소프트웨어설계</a:t>
+            </a:r>
+            <a:endParaRPr lang="en-US" altLang="ko-KR" sz="2800" dirty="0"/>
+          </a:p>
+          <a:p>
+            <a:pPr>
+              <a:lnSpc>
+                <a:spcPct val="150000"/>
+              </a:lnSpc>
+            </a:pPr>
+            <a:r>
+              <a:rPr lang="ko-KR" altLang="en-US" sz="2800" dirty="0"/>
+              <a:t>테스트 설계</a:t>
+            </a:r>
+            <a:endParaRPr lang="en-US" altLang="ko-KR" sz="2800" dirty="0"/>
+          </a:p>
+        </p:txBody>
+      </p:sp>
+    </p:spTree>
+    <p:extLst>
+      <p:ext uri="{BB962C8B-B14F-4D97-AF65-F5344CB8AC3E}">
+        <p14:creationId xmlns:p14="http://schemas.microsoft.com/office/powerpoint/2010/main" val="3266369891"/>
+      </p:ext>
+    </p:extLst>
+  </p:cSld>
+  <p:clrMapOvr>
+    <a:masterClrMapping/>
+  </p:clrMapOvr>
+</p:sld>
+</file>
+
+<file path=ppt/slides/slide20.xml><?xml version="1.0" encoding="utf-8"?>
+<p:sld xmlns:a="http://schemas.openxmlformats.org/drawingml/2006/main" xmlns:r="http://schemas.openxmlformats.org/officeDocument/2006/relationships" xmlns:p="http://schemas.openxmlformats.org/presentationml/2006/main">
+  <p:cSld>
+    <p:spTree>
+      <p:nvGrpSpPr>
+        <p:cNvPr id="1" name=""/>
+        <p:cNvGrpSpPr/>
+        <p:nvPr/>
+      </p:nvGrpSpPr>
+      <p:grpSpPr>
+        <a:xfrm>
+          <a:off x="0" y="0"/>
+          <a:ext cx="0" cy="0"/>
+          <a:chOff x="0" y="0"/>
+          <a:chExt cx="0" cy="0"/>
+        </a:xfrm>
+      </p:grpSpPr>
+      <p:sp>
+        <p:nvSpPr>
+          <p:cNvPr id="2" name="제목 1">
+            <a:extLst>
+              <a:ext uri="{FF2B5EF4-FFF2-40B4-BE49-F238E27FC236}">
+                <a16:creationId xmlns:a16="http://schemas.microsoft.com/office/drawing/2014/main" id="{33DFDBA8-2FFE-45A9-98D4-B9671D5C5D40}"/>
+              </a:ext>
+            </a:extLst>
+          </p:cNvPr>
+          <p:cNvSpPr>
+            <a:spLocks noGrp="1"/>
+          </p:cNvSpPr>
+          <p:nvPr>
+            <p:ph type="title"/>
+          </p:nvPr>
+        </p:nvSpPr>
+        <p:spPr/>
+        <p:txBody>
+          <a:bodyPr/>
+          <a:lstStyle/>
+          <a:p>
+            <a:r>
+              <a:rPr lang="ko-KR" altLang="en-US" b="1" dirty="0">
+                <a:effectLst>
+                  <a:outerShdw blurRad="38100" dist="38100" dir="2700000" algn="tl">
+                    <a:srgbClr val="000000">
+                      <a:alpha val="43137"/>
+                    </a:srgbClr>
+                  </a:outerShdw>
+                </a:effectLst>
+              </a:rPr>
+              <a:t>통합테스트 보고서</a:t>
+            </a:r>
+          </a:p>
+        </p:txBody>
+      </p:sp>
+      <p:cxnSp>
+        <p:nvCxnSpPr>
+          <p:cNvPr id="5" name="직선 연결선 4">
+            <a:extLst>
+              <a:ext uri="{FF2B5EF4-FFF2-40B4-BE49-F238E27FC236}">
+                <a16:creationId xmlns:a16="http://schemas.microsoft.com/office/drawing/2014/main" id="{F22AA8DD-ED0F-45F1-86B0-9537AE71DA68}"/>
+              </a:ext>
+            </a:extLst>
+          </p:cNvPr>
+          <p:cNvCxnSpPr>
+            <a:cxnSpLocks/>
+          </p:cNvCxnSpPr>
+          <p:nvPr/>
+        </p:nvCxnSpPr>
+        <p:spPr>
+          <a:xfrm>
+            <a:off x="11084767" y="734457"/>
+            <a:ext cx="269033" cy="0"/>
+          </a:xfrm>
+          <a:prstGeom prst="line">
+            <a:avLst/>
+          </a:prstGeom>
+          <a:ln w="44450" cap="rnd">
+            <a:round/>
+          </a:ln>
+        </p:spPr>
+        <p:style>
+          <a:lnRef idx="1">
+            <a:schemeClr val="accent1"/>
+          </a:lnRef>
+          <a:fillRef idx="0">
+            <a:schemeClr val="accent1"/>
+          </a:fillRef>
+          <a:effectRef idx="0">
+            <a:schemeClr val="accent1"/>
+          </a:effectRef>
+          <a:fontRef idx="minor">
+            <a:schemeClr val="tx1"/>
+          </a:fontRef>
+        </p:style>
+      </p:cxnSp>
+      <p:cxnSp>
+        <p:nvCxnSpPr>
+          <p:cNvPr id="7" name="직선 연결선 6">
+            <a:extLst>
+              <a:ext uri="{FF2B5EF4-FFF2-40B4-BE49-F238E27FC236}">
+                <a16:creationId xmlns:a16="http://schemas.microsoft.com/office/drawing/2014/main" id="{F9208F28-276D-406F-A6EC-CFE994BD16F9}"/>
+              </a:ext>
+            </a:extLst>
+          </p:cNvPr>
+          <p:cNvCxnSpPr>
+            <a:cxnSpLocks/>
+          </p:cNvCxnSpPr>
+          <p:nvPr/>
+        </p:nvCxnSpPr>
+        <p:spPr>
+          <a:xfrm>
+            <a:off x="1006151" y="1375692"/>
+            <a:ext cx="234820" cy="0"/>
+          </a:xfrm>
+          <a:prstGeom prst="line">
+            <a:avLst/>
+          </a:prstGeom>
+          <a:ln w="44450" cap="rnd">
+            <a:round/>
+          </a:ln>
+        </p:spPr>
+        <p:style>
+          <a:lnRef idx="1">
+            <a:schemeClr val="accent1"/>
+          </a:lnRef>
+          <a:fillRef idx="0">
+            <a:schemeClr val="accent1"/>
+          </a:fillRef>
+          <a:effectRef idx="0">
+            <a:schemeClr val="accent1"/>
+          </a:effectRef>
+          <a:fontRef idx="minor">
+            <a:schemeClr val="tx1"/>
+          </a:fontRef>
+        </p:style>
+      </p:cxnSp>
+      <p:sp>
+        <p:nvSpPr>
+          <p:cNvPr id="9" name="TextBox 8">
+            <a:extLst>
+              <a:ext uri="{FF2B5EF4-FFF2-40B4-BE49-F238E27FC236}">
+                <a16:creationId xmlns:a16="http://schemas.microsoft.com/office/drawing/2014/main" id="{224FA63F-25E4-4A1B-8A7C-FEC4BFF243CB}"/>
+              </a:ext>
+            </a:extLst>
+          </p:cNvPr>
+          <p:cNvSpPr txBox="1"/>
+          <p:nvPr/>
+        </p:nvSpPr>
+        <p:spPr>
+          <a:xfrm>
+            <a:off x="9257122" y="365125"/>
+            <a:ext cx="2236637" cy="338554"/>
+          </a:xfrm>
+          <a:prstGeom prst="rect">
+            <a:avLst/>
+          </a:prstGeom>
+          <a:noFill/>
+        </p:spPr>
+        <p:txBody>
+          <a:bodyPr wrap="square" rtlCol="0">
+            <a:spAutoFit/>
+          </a:bodyPr>
+          <a:lstStyle/>
+          <a:p>
+            <a:pPr algn="r"/>
+            <a:r>
+              <a:rPr lang="ko-KR" altLang="en-US" sz="1600" b="1"/>
+              <a:t>일정저장 및 불러오기</a:t>
+            </a:r>
+            <a:endParaRPr lang="ko-KR" altLang="en-US" sz="1600" b="1" dirty="0"/>
+          </a:p>
+        </p:txBody>
+      </p:sp>
+      <p:pic>
+        <p:nvPicPr>
+          <p:cNvPr id="10" name="그림 9">
+            <a:extLst>
+              <a:ext uri="{FF2B5EF4-FFF2-40B4-BE49-F238E27FC236}">
+                <a16:creationId xmlns:a16="http://schemas.microsoft.com/office/drawing/2014/main" id="{58BD3563-0854-4EC1-96FC-054E0E857D0D}"/>
+              </a:ext>
+            </a:extLst>
+          </p:cNvPr>
+          <p:cNvPicPr>
+            <a:picLocks noChangeAspect="1"/>
+          </p:cNvPicPr>
+          <p:nvPr/>
+        </p:nvPicPr>
+        <p:blipFill>
+          <a:blip r:embed="rId2">
+            <a:extLst>
+              <a:ext uri="{28A0092B-C50C-407E-A947-70E740481C1C}">
+                <a14:useLocalDpi xmlns:a14="http://schemas.microsoft.com/office/drawing/2010/main" val="0"/>
+              </a:ext>
+            </a:extLst>
+          </a:blip>
+          <a:stretch>
+            <a:fillRect/>
+          </a:stretch>
+        </p:blipFill>
+        <p:spPr>
+          <a:xfrm>
+            <a:off x="1003098" y="1875473"/>
+            <a:ext cx="4702051" cy="3107054"/>
+          </a:xfrm>
+          <a:prstGeom prst="rect">
+            <a:avLst/>
+          </a:prstGeom>
+        </p:spPr>
+      </p:pic>
+      <p:pic>
+        <p:nvPicPr>
+          <p:cNvPr id="18" name="그림 17">
+            <a:extLst>
+              <a:ext uri="{FF2B5EF4-FFF2-40B4-BE49-F238E27FC236}">
+                <a16:creationId xmlns:a16="http://schemas.microsoft.com/office/drawing/2014/main" id="{FC3A3B32-CE2C-4D52-A9D6-EDC688DB6F75}"/>
+              </a:ext>
+            </a:extLst>
+          </p:cNvPr>
+          <p:cNvPicPr>
+            <a:picLocks noChangeAspect="1"/>
+          </p:cNvPicPr>
+          <p:nvPr/>
+        </p:nvPicPr>
+        <p:blipFill>
+          <a:blip r:embed="rId3">
+            <a:extLst>
+              <a:ext uri="{28A0092B-C50C-407E-A947-70E740481C1C}">
+                <a14:useLocalDpi xmlns:a14="http://schemas.microsoft.com/office/drawing/2010/main" val="0"/>
+              </a:ext>
+            </a:extLst>
+          </a:blip>
+          <a:stretch>
+            <a:fillRect/>
+          </a:stretch>
+        </p:blipFill>
+        <p:spPr>
+          <a:xfrm>
+            <a:off x="6482287" y="1875473"/>
+            <a:ext cx="4602480" cy="3033028"/>
+          </a:xfrm>
+          <a:prstGeom prst="rect">
+            <a:avLst/>
+          </a:prstGeom>
+        </p:spPr>
+      </p:pic>
+      <p:sp>
+        <p:nvSpPr>
+          <p:cNvPr id="19" name="TextBox 18">
+            <a:extLst>
+              <a:ext uri="{FF2B5EF4-FFF2-40B4-BE49-F238E27FC236}">
+                <a16:creationId xmlns:a16="http://schemas.microsoft.com/office/drawing/2014/main" id="{110CDC2A-7EAC-469F-BC7A-FA65F9E3A6D7}"/>
+              </a:ext>
+            </a:extLst>
+          </p:cNvPr>
+          <p:cNvSpPr txBox="1"/>
+          <p:nvPr/>
+        </p:nvSpPr>
+        <p:spPr>
+          <a:xfrm>
+            <a:off x="1352536" y="5498515"/>
+            <a:ext cx="9486928" cy="461665"/>
+          </a:xfrm>
+          <a:prstGeom prst="rect">
+            <a:avLst/>
+          </a:prstGeom>
+          <a:noFill/>
+        </p:spPr>
+        <p:txBody>
+          <a:bodyPr wrap="square" rtlCol="0" anchor="ctr">
+            <a:spAutoFit/>
+          </a:bodyPr>
+          <a:lstStyle/>
+          <a:p>
+            <a:pPr algn="ctr"/>
+            <a:r>
+              <a:rPr lang="ko-KR" altLang="en-US" sz="2400" dirty="0"/>
+              <a:t>특정 날짜를 클릭하고 그 날짜에 일정을 등록 할 수 있다</a:t>
+            </a:r>
+            <a:r>
+              <a:rPr lang="en-US" altLang="ko-KR" sz="2400" dirty="0"/>
+              <a:t>.</a:t>
+            </a:r>
+            <a:endParaRPr lang="ko-KR" altLang="en-US" sz="2400" dirty="0"/>
+          </a:p>
+        </p:txBody>
+      </p:sp>
+    </p:spTree>
+    <p:extLst>
+      <p:ext uri="{BB962C8B-B14F-4D97-AF65-F5344CB8AC3E}">
+        <p14:creationId xmlns:p14="http://schemas.microsoft.com/office/powerpoint/2010/main" val="862537259"/>
+      </p:ext>
+    </p:extLst>
+  </p:cSld>
+  <p:clrMapOvr>
+    <a:masterClrMapping/>
+  </p:clrMapOvr>
+</p:sld>
+</file>
+
+<file path=ppt/slides/slide21.xml><?xml version="1.0" encoding="utf-8"?>
+<p:sld xmlns:a="http://schemas.openxmlformats.org/drawingml/2006/main" xmlns:r="http://schemas.openxmlformats.org/officeDocument/2006/relationships" xmlns:p="http://schemas.openxmlformats.org/presentationml/2006/main">
+  <p:cSld>
+    <p:spTree>
+      <p:nvGrpSpPr>
+        <p:cNvPr id="1" name=""/>
+        <p:cNvGrpSpPr/>
+        <p:nvPr/>
+      </p:nvGrpSpPr>
+      <p:grpSpPr>
+        <a:xfrm>
+          <a:off x="0" y="0"/>
+          <a:ext cx="0" cy="0"/>
+          <a:chOff x="0" y="0"/>
+          <a:chExt cx="0" cy="0"/>
+        </a:xfrm>
+      </p:grpSpPr>
+      <p:sp>
+        <p:nvSpPr>
+          <p:cNvPr id="2" name="제목 1">
+            <a:extLst>
+              <a:ext uri="{FF2B5EF4-FFF2-40B4-BE49-F238E27FC236}">
+                <a16:creationId xmlns:a16="http://schemas.microsoft.com/office/drawing/2014/main" id="{33DFDBA8-2FFE-45A9-98D4-B9671D5C5D40}"/>
+              </a:ext>
+            </a:extLst>
+          </p:cNvPr>
+          <p:cNvSpPr>
+            <a:spLocks noGrp="1"/>
+          </p:cNvSpPr>
+          <p:nvPr>
+            <p:ph type="title"/>
+          </p:nvPr>
+        </p:nvSpPr>
+        <p:spPr/>
+        <p:txBody>
+          <a:bodyPr/>
+          <a:lstStyle/>
+          <a:p>
+            <a:r>
+              <a:rPr lang="ko-KR" altLang="en-US" b="1" dirty="0">
+                <a:effectLst>
+                  <a:outerShdw blurRad="38100" dist="38100" dir="2700000" algn="tl">
+                    <a:srgbClr val="000000">
+                      <a:alpha val="43137"/>
+                    </a:srgbClr>
+                  </a:outerShdw>
+                </a:effectLst>
+              </a:rPr>
+              <a:t>통합테스트 보고서</a:t>
+            </a:r>
+          </a:p>
+        </p:txBody>
+      </p:sp>
+      <p:cxnSp>
+        <p:nvCxnSpPr>
+          <p:cNvPr id="5" name="직선 연결선 4">
+            <a:extLst>
+              <a:ext uri="{FF2B5EF4-FFF2-40B4-BE49-F238E27FC236}">
+                <a16:creationId xmlns:a16="http://schemas.microsoft.com/office/drawing/2014/main" id="{F22AA8DD-ED0F-45F1-86B0-9537AE71DA68}"/>
+              </a:ext>
+            </a:extLst>
+          </p:cNvPr>
+          <p:cNvCxnSpPr>
+            <a:cxnSpLocks/>
+          </p:cNvCxnSpPr>
+          <p:nvPr/>
+        </p:nvCxnSpPr>
+        <p:spPr>
+          <a:xfrm>
+            <a:off x="11084767" y="734457"/>
+            <a:ext cx="269033" cy="0"/>
+          </a:xfrm>
+          <a:prstGeom prst="line">
+            <a:avLst/>
+          </a:prstGeom>
+          <a:ln w="44450" cap="rnd">
+            <a:round/>
+          </a:ln>
+        </p:spPr>
+        <p:style>
+          <a:lnRef idx="1">
+            <a:schemeClr val="accent1"/>
+          </a:lnRef>
+          <a:fillRef idx="0">
+            <a:schemeClr val="accent1"/>
+          </a:fillRef>
+          <a:effectRef idx="0">
+            <a:schemeClr val="accent1"/>
+          </a:effectRef>
+          <a:fontRef idx="minor">
+            <a:schemeClr val="tx1"/>
+          </a:fontRef>
+        </p:style>
+      </p:cxnSp>
+      <p:cxnSp>
+        <p:nvCxnSpPr>
+          <p:cNvPr id="7" name="직선 연결선 6">
+            <a:extLst>
+              <a:ext uri="{FF2B5EF4-FFF2-40B4-BE49-F238E27FC236}">
+                <a16:creationId xmlns:a16="http://schemas.microsoft.com/office/drawing/2014/main" id="{F9208F28-276D-406F-A6EC-CFE994BD16F9}"/>
+              </a:ext>
+            </a:extLst>
+          </p:cNvPr>
+          <p:cNvCxnSpPr>
+            <a:cxnSpLocks/>
+          </p:cNvCxnSpPr>
+          <p:nvPr/>
+        </p:nvCxnSpPr>
+        <p:spPr>
+          <a:xfrm>
+            <a:off x="1006151" y="1375692"/>
+            <a:ext cx="234820" cy="0"/>
+          </a:xfrm>
+          <a:prstGeom prst="line">
+            <a:avLst/>
+          </a:prstGeom>
+          <a:ln w="44450" cap="rnd">
+            <a:round/>
+          </a:ln>
+        </p:spPr>
+        <p:style>
+          <a:lnRef idx="1">
+            <a:schemeClr val="accent1"/>
+          </a:lnRef>
+          <a:fillRef idx="0">
+            <a:schemeClr val="accent1"/>
+          </a:fillRef>
+          <a:effectRef idx="0">
+            <a:schemeClr val="accent1"/>
+          </a:effectRef>
+          <a:fontRef idx="minor">
+            <a:schemeClr val="tx1"/>
+          </a:fontRef>
+        </p:style>
+      </p:cxnSp>
+      <p:sp>
+        <p:nvSpPr>
+          <p:cNvPr id="9" name="TextBox 8">
+            <a:extLst>
+              <a:ext uri="{FF2B5EF4-FFF2-40B4-BE49-F238E27FC236}">
+                <a16:creationId xmlns:a16="http://schemas.microsoft.com/office/drawing/2014/main" id="{224FA63F-25E4-4A1B-8A7C-FEC4BFF243CB}"/>
+              </a:ext>
+            </a:extLst>
+          </p:cNvPr>
+          <p:cNvSpPr txBox="1"/>
+          <p:nvPr/>
+        </p:nvSpPr>
+        <p:spPr>
+          <a:xfrm>
+            <a:off x="9806473" y="365125"/>
+            <a:ext cx="1687286" cy="338554"/>
+          </a:xfrm>
+          <a:prstGeom prst="rect">
+            <a:avLst/>
+          </a:prstGeom>
+          <a:noFill/>
+        </p:spPr>
+        <p:txBody>
+          <a:bodyPr wrap="square" rtlCol="0">
+            <a:spAutoFit/>
+          </a:bodyPr>
+          <a:lstStyle/>
+          <a:p>
+            <a:pPr algn="r"/>
+            <a:r>
+              <a:rPr lang="ko-KR" altLang="en-US" sz="1600" b="1" dirty="0"/>
+              <a:t>음력 변환</a:t>
+            </a:r>
+          </a:p>
+        </p:txBody>
+      </p:sp>
+      <p:pic>
+        <p:nvPicPr>
+          <p:cNvPr id="4" name="그림 3">
+            <a:extLst>
+              <a:ext uri="{FF2B5EF4-FFF2-40B4-BE49-F238E27FC236}">
+                <a16:creationId xmlns:a16="http://schemas.microsoft.com/office/drawing/2014/main" id="{3DA6718A-C9C7-4D59-A1C9-C0553764EC78}"/>
+              </a:ext>
+            </a:extLst>
+          </p:cNvPr>
+          <p:cNvPicPr>
+            <a:picLocks noChangeAspect="1"/>
+          </p:cNvPicPr>
+          <p:nvPr/>
+        </p:nvPicPr>
+        <p:blipFill>
+          <a:blip r:embed="rId2">
+            <a:extLst>
+              <a:ext uri="{28A0092B-C50C-407E-A947-70E740481C1C}">
+                <a14:useLocalDpi xmlns:a14="http://schemas.microsoft.com/office/drawing/2010/main" val="0"/>
+              </a:ext>
+            </a:extLst>
+          </a:blip>
+          <a:stretch>
+            <a:fillRect/>
+          </a:stretch>
+        </p:blipFill>
+        <p:spPr>
+          <a:xfrm>
+            <a:off x="1240971" y="2380726"/>
+            <a:ext cx="3801519" cy="1940566"/>
+          </a:xfrm>
+          <a:prstGeom prst="rect">
+            <a:avLst/>
+          </a:prstGeom>
+        </p:spPr>
+      </p:pic>
+      <p:pic>
+        <p:nvPicPr>
+          <p:cNvPr id="10" name="그림 9">
+            <a:extLst>
+              <a:ext uri="{FF2B5EF4-FFF2-40B4-BE49-F238E27FC236}">
+                <a16:creationId xmlns:a16="http://schemas.microsoft.com/office/drawing/2014/main" id="{0185DC5F-483B-4461-AE66-1171C162008C}"/>
+              </a:ext>
+            </a:extLst>
+          </p:cNvPr>
+          <p:cNvPicPr>
+            <a:picLocks noChangeAspect="1"/>
+          </p:cNvPicPr>
+          <p:nvPr/>
+        </p:nvPicPr>
+        <p:blipFill>
+          <a:blip r:embed="rId3">
+            <a:extLst>
+              <a:ext uri="{28A0092B-C50C-407E-A947-70E740481C1C}">
+                <a14:useLocalDpi xmlns:a14="http://schemas.microsoft.com/office/drawing/2010/main" val="0"/>
+              </a:ext>
+            </a:extLst>
+          </a:blip>
+          <a:stretch>
+            <a:fillRect/>
+          </a:stretch>
+        </p:blipFill>
+        <p:spPr>
+          <a:xfrm>
+            <a:off x="7223283" y="2308294"/>
+            <a:ext cx="3727746" cy="2066576"/>
+          </a:xfrm>
+          <a:prstGeom prst="rect">
+            <a:avLst/>
+          </a:prstGeom>
+        </p:spPr>
+      </p:pic>
+      <p:cxnSp>
+        <p:nvCxnSpPr>
+          <p:cNvPr id="11" name="직선 연결선 10">
+            <a:extLst>
+              <a:ext uri="{FF2B5EF4-FFF2-40B4-BE49-F238E27FC236}">
+                <a16:creationId xmlns:a16="http://schemas.microsoft.com/office/drawing/2014/main" id="{3E60B8E7-C9F8-42F8-A2CA-9627218755F6}"/>
+              </a:ext>
+            </a:extLst>
+          </p:cNvPr>
+          <p:cNvCxnSpPr/>
+          <p:nvPr/>
+        </p:nvCxnSpPr>
+        <p:spPr>
+          <a:xfrm>
+            <a:off x="5466184" y="3319483"/>
+            <a:ext cx="1259632" cy="0"/>
+          </a:xfrm>
+          <a:prstGeom prst="line">
+            <a:avLst/>
+          </a:prstGeom>
+          <a:ln w="44450">
+            <a:headEnd type="none"/>
+            <a:tailEnd type="triangle" w="med" len="lg"/>
+          </a:ln>
+        </p:spPr>
+        <p:style>
+          <a:lnRef idx="1">
+            <a:schemeClr val="accent1"/>
+          </a:lnRef>
+          <a:fillRef idx="0">
+            <a:schemeClr val="accent1"/>
+          </a:fillRef>
+          <a:effectRef idx="0">
+            <a:schemeClr val="accent1"/>
+          </a:effectRef>
+          <a:fontRef idx="minor">
+            <a:schemeClr val="tx1"/>
+          </a:fontRef>
+        </p:style>
+      </p:cxnSp>
+      <p:sp>
+        <p:nvSpPr>
+          <p:cNvPr id="12" name="TextBox 11">
+            <a:extLst>
+              <a:ext uri="{FF2B5EF4-FFF2-40B4-BE49-F238E27FC236}">
+                <a16:creationId xmlns:a16="http://schemas.microsoft.com/office/drawing/2014/main" id="{983B5DE2-9A4F-4EC5-AFB8-32CA78B83855}"/>
+              </a:ext>
+            </a:extLst>
+          </p:cNvPr>
+          <p:cNvSpPr txBox="1"/>
+          <p:nvPr/>
+        </p:nvSpPr>
+        <p:spPr>
+          <a:xfrm>
+            <a:off x="5401558" y="2778450"/>
+            <a:ext cx="1388883" cy="369332"/>
+          </a:xfrm>
+          <a:prstGeom prst="rect">
+            <a:avLst/>
+          </a:prstGeom>
+          <a:noFill/>
+        </p:spPr>
+        <p:txBody>
+          <a:bodyPr wrap="square" rtlCol="0">
+            <a:spAutoFit/>
+          </a:bodyPr>
+          <a:lstStyle/>
+          <a:p>
+            <a:pPr algn="ctr"/>
+            <a:r>
+              <a:rPr lang="en-US" altLang="ko-KR" b="1" dirty="0"/>
+              <a:t>convert</a:t>
+            </a:r>
+            <a:endParaRPr lang="ko-KR" altLang="en-US" b="1" dirty="0"/>
+          </a:p>
+        </p:txBody>
+      </p:sp>
+      <p:sp>
+        <p:nvSpPr>
+          <p:cNvPr id="13" name="TextBox 12">
+            <a:extLst>
+              <a:ext uri="{FF2B5EF4-FFF2-40B4-BE49-F238E27FC236}">
+                <a16:creationId xmlns:a16="http://schemas.microsoft.com/office/drawing/2014/main" id="{E7E4764F-B2A1-48F9-BF7E-61EAEBF12F28}"/>
+              </a:ext>
+            </a:extLst>
+          </p:cNvPr>
+          <p:cNvSpPr txBox="1"/>
+          <p:nvPr/>
+        </p:nvSpPr>
+        <p:spPr>
+          <a:xfrm>
+            <a:off x="2166055" y="4190204"/>
+            <a:ext cx="1951349" cy="369332"/>
+          </a:xfrm>
+          <a:prstGeom prst="rect">
+            <a:avLst/>
+          </a:prstGeom>
+          <a:noFill/>
+        </p:spPr>
+        <p:txBody>
+          <a:bodyPr wrap="square" rtlCol="0" anchor="ctr">
+            <a:spAutoFit/>
+          </a:bodyPr>
+          <a:lstStyle/>
+          <a:p>
+            <a:pPr algn="ctr"/>
+            <a:r>
+              <a:rPr lang="ko-KR" altLang="en-US" u="sng" dirty="0"/>
+              <a:t>양력</a:t>
+            </a:r>
+            <a:r>
+              <a:rPr lang="ko-KR" altLang="en-US" dirty="0"/>
+              <a:t> 날짜</a:t>
+            </a:r>
+          </a:p>
+        </p:txBody>
+      </p:sp>
+      <p:sp>
+        <p:nvSpPr>
+          <p:cNvPr id="14" name="TextBox 13">
+            <a:extLst>
+              <a:ext uri="{FF2B5EF4-FFF2-40B4-BE49-F238E27FC236}">
+                <a16:creationId xmlns:a16="http://schemas.microsoft.com/office/drawing/2014/main" id="{311EABD0-874C-43F0-8BB4-A3E0BDF4CC2B}"/>
+              </a:ext>
+            </a:extLst>
+          </p:cNvPr>
+          <p:cNvSpPr txBox="1"/>
+          <p:nvPr/>
+        </p:nvSpPr>
+        <p:spPr>
+          <a:xfrm>
+            <a:off x="8111481" y="4190204"/>
+            <a:ext cx="1951349" cy="369332"/>
+          </a:xfrm>
+          <a:prstGeom prst="rect">
+            <a:avLst/>
+          </a:prstGeom>
+          <a:noFill/>
+        </p:spPr>
+        <p:txBody>
+          <a:bodyPr wrap="square" rtlCol="0" anchor="ctr">
+            <a:spAutoFit/>
+          </a:bodyPr>
+          <a:lstStyle/>
+          <a:p>
+            <a:pPr algn="ctr"/>
+            <a:r>
+              <a:rPr lang="ko-KR" altLang="en-US" u="sng" dirty="0"/>
+              <a:t>음력</a:t>
+            </a:r>
+            <a:r>
+              <a:rPr lang="ko-KR" altLang="en-US" dirty="0"/>
+              <a:t> 날짜</a:t>
+            </a:r>
+          </a:p>
+        </p:txBody>
+      </p:sp>
+      <p:sp>
+        <p:nvSpPr>
+          <p:cNvPr id="15" name="TextBox 14">
+            <a:extLst>
+              <a:ext uri="{FF2B5EF4-FFF2-40B4-BE49-F238E27FC236}">
+                <a16:creationId xmlns:a16="http://schemas.microsoft.com/office/drawing/2014/main" id="{DFF36CCE-EFB4-4F32-9C53-D501C1B3528D}"/>
+              </a:ext>
+            </a:extLst>
+          </p:cNvPr>
+          <p:cNvSpPr txBox="1"/>
+          <p:nvPr/>
+        </p:nvSpPr>
+        <p:spPr>
+          <a:xfrm>
+            <a:off x="1352536" y="5272270"/>
+            <a:ext cx="9486928" cy="461665"/>
+          </a:xfrm>
+          <a:prstGeom prst="rect">
+            <a:avLst/>
+          </a:prstGeom>
+          <a:noFill/>
+        </p:spPr>
+        <p:txBody>
+          <a:bodyPr wrap="square" rtlCol="0" anchor="ctr">
+            <a:spAutoFit/>
+          </a:bodyPr>
+          <a:lstStyle/>
+          <a:p>
+            <a:pPr algn="ctr"/>
+            <a:r>
+              <a:rPr lang="ko-KR" altLang="en-US" sz="2400" dirty="0"/>
+              <a:t>주어진 년도</a:t>
+            </a:r>
+            <a:r>
+              <a:rPr lang="en-US" altLang="ko-KR" sz="2400" dirty="0"/>
+              <a:t>, </a:t>
+            </a:r>
+            <a:r>
+              <a:rPr lang="ko-KR" altLang="en-US" sz="2400" dirty="0"/>
+              <a:t>월</a:t>
+            </a:r>
+            <a:r>
+              <a:rPr lang="en-US" altLang="ko-KR" sz="2400" dirty="0"/>
+              <a:t>, </a:t>
+            </a:r>
+            <a:r>
+              <a:rPr lang="ko-KR" altLang="en-US" sz="2400" dirty="0"/>
+              <a:t>일 안에서 </a:t>
+            </a:r>
+            <a:r>
+              <a:rPr lang="ko-KR" altLang="en-US" sz="2400" u="sng" dirty="0"/>
+              <a:t>양력</a:t>
+            </a:r>
+            <a:r>
+              <a:rPr lang="ko-KR" altLang="en-US" sz="2400" dirty="0"/>
+              <a:t>날짜를 </a:t>
+            </a:r>
+            <a:r>
+              <a:rPr lang="ko-KR" altLang="en-US" sz="2400" u="sng" dirty="0"/>
+              <a:t>음력</a:t>
+            </a:r>
+            <a:r>
+              <a:rPr lang="ko-KR" altLang="en-US" sz="2400" dirty="0"/>
+              <a:t>날짜로 바꿀 수 있다</a:t>
+            </a:r>
+            <a:r>
+              <a:rPr lang="en-US" altLang="ko-KR" sz="2400" dirty="0"/>
+              <a:t>.</a:t>
+            </a:r>
+            <a:endParaRPr lang="ko-KR" altLang="en-US" sz="2400" dirty="0"/>
+          </a:p>
+        </p:txBody>
+      </p:sp>
+    </p:spTree>
+    <p:extLst>
+      <p:ext uri="{BB962C8B-B14F-4D97-AF65-F5344CB8AC3E}">
+        <p14:creationId xmlns:p14="http://schemas.microsoft.com/office/powerpoint/2010/main" val="3459417332"/>
+      </p:ext>
+    </p:extLst>
+  </p:cSld>
+  <p:clrMapOvr>
+    <a:masterClrMapping/>
+  </p:clrMapOvr>
+</p:sld>
+</file>
+
+<file path=ppt/slides/slide22.xml><?xml version="1.0" encoding="utf-8"?>
+<p:sld xmlns:a="http://schemas.openxmlformats.org/drawingml/2006/main" xmlns:r="http://schemas.openxmlformats.org/officeDocument/2006/relationships" xmlns:p="http://schemas.openxmlformats.org/presentationml/2006/main">
+  <p:cSld>
+    <p:spTree>
+      <p:nvGrpSpPr>
+        <p:cNvPr id="1" name=""/>
+        <p:cNvGrpSpPr/>
+        <p:nvPr/>
+      </p:nvGrpSpPr>
+      <p:grpSpPr>
+        <a:xfrm>
+          <a:off x="0" y="0"/>
+          <a:ext cx="0" cy="0"/>
+          <a:chOff x="0" y="0"/>
+          <a:chExt cx="0" cy="0"/>
+        </a:xfrm>
+      </p:grpSpPr>
+      <p:sp>
+        <p:nvSpPr>
+          <p:cNvPr id="2" name="제목 1">
+            <a:extLst>
+              <a:ext uri="{FF2B5EF4-FFF2-40B4-BE49-F238E27FC236}">
+                <a16:creationId xmlns:a16="http://schemas.microsoft.com/office/drawing/2014/main" id="{33DFDBA8-2FFE-45A9-98D4-B9671D5C5D40}"/>
+              </a:ext>
+            </a:extLst>
+          </p:cNvPr>
+          <p:cNvSpPr>
+            <a:spLocks noGrp="1"/>
+          </p:cNvSpPr>
+          <p:nvPr>
+            <p:ph type="title"/>
+          </p:nvPr>
+        </p:nvSpPr>
+        <p:spPr/>
+        <p:txBody>
+          <a:bodyPr/>
+          <a:lstStyle/>
+          <a:p>
+            <a:r>
+              <a:rPr lang="ko-KR" altLang="en-US" b="1" dirty="0">
+                <a:effectLst>
+                  <a:outerShdw blurRad="38100" dist="38100" dir="2700000" algn="tl">
+                    <a:srgbClr val="000000">
+                      <a:alpha val="43137"/>
+                    </a:srgbClr>
+                  </a:outerShdw>
+                </a:effectLst>
+              </a:rPr>
+              <a:t>통합테스트 보고서</a:t>
+            </a:r>
+          </a:p>
+        </p:txBody>
+      </p:sp>
+      <p:cxnSp>
+        <p:nvCxnSpPr>
+          <p:cNvPr id="5" name="직선 연결선 4">
+            <a:extLst>
+              <a:ext uri="{FF2B5EF4-FFF2-40B4-BE49-F238E27FC236}">
+                <a16:creationId xmlns:a16="http://schemas.microsoft.com/office/drawing/2014/main" id="{F22AA8DD-ED0F-45F1-86B0-9537AE71DA68}"/>
+              </a:ext>
+            </a:extLst>
+          </p:cNvPr>
+          <p:cNvCxnSpPr>
+            <a:cxnSpLocks/>
+          </p:cNvCxnSpPr>
+          <p:nvPr/>
+        </p:nvCxnSpPr>
+        <p:spPr>
+          <a:xfrm>
+            <a:off x="11084767" y="734457"/>
+            <a:ext cx="269033" cy="0"/>
+          </a:xfrm>
+          <a:prstGeom prst="line">
+            <a:avLst/>
+          </a:prstGeom>
+          <a:ln w="44450" cap="rnd">
+            <a:round/>
+          </a:ln>
+        </p:spPr>
+        <p:style>
+          <a:lnRef idx="1">
+            <a:schemeClr val="accent1"/>
+          </a:lnRef>
+          <a:fillRef idx="0">
+            <a:schemeClr val="accent1"/>
+          </a:fillRef>
+          <a:effectRef idx="0">
+            <a:schemeClr val="accent1"/>
+          </a:effectRef>
+          <a:fontRef idx="minor">
+            <a:schemeClr val="tx1"/>
+          </a:fontRef>
+        </p:style>
+      </p:cxnSp>
+      <p:cxnSp>
+        <p:nvCxnSpPr>
+          <p:cNvPr id="7" name="직선 연결선 6">
+            <a:extLst>
+              <a:ext uri="{FF2B5EF4-FFF2-40B4-BE49-F238E27FC236}">
+                <a16:creationId xmlns:a16="http://schemas.microsoft.com/office/drawing/2014/main" id="{F9208F28-276D-406F-A6EC-CFE994BD16F9}"/>
+              </a:ext>
+            </a:extLst>
+          </p:cNvPr>
+          <p:cNvCxnSpPr>
+            <a:cxnSpLocks/>
+          </p:cNvCxnSpPr>
+          <p:nvPr/>
+        </p:nvCxnSpPr>
+        <p:spPr>
+          <a:xfrm>
+            <a:off x="1006151" y="1375692"/>
+            <a:ext cx="234820" cy="0"/>
+          </a:xfrm>
+          <a:prstGeom prst="line">
+            <a:avLst/>
+          </a:prstGeom>
+          <a:ln w="44450" cap="rnd">
+            <a:round/>
+          </a:ln>
+        </p:spPr>
+        <p:style>
+          <a:lnRef idx="1">
+            <a:schemeClr val="accent1"/>
+          </a:lnRef>
+          <a:fillRef idx="0">
+            <a:schemeClr val="accent1"/>
+          </a:fillRef>
+          <a:effectRef idx="0">
+            <a:schemeClr val="accent1"/>
+          </a:effectRef>
+          <a:fontRef idx="minor">
+            <a:schemeClr val="tx1"/>
+          </a:fontRef>
+        </p:style>
+      </p:cxnSp>
+      <p:sp>
+        <p:nvSpPr>
+          <p:cNvPr id="9" name="TextBox 8">
+            <a:extLst>
+              <a:ext uri="{FF2B5EF4-FFF2-40B4-BE49-F238E27FC236}">
+                <a16:creationId xmlns:a16="http://schemas.microsoft.com/office/drawing/2014/main" id="{224FA63F-25E4-4A1B-8A7C-FEC4BFF243CB}"/>
+              </a:ext>
+            </a:extLst>
+          </p:cNvPr>
+          <p:cNvSpPr txBox="1"/>
+          <p:nvPr/>
+        </p:nvSpPr>
+        <p:spPr>
+          <a:xfrm>
+            <a:off x="9806473" y="365125"/>
+            <a:ext cx="1687286" cy="338554"/>
+          </a:xfrm>
+          <a:prstGeom prst="rect">
+            <a:avLst/>
+          </a:prstGeom>
+          <a:noFill/>
+        </p:spPr>
+        <p:txBody>
+          <a:bodyPr wrap="square" rtlCol="0">
+            <a:spAutoFit/>
+          </a:bodyPr>
+          <a:lstStyle/>
+          <a:p>
+            <a:pPr algn="r"/>
+            <a:r>
+              <a:rPr lang="ko-KR" altLang="en-US" sz="1600" b="1" dirty="0"/>
+              <a:t>양력 변환</a:t>
+            </a:r>
+          </a:p>
+        </p:txBody>
+      </p:sp>
+      <p:cxnSp>
+        <p:nvCxnSpPr>
+          <p:cNvPr id="11" name="직선 연결선 10">
+            <a:extLst>
+              <a:ext uri="{FF2B5EF4-FFF2-40B4-BE49-F238E27FC236}">
+                <a16:creationId xmlns:a16="http://schemas.microsoft.com/office/drawing/2014/main" id="{3E60B8E7-C9F8-42F8-A2CA-9627218755F6}"/>
+              </a:ext>
+            </a:extLst>
+          </p:cNvPr>
+          <p:cNvCxnSpPr/>
+          <p:nvPr/>
+        </p:nvCxnSpPr>
+        <p:spPr>
+          <a:xfrm>
+            <a:off x="5371914" y="3319483"/>
+            <a:ext cx="1259632" cy="0"/>
+          </a:xfrm>
+          <a:prstGeom prst="line">
+            <a:avLst/>
+          </a:prstGeom>
+          <a:ln w="44450">
+            <a:headEnd type="none"/>
+            <a:tailEnd type="triangle" w="med" len="lg"/>
+          </a:ln>
+        </p:spPr>
+        <p:style>
+          <a:lnRef idx="1">
+            <a:schemeClr val="accent1"/>
+          </a:lnRef>
+          <a:fillRef idx="0">
+            <a:schemeClr val="accent1"/>
+          </a:fillRef>
+          <a:effectRef idx="0">
+            <a:schemeClr val="accent1"/>
+          </a:effectRef>
+          <a:fontRef idx="minor">
+            <a:schemeClr val="tx1"/>
+          </a:fontRef>
+        </p:style>
+      </p:cxnSp>
+      <p:sp>
+        <p:nvSpPr>
+          <p:cNvPr id="12" name="TextBox 11">
+            <a:extLst>
+              <a:ext uri="{FF2B5EF4-FFF2-40B4-BE49-F238E27FC236}">
+                <a16:creationId xmlns:a16="http://schemas.microsoft.com/office/drawing/2014/main" id="{983B5DE2-9A4F-4EC5-AFB8-32CA78B83855}"/>
+              </a:ext>
+            </a:extLst>
+          </p:cNvPr>
+          <p:cNvSpPr txBox="1"/>
+          <p:nvPr/>
+        </p:nvSpPr>
+        <p:spPr>
+          <a:xfrm>
+            <a:off x="5307288" y="2735550"/>
+            <a:ext cx="1388883" cy="369332"/>
+          </a:xfrm>
+          <a:prstGeom prst="rect">
+            <a:avLst/>
+          </a:prstGeom>
+          <a:noFill/>
+        </p:spPr>
+        <p:txBody>
+          <a:bodyPr wrap="square" rtlCol="0">
+            <a:spAutoFit/>
+          </a:bodyPr>
+          <a:lstStyle/>
+          <a:p>
+            <a:pPr algn="ctr"/>
+            <a:r>
+              <a:rPr lang="en-US" altLang="ko-KR" b="1" dirty="0"/>
+              <a:t>convert</a:t>
+            </a:r>
+            <a:endParaRPr lang="ko-KR" altLang="en-US" b="1" dirty="0"/>
+          </a:p>
+        </p:txBody>
+      </p:sp>
+      <p:sp>
+        <p:nvSpPr>
+          <p:cNvPr id="13" name="TextBox 12">
+            <a:extLst>
+              <a:ext uri="{FF2B5EF4-FFF2-40B4-BE49-F238E27FC236}">
+                <a16:creationId xmlns:a16="http://schemas.microsoft.com/office/drawing/2014/main" id="{E7E4764F-B2A1-48F9-BF7E-61EAEBF12F28}"/>
+              </a:ext>
+            </a:extLst>
+          </p:cNvPr>
+          <p:cNvSpPr txBox="1"/>
+          <p:nvPr/>
+        </p:nvSpPr>
+        <p:spPr>
+          <a:xfrm>
+            <a:off x="2034901" y="4190204"/>
+            <a:ext cx="1951349" cy="369332"/>
+          </a:xfrm>
+          <a:prstGeom prst="rect">
+            <a:avLst/>
+          </a:prstGeom>
+          <a:noFill/>
+        </p:spPr>
+        <p:txBody>
+          <a:bodyPr wrap="square" rtlCol="0" anchor="ctr">
+            <a:spAutoFit/>
+          </a:bodyPr>
+          <a:lstStyle/>
+          <a:p>
+            <a:pPr algn="ctr"/>
+            <a:r>
+              <a:rPr lang="ko-KR" altLang="en-US" u="sng" dirty="0"/>
+              <a:t>음력</a:t>
+            </a:r>
+            <a:r>
+              <a:rPr lang="ko-KR" altLang="en-US" dirty="0"/>
+              <a:t> 날짜</a:t>
+            </a:r>
+          </a:p>
+        </p:txBody>
+      </p:sp>
+      <p:sp>
+        <p:nvSpPr>
+          <p:cNvPr id="14" name="TextBox 13">
+            <a:extLst>
+              <a:ext uri="{FF2B5EF4-FFF2-40B4-BE49-F238E27FC236}">
+                <a16:creationId xmlns:a16="http://schemas.microsoft.com/office/drawing/2014/main" id="{311EABD0-874C-43F0-8BB4-A3E0BDF4CC2B}"/>
+              </a:ext>
+            </a:extLst>
+          </p:cNvPr>
+          <p:cNvSpPr txBox="1"/>
+          <p:nvPr/>
+        </p:nvSpPr>
+        <p:spPr>
+          <a:xfrm>
+            <a:off x="8429282" y="4190204"/>
+            <a:ext cx="1951349" cy="369332"/>
+          </a:xfrm>
+          <a:prstGeom prst="rect">
+            <a:avLst/>
+          </a:prstGeom>
+          <a:noFill/>
+        </p:spPr>
+        <p:txBody>
+          <a:bodyPr wrap="square" rtlCol="0" anchor="ctr">
+            <a:spAutoFit/>
+          </a:bodyPr>
+          <a:lstStyle/>
+          <a:p>
+            <a:pPr algn="ctr"/>
+            <a:r>
+              <a:rPr lang="ko-KR" altLang="en-US" u="sng" dirty="0"/>
+              <a:t>양력</a:t>
+            </a:r>
+            <a:r>
+              <a:rPr lang="ko-KR" altLang="en-US" dirty="0"/>
+              <a:t> 날짜</a:t>
+            </a:r>
+          </a:p>
+        </p:txBody>
+      </p:sp>
+      <p:sp>
+        <p:nvSpPr>
+          <p:cNvPr id="15" name="TextBox 14">
+            <a:extLst>
+              <a:ext uri="{FF2B5EF4-FFF2-40B4-BE49-F238E27FC236}">
+                <a16:creationId xmlns:a16="http://schemas.microsoft.com/office/drawing/2014/main" id="{DFF36CCE-EFB4-4F32-9C53-D501C1B3528D}"/>
+              </a:ext>
+            </a:extLst>
+          </p:cNvPr>
+          <p:cNvSpPr txBox="1"/>
+          <p:nvPr/>
+        </p:nvSpPr>
+        <p:spPr>
+          <a:xfrm>
+            <a:off x="1352536" y="5272270"/>
+            <a:ext cx="9486928" cy="461665"/>
+          </a:xfrm>
+          <a:prstGeom prst="rect">
+            <a:avLst/>
+          </a:prstGeom>
+          <a:noFill/>
+        </p:spPr>
+        <p:txBody>
+          <a:bodyPr wrap="square" rtlCol="0" anchor="ctr">
+            <a:spAutoFit/>
+          </a:bodyPr>
+          <a:lstStyle/>
+          <a:p>
+            <a:pPr algn="ctr"/>
+            <a:r>
+              <a:rPr lang="ko-KR" altLang="en-US" sz="2400" dirty="0"/>
+              <a:t>주어진 년도</a:t>
+            </a:r>
+            <a:r>
+              <a:rPr lang="en-US" altLang="ko-KR" sz="2400" dirty="0"/>
+              <a:t>, </a:t>
+            </a:r>
+            <a:r>
+              <a:rPr lang="ko-KR" altLang="en-US" sz="2400" dirty="0"/>
+              <a:t>월</a:t>
+            </a:r>
+            <a:r>
+              <a:rPr lang="en-US" altLang="ko-KR" sz="2400" dirty="0"/>
+              <a:t>, </a:t>
+            </a:r>
+            <a:r>
+              <a:rPr lang="ko-KR" altLang="en-US" sz="2400" dirty="0"/>
+              <a:t>일 안에서 </a:t>
+            </a:r>
+            <a:r>
+              <a:rPr lang="ko-KR" altLang="en-US" sz="2400" u="sng" dirty="0"/>
+              <a:t>음력</a:t>
+            </a:r>
+            <a:r>
+              <a:rPr lang="ko-KR" altLang="en-US" sz="2400" dirty="0"/>
+              <a:t>날짜를 </a:t>
+            </a:r>
+            <a:r>
+              <a:rPr lang="ko-KR" altLang="en-US" sz="2400" u="sng" dirty="0"/>
+              <a:t>양력</a:t>
+            </a:r>
+            <a:r>
+              <a:rPr lang="ko-KR" altLang="en-US" sz="2400" dirty="0"/>
+              <a:t>날짜로 바꿀 수 있다</a:t>
+            </a:r>
+            <a:r>
+              <a:rPr lang="en-US" altLang="ko-KR" sz="2400" dirty="0"/>
+              <a:t>.</a:t>
+            </a:r>
+            <a:endParaRPr lang="ko-KR" altLang="en-US" sz="2400" dirty="0"/>
+          </a:p>
+        </p:txBody>
+      </p:sp>
+      <p:pic>
+        <p:nvPicPr>
+          <p:cNvPr id="6" name="그림 5">
+            <a:extLst>
+              <a:ext uri="{FF2B5EF4-FFF2-40B4-BE49-F238E27FC236}">
+                <a16:creationId xmlns:a16="http://schemas.microsoft.com/office/drawing/2014/main" id="{A172744F-7377-4AEB-B75C-C99406335817}"/>
+              </a:ext>
+            </a:extLst>
+          </p:cNvPr>
+          <p:cNvPicPr>
+            <a:picLocks noChangeAspect="1"/>
+          </p:cNvPicPr>
+          <p:nvPr/>
+        </p:nvPicPr>
+        <p:blipFill>
+          <a:blip r:embed="rId2">
+            <a:extLst>
+              <a:ext uri="{28A0092B-C50C-407E-A947-70E740481C1C}">
+                <a14:useLocalDpi xmlns:a14="http://schemas.microsoft.com/office/drawing/2010/main" val="0"/>
+              </a:ext>
+            </a:extLst>
+          </a:blip>
+          <a:stretch>
+            <a:fillRect/>
+          </a:stretch>
+        </p:blipFill>
+        <p:spPr>
+          <a:xfrm>
+            <a:off x="1258266" y="1949156"/>
+            <a:ext cx="3671133" cy="2311453"/>
+          </a:xfrm>
+          <a:prstGeom prst="rect">
+            <a:avLst/>
+          </a:prstGeom>
+        </p:spPr>
+      </p:pic>
+      <p:pic>
+        <p:nvPicPr>
+          <p:cNvPr id="16" name="그림 15">
+            <a:extLst>
+              <a:ext uri="{FF2B5EF4-FFF2-40B4-BE49-F238E27FC236}">
+                <a16:creationId xmlns:a16="http://schemas.microsoft.com/office/drawing/2014/main" id="{FF941D2E-E046-4ED9-A079-9E910385EB31}"/>
+              </a:ext>
+            </a:extLst>
+          </p:cNvPr>
+          <p:cNvPicPr>
+            <a:picLocks noChangeAspect="1"/>
+          </p:cNvPicPr>
+          <p:nvPr/>
+        </p:nvPicPr>
+        <p:blipFill>
+          <a:blip r:embed="rId3">
+            <a:extLst>
+              <a:ext uri="{28A0092B-C50C-407E-A947-70E740481C1C}">
+                <a14:useLocalDpi xmlns:a14="http://schemas.microsoft.com/office/drawing/2010/main" val="0"/>
+              </a:ext>
+            </a:extLst>
+          </a:blip>
+          <a:stretch>
+            <a:fillRect/>
+          </a:stretch>
+        </p:blipFill>
+        <p:spPr>
+          <a:xfrm>
+            <a:off x="7434671" y="1952412"/>
+            <a:ext cx="3940572" cy="2308198"/>
+          </a:xfrm>
+          <a:prstGeom prst="rect">
+            <a:avLst/>
+          </a:prstGeom>
+        </p:spPr>
+      </p:pic>
+    </p:spTree>
+    <p:extLst>
+      <p:ext uri="{BB962C8B-B14F-4D97-AF65-F5344CB8AC3E}">
+        <p14:creationId xmlns:p14="http://schemas.microsoft.com/office/powerpoint/2010/main" val="541726972"/>
+      </p:ext>
+    </p:extLst>
+  </p:cSld>
+  <p:clrMapOvr>
+    <a:masterClrMapping/>
+  </p:clrMapOvr>
+</p:sld>
+</file>
+
+<file path=ppt/slides/slide3.xml><?xml version="1.0" encoding="utf-8"?>
+<p:sld xmlns:a="http://schemas.openxmlformats.org/drawingml/2006/main" xmlns:r="http://schemas.openxmlformats.org/officeDocument/2006/relationships" xmlns:p="http://schemas.openxmlformats.org/presentationml/2006/main">
+  <p:cSld>
+    <p:spTree>
+      <p:nvGrpSpPr>
+        <p:cNvPr id="1" name=""/>
+        <p:cNvGrpSpPr/>
+        <p:nvPr/>
+      </p:nvGrpSpPr>
+      <p:grpSpPr>
+        <a:xfrm>
+          <a:off x="0" y="0"/>
+          <a:ext cx="0" cy="0"/>
+          <a:chOff x="0" y="0"/>
+          <a:chExt cx="0" cy="0"/>
+        </a:xfrm>
+      </p:grpSpPr>
+      <p:sp>
+        <p:nvSpPr>
+          <p:cNvPr id="2" name="제목 1">
+            <a:extLst>
+              <a:ext uri="{FF2B5EF4-FFF2-40B4-BE49-F238E27FC236}">
+                <a16:creationId xmlns:a16="http://schemas.microsoft.com/office/drawing/2014/main" id="{33DFDBA8-2FFE-45A9-98D4-B9671D5C5D40}"/>
+              </a:ext>
+            </a:extLst>
+          </p:cNvPr>
+          <p:cNvSpPr>
+            <a:spLocks noGrp="1"/>
+          </p:cNvSpPr>
+          <p:nvPr>
+            <p:ph type="title"/>
+          </p:nvPr>
+        </p:nvSpPr>
+        <p:spPr/>
+        <p:txBody>
+          <a:bodyPr/>
+          <a:lstStyle/>
+          <a:p>
+            <a:r>
+              <a:rPr lang="ko-KR" altLang="en-US" b="1" dirty="0">
+                <a:effectLst>
+                  <a:outerShdw blurRad="38100" dist="38100" dir="2700000" algn="tl">
+                    <a:srgbClr val="000000">
+                      <a:alpha val="43137"/>
+                    </a:srgbClr>
+                  </a:outerShdw>
+                </a:effectLst>
+              </a:rPr>
+              <a:t>요구사항 명세</a:t>
+            </a:r>
+          </a:p>
+        </p:txBody>
+      </p:sp>
+      <p:cxnSp>
+        <p:nvCxnSpPr>
+          <p:cNvPr id="5" name="직선 연결선 4">
+            <a:extLst>
+              <a:ext uri="{FF2B5EF4-FFF2-40B4-BE49-F238E27FC236}">
+                <a16:creationId xmlns:a16="http://schemas.microsoft.com/office/drawing/2014/main" id="{F22AA8DD-ED0F-45F1-86B0-9537AE71DA68}"/>
+              </a:ext>
+            </a:extLst>
+          </p:cNvPr>
+          <p:cNvCxnSpPr>
+            <a:cxnSpLocks/>
+          </p:cNvCxnSpPr>
+          <p:nvPr/>
+        </p:nvCxnSpPr>
+        <p:spPr>
+          <a:xfrm>
+            <a:off x="11084767" y="734457"/>
+            <a:ext cx="269033" cy="0"/>
+          </a:xfrm>
+          <a:prstGeom prst="line">
+            <a:avLst/>
+          </a:prstGeom>
+          <a:ln w="44450" cap="rnd">
+            <a:round/>
+          </a:ln>
+        </p:spPr>
+        <p:style>
+          <a:lnRef idx="1">
+            <a:schemeClr val="accent1"/>
+          </a:lnRef>
+          <a:fillRef idx="0">
+            <a:schemeClr val="accent1"/>
+          </a:fillRef>
+          <a:effectRef idx="0">
+            <a:schemeClr val="accent1"/>
+          </a:effectRef>
+          <a:fontRef idx="minor">
+            <a:schemeClr val="tx1"/>
+          </a:fontRef>
+        </p:style>
+      </p:cxnSp>
+      <p:cxnSp>
+        <p:nvCxnSpPr>
+          <p:cNvPr id="7" name="직선 연결선 6">
+            <a:extLst>
+              <a:ext uri="{FF2B5EF4-FFF2-40B4-BE49-F238E27FC236}">
+                <a16:creationId xmlns:a16="http://schemas.microsoft.com/office/drawing/2014/main" id="{F9208F28-276D-406F-A6EC-CFE994BD16F9}"/>
+              </a:ext>
+            </a:extLst>
+          </p:cNvPr>
+          <p:cNvCxnSpPr>
+            <a:cxnSpLocks/>
+          </p:cNvCxnSpPr>
+          <p:nvPr/>
+        </p:nvCxnSpPr>
+        <p:spPr>
+          <a:xfrm>
+            <a:off x="1006151" y="1375692"/>
+            <a:ext cx="234820" cy="0"/>
+          </a:xfrm>
+          <a:prstGeom prst="line">
+            <a:avLst/>
+          </a:prstGeom>
+          <a:ln w="44450" cap="rnd">
+            <a:round/>
+          </a:ln>
+        </p:spPr>
+        <p:style>
+          <a:lnRef idx="1">
+            <a:schemeClr val="accent1"/>
+          </a:lnRef>
+          <a:fillRef idx="0">
+            <a:schemeClr val="accent1"/>
+          </a:fillRef>
+          <a:effectRef idx="0">
+            <a:schemeClr val="accent1"/>
+          </a:effectRef>
+          <a:fontRef idx="minor">
+            <a:schemeClr val="tx1"/>
+          </a:fontRef>
+        </p:style>
+      </p:cxnSp>
+      <p:sp>
+        <p:nvSpPr>
+          <p:cNvPr id="9" name="TextBox 8">
+            <a:extLst>
+              <a:ext uri="{FF2B5EF4-FFF2-40B4-BE49-F238E27FC236}">
+                <a16:creationId xmlns:a16="http://schemas.microsoft.com/office/drawing/2014/main" id="{224FA63F-25E4-4A1B-8A7C-FEC4BFF243CB}"/>
+              </a:ext>
+            </a:extLst>
+          </p:cNvPr>
+          <p:cNvSpPr txBox="1"/>
+          <p:nvPr/>
+        </p:nvSpPr>
+        <p:spPr>
+          <a:xfrm>
+            <a:off x="9806473" y="365125"/>
+            <a:ext cx="1687286" cy="369332"/>
+          </a:xfrm>
+          <a:prstGeom prst="rect">
+            <a:avLst/>
+          </a:prstGeom>
+          <a:noFill/>
+        </p:spPr>
+        <p:txBody>
+          <a:bodyPr wrap="square" rtlCol="0">
+            <a:spAutoFit/>
+          </a:bodyPr>
+          <a:lstStyle/>
+          <a:p>
+            <a:pPr algn="r"/>
+            <a:r>
+              <a:rPr lang="ko-KR" altLang="en-US" b="1" dirty="0"/>
+              <a:t>요구사항 명세</a:t>
+            </a:r>
+          </a:p>
+        </p:txBody>
+      </p:sp>
+      <p:graphicFrame>
+        <p:nvGraphicFramePr>
+          <p:cNvPr id="8" name="표 7">
+            <a:extLst>
+              <a:ext uri="{FF2B5EF4-FFF2-40B4-BE49-F238E27FC236}">
+                <a16:creationId xmlns:a16="http://schemas.microsoft.com/office/drawing/2014/main" id="{A6FAEDF7-BBE2-4ACB-971B-400FF03736B4}"/>
+              </a:ext>
+            </a:extLst>
+          </p:cNvPr>
+          <p:cNvGraphicFramePr>
+            <a:graphicFrameLocks noGrp="1"/>
+          </p:cNvGraphicFramePr>
+          <p:nvPr>
+            <p:extLst>
+              <p:ext uri="{D42A27DB-BD31-4B8C-83A1-F6EECF244321}">
+                <p14:modId xmlns:p14="http://schemas.microsoft.com/office/powerpoint/2010/main" val="4007561783"/>
+              </p:ext>
+            </p:extLst>
+          </p:nvPr>
+        </p:nvGraphicFramePr>
+        <p:xfrm>
+          <a:off x="852196" y="1848309"/>
+          <a:ext cx="10487607" cy="4176405"/>
+        </p:xfrm>
+        <a:graphic>
+          <a:graphicData uri="http://schemas.openxmlformats.org/drawingml/2006/table">
+            <a:tbl>
+              <a:tblPr firstRow="1" firstCol="1" bandRow="1">
+                <a:tableStyleId>{5C22544A-7EE6-4342-B048-85BDC9FD1C3A}</a:tableStyleId>
+              </a:tblPr>
+              <a:tblGrid>
+                <a:gridCol w="1671735">
+                  <a:extLst>
+                    <a:ext uri="{9D8B030D-6E8A-4147-A177-3AD203B41FA5}">
+                      <a16:colId xmlns:a16="http://schemas.microsoft.com/office/drawing/2014/main" val="1472000666"/>
+                    </a:ext>
+                  </a:extLst>
+                </a:gridCol>
+                <a:gridCol w="4300634">
+                  <a:extLst>
+                    <a:ext uri="{9D8B030D-6E8A-4147-A177-3AD203B41FA5}">
+                      <a16:colId xmlns:a16="http://schemas.microsoft.com/office/drawing/2014/main" val="4284368180"/>
+                    </a:ext>
+                  </a:extLst>
+                </a:gridCol>
+                <a:gridCol w="4515238">
+                  <a:extLst>
+                    <a:ext uri="{9D8B030D-6E8A-4147-A177-3AD203B41FA5}">
+                      <a16:colId xmlns:a16="http://schemas.microsoft.com/office/drawing/2014/main" val="4287067943"/>
+                    </a:ext>
+                  </a:extLst>
+                </a:gridCol>
+              </a:tblGrid>
+              <a:tr h="488325">
+                <a:tc>
+                  <a:txBody>
+                    <a:bodyPr/>
+                    <a:lstStyle/>
+                    <a:p>
+                      <a:pPr latinLnBrk="1"/>
+                      <a:endParaRPr lang="ko-KR" altLang="en-US" dirty="0"/>
+                    </a:p>
+                  </a:txBody>
+                  <a:tcPr marL="72000" anchor="ctr" anchorCtr="1">
+                    <a:solidFill>
+                      <a:schemeClr val="accent1">
+                        <a:lumMod val="50000"/>
+                      </a:schemeClr>
+                    </a:solidFill>
+                  </a:tcPr>
+                </a:tc>
+                <a:tc>
+                  <a:txBody>
+                    <a:bodyPr/>
+                    <a:lstStyle/>
+                    <a:p>
+                      <a:pPr algn="ctr" latinLnBrk="1"/>
+                      <a:r>
+                        <a:rPr lang="ko-KR" altLang="en-US" dirty="0"/>
+                        <a:t>세부 사항</a:t>
+                      </a:r>
+                    </a:p>
+                  </a:txBody>
+                  <a:tcPr marL="72000" anchor="ctr">
+                    <a:solidFill>
+                      <a:schemeClr val="accent1">
+                        <a:lumMod val="50000"/>
+                      </a:schemeClr>
+                    </a:solidFill>
+                  </a:tcPr>
+                </a:tc>
+                <a:tc>
+                  <a:txBody>
+                    <a:bodyPr/>
+                    <a:lstStyle/>
+                    <a:p>
+                      <a:pPr algn="ctr" latinLnBrk="1"/>
+                      <a:r>
+                        <a:rPr lang="ko-KR" altLang="en-US" dirty="0"/>
+                        <a:t>액션</a:t>
+                      </a:r>
+                    </a:p>
+                  </a:txBody>
+                  <a:tcPr marL="72000" anchor="ctr">
+                    <a:solidFill>
+                      <a:schemeClr val="accent1">
+                        <a:lumMod val="50000"/>
+                      </a:schemeClr>
+                    </a:solidFill>
+                  </a:tcPr>
+                </a:tc>
+                <a:extLst>
+                  <a:ext uri="{0D108BD9-81ED-4DB2-BD59-A6C34878D82A}">
+                    <a16:rowId xmlns:a16="http://schemas.microsoft.com/office/drawing/2014/main" val="3828578026"/>
+                  </a:ext>
+                </a:extLst>
+              </a:tr>
+              <a:tr h="1051559">
+                <a:tc rowSpan="3">
+                  <a:txBody>
+                    <a:bodyPr/>
+                    <a:lstStyle/>
+                    <a:p>
+                      <a:pPr latinLnBrk="1"/>
+                      <a:r>
+                        <a:rPr lang="ko-KR" altLang="en-US" sz="1600" dirty="0"/>
+                        <a:t>기능적 요구사항</a:t>
+                      </a:r>
+                    </a:p>
+                  </a:txBody>
+                  <a:tcPr marL="72000" anchor="ctr" anchorCtr="1">
+                    <a:solidFill>
+                      <a:schemeClr val="accent1">
+                        <a:lumMod val="50000"/>
+                      </a:schemeClr>
+                    </a:solidFill>
+                  </a:tcPr>
+                </a:tc>
+                <a:tc>
+                  <a:txBody>
+                    <a:bodyPr/>
+                    <a:lstStyle/>
+                    <a:p>
+                      <a:pPr algn="l" latinLnBrk="1"/>
+                      <a:r>
+                        <a:rPr lang="ko-KR" altLang="en-US" b="1" dirty="0"/>
+                        <a:t>캘린더</a:t>
+                      </a:r>
+                    </a:p>
+                  </a:txBody>
+                  <a:tcPr marL="72000" anchor="ctr"/>
+                </a:tc>
+                <a:tc>
+                  <a:txBody>
+                    <a:bodyPr/>
+                    <a:lstStyle/>
+                    <a:p>
+                      <a:pPr algn="l" latinLnBrk="1"/>
+                      <a:r>
+                        <a:rPr lang="ko-KR" altLang="en-US" sz="1400" dirty="0"/>
+                        <a:t>연도와 월에 맞는 캘린더가 출력된다</a:t>
+                      </a:r>
+                      <a:r>
+                        <a:rPr lang="en-US" altLang="ko-KR" sz="1400" dirty="0"/>
+                        <a:t>. </a:t>
+                      </a:r>
+                    </a:p>
+                    <a:p>
+                      <a:pPr marL="400050" indent="-400050" algn="l" latinLnBrk="1">
+                        <a:buAutoNum type="romanLcPeriod"/>
+                      </a:pPr>
+                      <a:r>
+                        <a:rPr lang="ko-KR" altLang="en-US" sz="1400" dirty="0"/>
+                        <a:t>버튼을 클릭하여 다음 혹은 이전 월로 이동할 수 있어야 한다</a:t>
+                      </a:r>
+                      <a:r>
+                        <a:rPr lang="en-US" altLang="ko-KR" sz="1400" dirty="0"/>
+                        <a:t>.</a:t>
+                      </a:r>
+                    </a:p>
+                    <a:p>
+                      <a:pPr marL="400050" indent="-400050" algn="l" latinLnBrk="1">
+                        <a:buAutoNum type="romanLcPeriod"/>
+                      </a:pPr>
+                      <a:r>
+                        <a:rPr lang="en-US" altLang="ko-KR" sz="1400" dirty="0" err="1"/>
+                        <a:t>comboBox</a:t>
+                      </a:r>
+                      <a:r>
+                        <a:rPr lang="en-US" altLang="ko-KR" sz="1400" dirty="0"/>
+                        <a:t> </a:t>
+                      </a:r>
+                      <a:r>
+                        <a:rPr lang="ko-KR" altLang="en-US" sz="1400" dirty="0"/>
+                        <a:t>를 사용하여 특정 연도의 특정 월로 이동할 수 있어야 한다</a:t>
+                      </a:r>
+                      <a:r>
+                        <a:rPr lang="en-US" altLang="ko-KR" sz="1400" dirty="0"/>
+                        <a:t>.</a:t>
+                      </a:r>
+                    </a:p>
+                    <a:p>
+                      <a:pPr marL="400050" indent="-400050" algn="l" latinLnBrk="1">
+                        <a:buAutoNum type="romanLcPeriod"/>
+                      </a:pPr>
+                      <a:r>
+                        <a:rPr lang="ko-KR" altLang="en-US" sz="1400" dirty="0"/>
+                        <a:t>휴일과 일요일은 빨간색으로 표기한다</a:t>
+                      </a:r>
+                      <a:r>
+                        <a:rPr lang="en-US" altLang="ko-KR" sz="1400" dirty="0"/>
+                        <a:t>.</a:t>
+                      </a:r>
+                      <a:endParaRPr lang="ko-KR" altLang="en-US" sz="1400" dirty="0"/>
+                    </a:p>
+                  </a:txBody>
+                  <a:tcPr marL="72000" anchor="ctr"/>
+                </a:tc>
+                <a:extLst>
+                  <a:ext uri="{0D108BD9-81ED-4DB2-BD59-A6C34878D82A}">
+                    <a16:rowId xmlns:a16="http://schemas.microsoft.com/office/drawing/2014/main" val="3272470095"/>
+                  </a:ext>
+                </a:extLst>
+              </a:tr>
+              <a:tr h="1051559">
+                <a:tc vMerge="1">
+                  <a:txBody>
+                    <a:bodyPr/>
+                    <a:lstStyle/>
+                    <a:p>
+                      <a:pPr latinLnBrk="1"/>
+                      <a:endParaRPr lang="ko-KR" altLang="en-US" dirty="0"/>
+                    </a:p>
+                  </a:txBody>
+                  <a:tcPr marL="72000" anchor="ctr" anchorCtr="1">
+                    <a:solidFill>
+                      <a:schemeClr val="accent1">
+                        <a:lumMod val="50000"/>
+                      </a:schemeClr>
+                    </a:solidFill>
+                  </a:tcPr>
+                </a:tc>
+                <a:tc>
+                  <a:txBody>
+                    <a:bodyPr/>
+                    <a:lstStyle/>
+                    <a:p>
+                      <a:pPr algn="l" latinLnBrk="1"/>
+                      <a:r>
+                        <a:rPr lang="ko-KR" altLang="en-US" b="1" dirty="0"/>
+                        <a:t>음력 </a:t>
+                      </a:r>
+                      <a:r>
+                        <a:rPr lang="en-US" altLang="ko-KR" b="1" dirty="0"/>
+                        <a:t>/ </a:t>
+                      </a:r>
+                      <a:r>
+                        <a:rPr lang="ko-KR" altLang="en-US" b="1" dirty="0"/>
+                        <a:t>양력 변환</a:t>
+                      </a:r>
+                    </a:p>
+                  </a:txBody>
+                  <a:tcPr marL="72000" anchor="ctr"/>
+                </a:tc>
+                <a:tc>
+                  <a:txBody>
+                    <a:bodyPr/>
+                    <a:lstStyle/>
+                    <a:p>
+                      <a:pPr algn="l" latinLnBrk="1"/>
+                      <a:r>
+                        <a:rPr lang="ko-KR" altLang="en-US" sz="1400" b="0" dirty="0"/>
+                        <a:t>음력을 양력으로</a:t>
+                      </a:r>
+                      <a:r>
+                        <a:rPr lang="en-US" altLang="ko-KR" sz="1400" b="0" dirty="0"/>
+                        <a:t>, </a:t>
+                      </a:r>
+                      <a:r>
+                        <a:rPr lang="ko-KR" altLang="en-US" sz="1400" b="0" dirty="0"/>
+                        <a:t>양력을 음력으로 변환한다</a:t>
+                      </a:r>
+                      <a:r>
+                        <a:rPr lang="en-US" altLang="ko-KR" sz="1400" b="0" dirty="0"/>
+                        <a:t>.</a:t>
+                      </a:r>
+                    </a:p>
+                    <a:p>
+                      <a:pPr marL="400050" indent="-400050" algn="l" latinLnBrk="1">
+                        <a:buAutoNum type="romanLcPeriod"/>
+                      </a:pPr>
+                      <a:r>
+                        <a:rPr lang="en-US" altLang="ko-KR" sz="1400" b="0" dirty="0"/>
+                        <a:t>Spinner </a:t>
+                      </a:r>
+                      <a:r>
+                        <a:rPr lang="ko-KR" altLang="en-US" sz="1400" b="0" dirty="0"/>
+                        <a:t>을 이용하여 특정 연도</a:t>
+                      </a:r>
+                      <a:r>
+                        <a:rPr lang="en-US" altLang="ko-KR" sz="1400" b="0" dirty="0"/>
+                        <a:t>, </a:t>
+                      </a:r>
+                      <a:r>
+                        <a:rPr lang="ko-KR" altLang="en-US" sz="1400" b="0" dirty="0"/>
+                        <a:t>월</a:t>
+                      </a:r>
+                      <a:r>
+                        <a:rPr lang="en-US" altLang="ko-KR" sz="1400" b="0" dirty="0"/>
+                        <a:t>, </a:t>
+                      </a:r>
+                      <a:r>
+                        <a:rPr lang="ko-KR" altLang="en-US" sz="1400" b="0" dirty="0"/>
+                        <a:t>일 로 이동한다</a:t>
+                      </a:r>
+                      <a:r>
+                        <a:rPr lang="en-US" altLang="ko-KR" sz="1400" b="0" dirty="0"/>
+                        <a:t>.</a:t>
+                      </a:r>
+                    </a:p>
+                    <a:p>
+                      <a:pPr marL="400050" indent="-400050" algn="l" latinLnBrk="1">
+                        <a:buAutoNum type="romanLcPeriod"/>
+                      </a:pPr>
+                      <a:r>
+                        <a:rPr lang="ko-KR" altLang="en-US" sz="1400" b="0" dirty="0"/>
+                        <a:t>리셋 버튼을 누르면 오늘 날짜가 표시되고</a:t>
+                      </a:r>
+                      <a:r>
+                        <a:rPr lang="en-US" altLang="ko-KR" sz="1400" b="0" dirty="0"/>
+                        <a:t>, </a:t>
+                      </a:r>
+                      <a:r>
+                        <a:rPr lang="ko-KR" altLang="en-US" sz="1400" b="0" dirty="0"/>
+                        <a:t>이에 따른 음력 날짜를 출력한다</a:t>
+                      </a:r>
+                      <a:r>
+                        <a:rPr lang="en-US" altLang="ko-KR" sz="1400" b="0" dirty="0"/>
+                        <a:t>.</a:t>
+                      </a:r>
+                      <a:endParaRPr lang="ko-KR" altLang="en-US" sz="1400" b="0" dirty="0"/>
+                    </a:p>
+                  </a:txBody>
+                  <a:tcPr marL="72000" anchor="ctr"/>
+                </a:tc>
+                <a:extLst>
+                  <a:ext uri="{0D108BD9-81ED-4DB2-BD59-A6C34878D82A}">
+                    <a16:rowId xmlns:a16="http://schemas.microsoft.com/office/drawing/2014/main" val="510944559"/>
+                  </a:ext>
+                </a:extLst>
+              </a:tr>
+              <a:tr h="1051559">
+                <a:tc vMerge="1">
+                  <a:txBody>
+                    <a:bodyPr/>
+                    <a:lstStyle/>
+                    <a:p>
+                      <a:pPr latinLnBrk="1"/>
+                      <a:endParaRPr lang="ko-KR" altLang="en-US" dirty="0"/>
+                    </a:p>
+                  </a:txBody>
+                  <a:tcPr marL="72000" anchor="ctr" anchorCtr="1">
+                    <a:solidFill>
+                      <a:schemeClr val="accent1">
+                        <a:lumMod val="50000"/>
+                      </a:schemeClr>
+                    </a:solidFill>
+                  </a:tcPr>
+                </a:tc>
+                <a:tc>
+                  <a:txBody>
+                    <a:bodyPr/>
+                    <a:lstStyle/>
+                    <a:p>
+                      <a:pPr algn="l" latinLnBrk="1"/>
+                      <a:r>
+                        <a:rPr lang="ko-KR" altLang="en-US" b="1" dirty="0"/>
+                        <a:t>스케줄러</a:t>
+                      </a:r>
+                    </a:p>
+                  </a:txBody>
+                  <a:tcPr marL="72000" anchor="ctr"/>
+                </a:tc>
+                <a:tc>
+                  <a:txBody>
+                    <a:bodyPr/>
+                    <a:lstStyle/>
+                    <a:p>
+                      <a:pPr algn="l" latinLnBrk="1"/>
+                      <a:r>
+                        <a:rPr lang="ko-KR" altLang="en-US" sz="1400" dirty="0"/>
+                        <a:t>캘린더에 일정을 추가한다</a:t>
+                      </a:r>
+                      <a:r>
+                        <a:rPr lang="en-US" altLang="ko-KR" sz="1400" dirty="0"/>
+                        <a:t>.</a:t>
+                      </a:r>
+                    </a:p>
+                    <a:p>
+                      <a:pPr marL="400050" indent="-400050" algn="l" latinLnBrk="1">
+                        <a:buAutoNum type="romanLcPeriod"/>
+                      </a:pPr>
+                      <a:r>
+                        <a:rPr lang="ko-KR" altLang="en-US" sz="1400" dirty="0"/>
+                        <a:t>일정엔 제목</a:t>
+                      </a:r>
+                      <a:r>
+                        <a:rPr lang="en-US" altLang="ko-KR" sz="1400" dirty="0"/>
+                        <a:t>, </a:t>
+                      </a:r>
+                      <a:r>
+                        <a:rPr lang="ko-KR" altLang="en-US" sz="1400" dirty="0"/>
+                        <a:t>장소</a:t>
+                      </a:r>
+                      <a:r>
+                        <a:rPr lang="en-US" altLang="ko-KR" sz="1400" dirty="0"/>
+                        <a:t>, </a:t>
+                      </a:r>
+                      <a:r>
+                        <a:rPr lang="ko-KR" altLang="en-US" sz="1400" dirty="0"/>
+                        <a:t>시간</a:t>
+                      </a:r>
+                      <a:r>
+                        <a:rPr lang="en-US" altLang="ko-KR" sz="1400" dirty="0"/>
+                        <a:t>, </a:t>
+                      </a:r>
+                      <a:r>
+                        <a:rPr lang="ko-KR" altLang="en-US" sz="1400" dirty="0"/>
+                        <a:t>내용이 포함된다</a:t>
+                      </a:r>
+                      <a:r>
+                        <a:rPr lang="en-US" altLang="ko-KR" sz="1400" dirty="0"/>
+                        <a:t>.</a:t>
+                      </a:r>
+                    </a:p>
+                    <a:p>
+                      <a:pPr marL="400050" indent="-400050" algn="l" latinLnBrk="1">
+                        <a:buAutoNum type="romanLcPeriod"/>
+                      </a:pPr>
+                      <a:r>
+                        <a:rPr lang="ko-KR" altLang="en-US" sz="1400" dirty="0"/>
+                        <a:t>일정이 있는 날은 캘린더에 다른 색으로 표시된다</a:t>
+                      </a:r>
+                      <a:r>
+                        <a:rPr lang="en-US" altLang="ko-KR" sz="1400" dirty="0"/>
+                        <a:t>.</a:t>
+                      </a:r>
+                    </a:p>
+                    <a:p>
+                      <a:pPr marL="400050" indent="-400050" algn="l" latinLnBrk="1">
+                        <a:buAutoNum type="romanLcPeriod"/>
+                      </a:pPr>
+                      <a:r>
+                        <a:rPr lang="ko-KR" altLang="en-US" sz="1400" dirty="0"/>
+                        <a:t>프로그램을 종료하여도 데이터가 사라지지 않아야 한다</a:t>
+                      </a:r>
+                      <a:r>
+                        <a:rPr lang="en-US" altLang="ko-KR" sz="1400" dirty="0"/>
+                        <a:t>.</a:t>
+                      </a:r>
+                      <a:endParaRPr lang="ko-KR" altLang="en-US" sz="1400" dirty="0"/>
+                    </a:p>
+                  </a:txBody>
+                  <a:tcPr marL="72000" anchor="ctr"/>
+                </a:tc>
+                <a:extLst>
+                  <a:ext uri="{0D108BD9-81ED-4DB2-BD59-A6C34878D82A}">
+                    <a16:rowId xmlns:a16="http://schemas.microsoft.com/office/drawing/2014/main" val="155404318"/>
+                  </a:ext>
+                </a:extLst>
+              </a:tr>
+            </a:tbl>
+          </a:graphicData>
+        </a:graphic>
+      </p:graphicFrame>
+    </p:spTree>
+    <p:extLst>
+      <p:ext uri="{BB962C8B-B14F-4D97-AF65-F5344CB8AC3E}">
+        <p14:creationId xmlns:p14="http://schemas.microsoft.com/office/powerpoint/2010/main" val="2629551876"/>
+      </p:ext>
+    </p:extLst>
+  </p:cSld>
+  <p:clrMapOvr>
+    <a:masterClrMapping/>
+  </p:clrMapOvr>
+</p:sld>
+</file>
+
+<file path=ppt/slides/slide4.xml><?xml version="1.0" encoding="utf-8"?>
+<p:sld xmlns:a="http://schemas.openxmlformats.org/drawingml/2006/main" xmlns:r="http://schemas.openxmlformats.org/officeDocument/2006/relationships" xmlns:p="http://schemas.openxmlformats.org/presentationml/2006/main">
+  <p:cSld>
+    <p:spTree>
+      <p:nvGrpSpPr>
+        <p:cNvPr id="1" name=""/>
+        <p:cNvGrpSpPr/>
+        <p:nvPr/>
+      </p:nvGrpSpPr>
+      <p:grpSpPr>
+        <a:xfrm>
+          <a:off x="0" y="0"/>
+          <a:ext cx="0" cy="0"/>
+          <a:chOff x="0" y="0"/>
+          <a:chExt cx="0" cy="0"/>
+        </a:xfrm>
+      </p:grpSpPr>
+      <p:sp>
+        <p:nvSpPr>
+          <p:cNvPr id="2" name="제목 1">
+            <a:extLst>
+              <a:ext uri="{FF2B5EF4-FFF2-40B4-BE49-F238E27FC236}">
+                <a16:creationId xmlns:a16="http://schemas.microsoft.com/office/drawing/2014/main" id="{33DFDBA8-2FFE-45A9-98D4-B9671D5C5D40}"/>
+              </a:ext>
+            </a:extLst>
+          </p:cNvPr>
+          <p:cNvSpPr>
+            <a:spLocks noGrp="1"/>
+          </p:cNvSpPr>
+          <p:nvPr>
+            <p:ph type="title"/>
+          </p:nvPr>
+        </p:nvSpPr>
+        <p:spPr/>
+        <p:txBody>
+          <a:bodyPr/>
+          <a:lstStyle/>
+          <a:p>
+            <a:r>
+              <a:rPr lang="ko-KR" altLang="en-US" b="1" dirty="0">
+                <a:effectLst>
+                  <a:outerShdw blurRad="38100" dist="38100" dir="2700000" algn="tl">
+                    <a:srgbClr val="000000">
+                      <a:alpha val="43137"/>
+                    </a:srgbClr>
+                  </a:outerShdw>
+                </a:effectLst>
+              </a:rPr>
               <a:t>요구사항 명세</a:t>
             </a:r>
           </a:p>
@@ -15390,7 +18495,7 @@
 </p:sld>
 </file>
 
-<file path=ppt/slides/slide3.xml><?xml version="1.0" encoding="utf-8"?>
+<file path=ppt/slides/slide5.xml><?xml version="1.0" encoding="utf-8"?>
 <p:sld xmlns:a="http://schemas.openxmlformats.org/drawingml/2006/main" xmlns:r="http://schemas.openxmlformats.org/officeDocument/2006/relationships" xmlns:p="http://schemas.openxmlformats.org/presentationml/2006/main">
   <p:cSld>
     <p:spTree>
@@ -18397,7 +21502,7 @@
 </p:sld>
 </file>
 
-<file path=ppt/slides/slide4.xml><?xml version="1.0" encoding="utf-8"?>
+<file path=ppt/slides/slide6.xml><?xml version="1.0" encoding="utf-8"?>
 <p:sld xmlns:a="http://schemas.openxmlformats.org/drawingml/2006/main" xmlns:r="http://schemas.openxmlformats.org/officeDocument/2006/relationships" xmlns:p="http://schemas.openxmlformats.org/presentationml/2006/main">
   <p:cSld>
     <p:spTree>
@@ -21296,7 +24401,7 @@
 </p:sld>
 </file>
 
-<file path=ppt/slides/slide5.xml><?xml version="1.0" encoding="utf-8"?>
+<file path=ppt/slides/slide7.xml><?xml version="1.0" encoding="utf-8"?>
 <p:sld xmlns:a="http://schemas.openxmlformats.org/drawingml/2006/main" xmlns:r="http://schemas.openxmlformats.org/officeDocument/2006/relationships" xmlns:p="http://schemas.openxmlformats.org/presentationml/2006/main">
   <p:cSld>
     <p:spTree>
@@ -22979,7 +26084,7 @@
 </p:sld>
 </file>
 
-<file path=ppt/slides/slide6.xml><?xml version="1.0" encoding="utf-8"?>
+<file path=ppt/slides/slide8.xml><?xml version="1.0" encoding="utf-8"?>
 <p:sld xmlns:a="http://schemas.openxmlformats.org/drawingml/2006/main" xmlns:r="http://schemas.openxmlformats.org/officeDocument/2006/relationships" xmlns:p="http://schemas.openxmlformats.org/presentationml/2006/main">
   <p:cSld>
     <p:spTree>
@@ -24704,7 +27809,7 @@
 </p:sld>
 </file>
 
-<file path=ppt/slides/slide7.xml><?xml version="1.0" encoding="utf-8"?>
+<file path=ppt/slides/slide9.xml><?xml version="1.0" encoding="utf-8"?>
 <p:sld xmlns:a="http://schemas.openxmlformats.org/drawingml/2006/main" xmlns:r="http://schemas.openxmlformats.org/officeDocument/2006/relationships" xmlns:p="http://schemas.openxmlformats.org/presentationml/2006/main">
   <p:cSld>
     <p:spTree>
@@ -25695,1345 +28800,6 @@
     <p:extLst>
       <p:ext uri="{BB962C8B-B14F-4D97-AF65-F5344CB8AC3E}">
         <p14:creationId xmlns:p14="http://schemas.microsoft.com/office/powerpoint/2010/main" val="3282621007"/>
-      </p:ext>
-    </p:extLst>
-  </p:cSld>
-  <p:clrMapOvr>
-    <a:masterClrMapping/>
-  </p:clrMapOvr>
-</p:sld>
-</file>
-
-<file path=ppt/slides/slide8.xml><?xml version="1.0" encoding="utf-8"?>
-<p:sld xmlns:a="http://schemas.openxmlformats.org/drawingml/2006/main" xmlns:r="http://schemas.openxmlformats.org/officeDocument/2006/relationships" xmlns:p="http://schemas.openxmlformats.org/presentationml/2006/main">
-  <p:cSld>
-    <p:spTree>
-      <p:nvGrpSpPr>
-        <p:cNvPr id="1" name=""/>
-        <p:cNvGrpSpPr/>
-        <p:nvPr/>
-      </p:nvGrpSpPr>
-      <p:grpSpPr>
-        <a:xfrm>
-          <a:off x="0" y="0"/>
-          <a:ext cx="0" cy="0"/>
-          <a:chOff x="0" y="0"/>
-          <a:chExt cx="0" cy="0"/>
-        </a:xfrm>
-      </p:grpSpPr>
-      <p:sp>
-        <p:nvSpPr>
-          <p:cNvPr id="2" name="제목 1">
-            <a:extLst>
-              <a:ext uri="{FF2B5EF4-FFF2-40B4-BE49-F238E27FC236}">
-                <a16:creationId xmlns:a16="http://schemas.microsoft.com/office/drawing/2014/main" id="{33DFDBA8-2FFE-45A9-98D4-B9671D5C5D40}"/>
-              </a:ext>
-            </a:extLst>
-          </p:cNvPr>
-          <p:cNvSpPr>
-            <a:spLocks noGrp="1"/>
-          </p:cNvSpPr>
-          <p:nvPr>
-            <p:ph type="title"/>
-          </p:nvPr>
-        </p:nvSpPr>
-        <p:spPr/>
-        <p:txBody>
-          <a:bodyPr/>
-          <a:lstStyle/>
-          <a:p>
-            <a:r>
-              <a:rPr lang="ko-KR" altLang="en-US" b="1" dirty="0">
-                <a:effectLst>
-                  <a:outerShdw blurRad="38100" dist="38100" dir="2700000" algn="tl">
-                    <a:srgbClr val="000000">
-                      <a:alpha val="43137"/>
-                    </a:srgbClr>
-                  </a:outerShdw>
-                </a:effectLst>
-              </a:rPr>
-              <a:t>소프트웨어 구조</a:t>
-            </a:r>
-            <a:r>
-              <a:rPr lang="en-US" altLang="ko-KR" b="1" dirty="0">
-                <a:effectLst>
-                  <a:outerShdw blurRad="38100" dist="38100" dir="2700000" algn="tl">
-                    <a:srgbClr val="000000">
-                      <a:alpha val="43137"/>
-                    </a:srgbClr>
-                  </a:outerShdw>
-                </a:effectLst>
-              </a:rPr>
-              <a:t> </a:t>
-            </a:r>
-            <a:r>
-              <a:rPr lang="ko-KR" altLang="en-US" b="1" dirty="0">
-                <a:effectLst>
-                  <a:outerShdw blurRad="38100" dist="38100" dir="2700000" algn="tl">
-                    <a:srgbClr val="000000">
-                      <a:alpha val="43137"/>
-                    </a:srgbClr>
-                  </a:outerShdw>
-                </a:effectLst>
-              </a:rPr>
-              <a:t>설계</a:t>
-            </a:r>
-            <a:r>
-              <a:rPr lang="en-US" altLang="ko-KR" sz="2400" b="1" dirty="0">
-                <a:effectLst>
-                  <a:outerShdw blurRad="38100" dist="38100" dir="2700000" algn="tl">
-                    <a:srgbClr val="000000">
-                      <a:alpha val="43137"/>
-                    </a:srgbClr>
-                  </a:outerShdw>
-                </a:effectLst>
-              </a:rPr>
-              <a:t>(</a:t>
-            </a:r>
-            <a:r>
-              <a:rPr lang="ko-KR" altLang="en-US" sz="2400" b="1" dirty="0">
-                <a:effectLst>
-                  <a:outerShdw blurRad="38100" dist="38100" dir="2700000" algn="tl">
-                    <a:srgbClr val="000000">
-                      <a:alpha val="43137"/>
-                    </a:srgbClr>
-                  </a:outerShdw>
-                </a:effectLst>
-              </a:rPr>
-              <a:t>전체 구조</a:t>
-            </a:r>
-            <a:r>
-              <a:rPr lang="en-US" altLang="ko-KR" sz="2400" b="1" dirty="0">
-                <a:effectLst>
-                  <a:outerShdw blurRad="38100" dist="38100" dir="2700000" algn="tl">
-                    <a:srgbClr val="000000">
-                      <a:alpha val="43137"/>
-                    </a:srgbClr>
-                  </a:outerShdw>
-                </a:effectLst>
-              </a:rPr>
-              <a:t>)</a:t>
-            </a:r>
-            <a:endParaRPr lang="ko-KR" altLang="en-US" b="1" dirty="0">
-              <a:effectLst>
-                <a:outerShdw blurRad="38100" dist="38100" dir="2700000" algn="tl">
-                  <a:srgbClr val="000000">
-                    <a:alpha val="43137"/>
-                  </a:srgbClr>
-                </a:outerShdw>
-              </a:effectLst>
-            </a:endParaRPr>
-          </a:p>
-        </p:txBody>
-      </p:sp>
-      <p:cxnSp>
-        <p:nvCxnSpPr>
-          <p:cNvPr id="5" name="직선 연결선 4">
-            <a:extLst>
-              <a:ext uri="{FF2B5EF4-FFF2-40B4-BE49-F238E27FC236}">
-                <a16:creationId xmlns:a16="http://schemas.microsoft.com/office/drawing/2014/main" id="{F22AA8DD-ED0F-45F1-86B0-9537AE71DA68}"/>
-              </a:ext>
-            </a:extLst>
-          </p:cNvPr>
-          <p:cNvCxnSpPr>
-            <a:cxnSpLocks/>
-          </p:cNvCxnSpPr>
-          <p:nvPr/>
-        </p:nvCxnSpPr>
-        <p:spPr>
-          <a:xfrm>
-            <a:off x="11084767" y="734457"/>
-            <a:ext cx="269033" cy="0"/>
-          </a:xfrm>
-          <a:prstGeom prst="line">
-            <a:avLst/>
-          </a:prstGeom>
-          <a:ln w="44450" cap="rnd">
-            <a:round/>
-          </a:ln>
-        </p:spPr>
-        <p:style>
-          <a:lnRef idx="1">
-            <a:schemeClr val="accent1"/>
-          </a:lnRef>
-          <a:fillRef idx="0">
-            <a:schemeClr val="accent1"/>
-          </a:fillRef>
-          <a:effectRef idx="0">
-            <a:schemeClr val="accent1"/>
-          </a:effectRef>
-          <a:fontRef idx="minor">
-            <a:schemeClr val="tx1"/>
-          </a:fontRef>
-        </p:style>
-      </p:cxnSp>
-      <p:cxnSp>
-        <p:nvCxnSpPr>
-          <p:cNvPr id="7" name="직선 연결선 6">
-            <a:extLst>
-              <a:ext uri="{FF2B5EF4-FFF2-40B4-BE49-F238E27FC236}">
-                <a16:creationId xmlns:a16="http://schemas.microsoft.com/office/drawing/2014/main" id="{F9208F28-276D-406F-A6EC-CFE994BD16F9}"/>
-              </a:ext>
-            </a:extLst>
-          </p:cNvPr>
-          <p:cNvCxnSpPr>
-            <a:cxnSpLocks/>
-          </p:cNvCxnSpPr>
-          <p:nvPr/>
-        </p:nvCxnSpPr>
-        <p:spPr>
-          <a:xfrm>
-            <a:off x="1006151" y="1375692"/>
-            <a:ext cx="234820" cy="0"/>
-          </a:xfrm>
-          <a:prstGeom prst="line">
-            <a:avLst/>
-          </a:prstGeom>
-          <a:ln w="44450" cap="rnd">
-            <a:round/>
-          </a:ln>
-        </p:spPr>
-        <p:style>
-          <a:lnRef idx="1">
-            <a:schemeClr val="accent1"/>
-          </a:lnRef>
-          <a:fillRef idx="0">
-            <a:schemeClr val="accent1"/>
-          </a:fillRef>
-          <a:effectRef idx="0">
-            <a:schemeClr val="accent1"/>
-          </a:effectRef>
-          <a:fontRef idx="minor">
-            <a:schemeClr val="tx1"/>
-          </a:fontRef>
-        </p:style>
-      </p:cxnSp>
-      <p:sp>
-        <p:nvSpPr>
-          <p:cNvPr id="9" name="TextBox 8">
-            <a:extLst>
-              <a:ext uri="{FF2B5EF4-FFF2-40B4-BE49-F238E27FC236}">
-                <a16:creationId xmlns:a16="http://schemas.microsoft.com/office/drawing/2014/main" id="{224FA63F-25E4-4A1B-8A7C-FEC4BFF243CB}"/>
-              </a:ext>
-            </a:extLst>
-          </p:cNvPr>
-          <p:cNvSpPr txBox="1"/>
-          <p:nvPr/>
-        </p:nvSpPr>
-        <p:spPr>
-          <a:xfrm>
-            <a:off x="9806473" y="365125"/>
-            <a:ext cx="1687286" cy="338554"/>
-          </a:xfrm>
-          <a:prstGeom prst="rect">
-            <a:avLst/>
-          </a:prstGeom>
-          <a:noFill/>
-        </p:spPr>
-        <p:txBody>
-          <a:bodyPr wrap="square" rtlCol="0">
-            <a:spAutoFit/>
-          </a:bodyPr>
-          <a:lstStyle/>
-          <a:p>
-            <a:pPr algn="r"/>
-            <a:r>
-              <a:rPr lang="ko-KR" altLang="en-US" sz="1600" b="1" dirty="0"/>
-              <a:t>소프트웨어 설계</a:t>
-            </a:r>
-          </a:p>
-        </p:txBody>
-      </p:sp>
-      <p:sp>
-        <p:nvSpPr>
-          <p:cNvPr id="4" name="사각형: 둥근 모서리 3">
-            <a:extLst>
-              <a:ext uri="{FF2B5EF4-FFF2-40B4-BE49-F238E27FC236}">
-                <a16:creationId xmlns:a16="http://schemas.microsoft.com/office/drawing/2014/main" id="{5F86D1E7-8232-4D1D-9C0B-7BD231765F3B}"/>
-              </a:ext>
-            </a:extLst>
-          </p:cNvPr>
-          <p:cNvSpPr/>
-          <p:nvPr/>
-        </p:nvSpPr>
-        <p:spPr>
-          <a:xfrm>
-            <a:off x="1640633" y="2696547"/>
-            <a:ext cx="1819470" cy="2313991"/>
-          </a:xfrm>
-          <a:prstGeom prst="roundRect">
-            <a:avLst/>
-          </a:prstGeom>
-          <a:noFill/>
-          <a:ln w="69850"/>
-        </p:spPr>
-        <p:style>
-          <a:lnRef idx="2">
-            <a:schemeClr val="accent1">
-              <a:shade val="50000"/>
-            </a:schemeClr>
-          </a:lnRef>
-          <a:fillRef idx="1">
-            <a:schemeClr val="accent1"/>
-          </a:fillRef>
-          <a:effectRef idx="0">
-            <a:schemeClr val="accent1"/>
-          </a:effectRef>
-          <a:fontRef idx="minor">
-            <a:schemeClr val="lt1"/>
-          </a:fontRef>
-        </p:style>
-        <p:txBody>
-          <a:bodyPr rtlCol="0" anchor="ctr"/>
-          <a:lstStyle/>
-          <a:p>
-            <a:pPr algn="ctr"/>
-            <a:r>
-              <a:rPr lang="en-US" altLang="ko-KR" b="1" dirty="0">
-                <a:solidFill>
-                  <a:schemeClr val="tx1"/>
-                </a:solidFill>
-              </a:rPr>
-              <a:t>SWP_</a:t>
-            </a:r>
-          </a:p>
-          <a:p>
-            <a:pPr algn="ctr"/>
-            <a:r>
-              <a:rPr lang="en-US" altLang="ko-KR" b="1" dirty="0">
-                <a:solidFill>
-                  <a:schemeClr val="tx1"/>
-                </a:solidFill>
-              </a:rPr>
-              <a:t>Calendar.py</a:t>
-            </a:r>
-            <a:endParaRPr lang="ko-KR" altLang="en-US" b="1" dirty="0">
-              <a:solidFill>
-                <a:schemeClr val="tx1"/>
-              </a:solidFill>
-            </a:endParaRPr>
-          </a:p>
-        </p:txBody>
-      </p:sp>
-      <p:sp>
-        <p:nvSpPr>
-          <p:cNvPr id="19" name="TextBox 18">
-            <a:extLst>
-              <a:ext uri="{FF2B5EF4-FFF2-40B4-BE49-F238E27FC236}">
-                <a16:creationId xmlns:a16="http://schemas.microsoft.com/office/drawing/2014/main" id="{4F84AF88-595C-441E-89EE-B725DE89DECC}"/>
-              </a:ext>
-            </a:extLst>
-          </p:cNvPr>
-          <p:cNvSpPr txBox="1"/>
-          <p:nvPr/>
-        </p:nvSpPr>
-        <p:spPr>
-          <a:xfrm>
-            <a:off x="1720720" y="2327212"/>
-            <a:ext cx="1659295" cy="369332"/>
-          </a:xfrm>
-          <a:prstGeom prst="rect">
-            <a:avLst/>
-          </a:prstGeom>
-          <a:noFill/>
-        </p:spPr>
-        <p:txBody>
-          <a:bodyPr wrap="square" rtlCol="0">
-            <a:spAutoFit/>
-          </a:bodyPr>
-          <a:lstStyle/>
-          <a:p>
-            <a:pPr algn="ctr"/>
-            <a:r>
-              <a:rPr lang="en-US" altLang="ko-KR" b="1" dirty="0"/>
-              <a:t>Main</a:t>
-            </a:r>
-            <a:endParaRPr lang="ko-KR" altLang="en-US" b="1" dirty="0"/>
-          </a:p>
-        </p:txBody>
-      </p:sp>
-      <p:sp>
-        <p:nvSpPr>
-          <p:cNvPr id="3" name="TextBox 2">
-            <a:extLst>
-              <a:ext uri="{FF2B5EF4-FFF2-40B4-BE49-F238E27FC236}">
-                <a16:creationId xmlns:a16="http://schemas.microsoft.com/office/drawing/2014/main" id="{72A45FF1-3820-413C-87F5-985E77E08F3E}"/>
-              </a:ext>
-            </a:extLst>
-          </p:cNvPr>
-          <p:cNvSpPr txBox="1"/>
-          <p:nvPr/>
-        </p:nvSpPr>
-        <p:spPr>
-          <a:xfrm>
-            <a:off x="5494175" y="2060892"/>
-            <a:ext cx="5999584" cy="4431983"/>
-          </a:xfrm>
-          <a:prstGeom prst="rect">
-            <a:avLst/>
-          </a:prstGeom>
-          <a:noFill/>
-        </p:spPr>
-        <p:txBody>
-          <a:bodyPr wrap="square" rtlCol="0">
-            <a:spAutoFit/>
-          </a:bodyPr>
-          <a:lstStyle/>
-          <a:p>
-            <a:r>
-              <a:rPr lang="en-US" altLang="ko-KR" sz="1600" b="1" dirty="0"/>
-              <a:t>GUI</a:t>
-            </a:r>
-            <a:r>
-              <a:rPr lang="ko-KR" altLang="en-US" sz="1600" b="1" dirty="0"/>
-              <a:t>를 구성하고 메인 창을 띄운다</a:t>
-            </a:r>
-            <a:r>
-              <a:rPr lang="en-US" altLang="ko-KR" sz="1600" b="1" dirty="0"/>
-              <a:t>. </a:t>
-            </a:r>
-            <a:r>
-              <a:rPr lang="ko-KR" altLang="en-US" sz="1600" b="1" dirty="0"/>
-              <a:t>일정을 </a:t>
-            </a:r>
-            <a:r>
-              <a:rPr lang="en-US" altLang="ko-KR" sz="1600" b="1" dirty="0"/>
-              <a:t>pickle</a:t>
-            </a:r>
-            <a:r>
-              <a:rPr lang="ko-KR" altLang="en-US" sz="1600" b="1" dirty="0"/>
-              <a:t>로 저장한다</a:t>
-            </a:r>
-            <a:r>
-              <a:rPr lang="en-US" altLang="ko-KR" sz="1600" b="1" dirty="0"/>
-              <a:t>.</a:t>
-            </a:r>
-          </a:p>
-          <a:p>
-            <a:r>
-              <a:rPr lang="ko-KR" altLang="en-US" sz="1600" dirty="0"/>
-              <a:t>달력 연산 외의 모든 처리를 진행한다</a:t>
-            </a:r>
-            <a:r>
-              <a:rPr lang="en-US" altLang="ko-KR" sz="1600" dirty="0"/>
-              <a:t>.</a:t>
-            </a:r>
-          </a:p>
-          <a:p>
-            <a:r>
-              <a:rPr lang="en-US" altLang="ko-KR" sz="1600" dirty="0" err="1"/>
-              <a:t>caledarManager</a:t>
-            </a:r>
-            <a:r>
-              <a:rPr lang="en-US" altLang="ko-KR" sz="1600" dirty="0"/>
-              <a:t> </a:t>
-            </a:r>
-            <a:r>
-              <a:rPr lang="ko-KR" altLang="en-US" sz="1600" dirty="0"/>
-              <a:t>로부터 달력 정보를 받아 달력을 출력한다</a:t>
-            </a:r>
-            <a:r>
-              <a:rPr lang="en-US" altLang="ko-KR" sz="1600" dirty="0"/>
-              <a:t>. </a:t>
-            </a:r>
-            <a:r>
-              <a:rPr lang="en-US" altLang="ko-KR" sz="1600" dirty="0" err="1"/>
-              <a:t>calendarCalculator</a:t>
-            </a:r>
-            <a:r>
-              <a:rPr lang="en-US" altLang="ko-KR" sz="1600" dirty="0"/>
-              <a:t> </a:t>
-            </a:r>
-            <a:r>
-              <a:rPr lang="ko-KR" altLang="en-US" sz="1600" dirty="0"/>
-              <a:t>에게 연도</a:t>
-            </a:r>
-            <a:r>
-              <a:rPr lang="en-US" altLang="ko-KR" sz="1600" dirty="0"/>
-              <a:t>, </a:t>
-            </a:r>
-            <a:r>
-              <a:rPr lang="ko-KR" altLang="en-US" sz="1600" dirty="0"/>
-              <a:t>월</a:t>
-            </a:r>
-            <a:r>
-              <a:rPr lang="en-US" altLang="ko-KR" sz="1600" dirty="0"/>
-              <a:t>, </a:t>
-            </a:r>
-            <a:r>
-              <a:rPr lang="ko-KR" altLang="en-US" sz="1600" dirty="0"/>
-              <a:t>일을 보내고 음 </a:t>
-            </a:r>
-            <a:r>
-              <a:rPr lang="en-US" altLang="ko-KR" sz="1600" dirty="0"/>
-              <a:t>/</a:t>
-            </a:r>
-            <a:r>
-              <a:rPr lang="ko-KR" altLang="en-US" sz="1600" dirty="0"/>
-              <a:t>양력 날짜를 받는다</a:t>
-            </a:r>
-            <a:r>
-              <a:rPr lang="en-US" altLang="ko-KR" sz="1600" dirty="0"/>
-              <a:t>.</a:t>
-            </a:r>
-          </a:p>
-          <a:p>
-            <a:endParaRPr lang="en-US" altLang="ko-KR" sz="1600" dirty="0"/>
-          </a:p>
-          <a:p>
-            <a:pPr marL="285750" indent="-285750">
-              <a:buFont typeface="Arial" panose="020B0604020202020204" pitchFamily="34" charset="0"/>
-              <a:buChar char="•"/>
-            </a:pPr>
-            <a:r>
-              <a:rPr lang="en-US" altLang="ko-KR" sz="1600" b="1" dirty="0" err="1"/>
-              <a:t>renderDate</a:t>
-            </a:r>
-            <a:r>
-              <a:rPr lang="en-US" altLang="ko-KR" sz="1600" b="1" dirty="0"/>
-              <a:t>()</a:t>
-            </a:r>
-            <a:endParaRPr lang="en-US" altLang="ko-KR" sz="1600" dirty="0"/>
-          </a:p>
-          <a:p>
-            <a:pPr marL="285750" indent="-285750">
-              <a:buFont typeface="Arial" panose="020B0604020202020204" pitchFamily="34" charset="0"/>
-              <a:buChar char="•"/>
-            </a:pPr>
-            <a:r>
-              <a:rPr lang="en-US" altLang="ko-KR" sz="1600" b="1" dirty="0" err="1"/>
-              <a:t>btnEvent</a:t>
-            </a:r>
-            <a:r>
-              <a:rPr lang="en-US" altLang="ko-KR" sz="1600" b="1" dirty="0"/>
-              <a:t>()</a:t>
-            </a:r>
-            <a:endParaRPr lang="en-US" altLang="ko-KR" sz="1600" dirty="0"/>
-          </a:p>
-          <a:p>
-            <a:pPr marL="285750" indent="-285750">
-              <a:buFont typeface="Arial" panose="020B0604020202020204" pitchFamily="34" charset="0"/>
-              <a:buChar char="•"/>
-            </a:pPr>
-            <a:r>
-              <a:rPr lang="en-US" altLang="ko-KR" sz="1600" b="1" dirty="0"/>
-              <a:t>Modifying()</a:t>
-            </a:r>
-          </a:p>
-          <a:p>
-            <a:pPr marL="285750" indent="-285750">
-              <a:buFont typeface="Arial" panose="020B0604020202020204" pitchFamily="34" charset="0"/>
-              <a:buChar char="•"/>
-            </a:pPr>
-            <a:r>
-              <a:rPr lang="en-US" altLang="ko-KR" sz="1600" b="1" dirty="0" err="1"/>
-              <a:t>previousMonth</a:t>
-            </a:r>
-            <a:r>
-              <a:rPr lang="en-US" altLang="ko-KR" sz="1600" b="1" dirty="0"/>
-              <a:t>()</a:t>
-            </a:r>
-          </a:p>
-          <a:p>
-            <a:pPr marL="285750" indent="-285750">
-              <a:buFont typeface="Arial" panose="020B0604020202020204" pitchFamily="34" charset="0"/>
-              <a:buChar char="•"/>
-            </a:pPr>
-            <a:r>
-              <a:rPr lang="en-US" altLang="ko-KR" sz="1600" b="1" dirty="0" err="1"/>
-              <a:t>nextMonth</a:t>
-            </a:r>
-            <a:r>
-              <a:rPr lang="en-US" altLang="ko-KR" sz="1600" b="1" dirty="0"/>
-              <a:t>()</a:t>
-            </a:r>
-          </a:p>
-          <a:p>
-            <a:pPr marL="285750" indent="-285750">
-              <a:buFont typeface="Arial" panose="020B0604020202020204" pitchFamily="34" charset="0"/>
-              <a:buChar char="•"/>
-            </a:pPr>
-            <a:r>
-              <a:rPr lang="en-US" altLang="ko-KR" sz="1600" b="1" dirty="0" err="1"/>
-              <a:t>selectionChanged</a:t>
-            </a:r>
-            <a:r>
-              <a:rPr lang="en-US" altLang="ko-KR" sz="1600" b="1" dirty="0"/>
-              <a:t>()</a:t>
-            </a:r>
-          </a:p>
-          <a:p>
-            <a:pPr marL="285750" indent="-285750">
-              <a:buFont typeface="Arial" panose="020B0604020202020204" pitchFamily="34" charset="0"/>
-              <a:buChar char="•"/>
-            </a:pPr>
-            <a:r>
-              <a:rPr lang="en-US" altLang="ko-KR" sz="1600" b="1" dirty="0" err="1"/>
-              <a:t>clearLayout</a:t>
-            </a:r>
-            <a:r>
-              <a:rPr lang="en-US" altLang="ko-KR" sz="1600" b="1" dirty="0"/>
-              <a:t>() </a:t>
-            </a:r>
-          </a:p>
-          <a:p>
-            <a:pPr marL="285750" indent="-285750">
-              <a:buFont typeface="Arial" panose="020B0604020202020204" pitchFamily="34" charset="0"/>
-              <a:buChar char="•"/>
-            </a:pPr>
-            <a:r>
-              <a:rPr lang="en-US" altLang="ko-KR" sz="1600" b="1" dirty="0" err="1"/>
-              <a:t>setScheduleUI</a:t>
-            </a:r>
-            <a:r>
-              <a:rPr lang="en-US" altLang="ko-KR" sz="1600" b="1" dirty="0"/>
-              <a:t>() </a:t>
-            </a:r>
-          </a:p>
-          <a:p>
-            <a:pPr marL="285750" indent="-285750">
-              <a:buFont typeface="Arial" panose="020B0604020202020204" pitchFamily="34" charset="0"/>
-              <a:buChar char="•"/>
-            </a:pPr>
-            <a:r>
-              <a:rPr lang="en-US" altLang="ko-KR" sz="1600" b="1" dirty="0" err="1"/>
-              <a:t>setLunaDateUI</a:t>
-            </a:r>
-            <a:r>
-              <a:rPr lang="en-US" altLang="ko-KR" sz="1600" b="1" dirty="0"/>
-              <a:t>() </a:t>
-            </a:r>
-          </a:p>
-          <a:p>
-            <a:pPr marL="285750" indent="-285750">
-              <a:buFont typeface="Arial" panose="020B0604020202020204" pitchFamily="34" charset="0"/>
-              <a:buChar char="•"/>
-            </a:pPr>
-            <a:r>
-              <a:rPr lang="en-US" altLang="ko-KR" sz="1600" b="1" dirty="0"/>
-              <a:t>display()</a:t>
-            </a:r>
-            <a:r>
-              <a:rPr lang="en-US" altLang="ko-KR" sz="1600" dirty="0"/>
-              <a:t>.</a:t>
-            </a:r>
-          </a:p>
-          <a:p>
-            <a:pPr marL="285750" indent="-285750">
-              <a:buFont typeface="Arial" panose="020B0604020202020204" pitchFamily="34" charset="0"/>
-              <a:buChar char="•"/>
-            </a:pPr>
-            <a:r>
-              <a:rPr lang="en-US" altLang="ko-KR" sz="1600" b="1" dirty="0" err="1"/>
-              <a:t>lunarBtnEvent</a:t>
-            </a:r>
-            <a:r>
-              <a:rPr lang="en-US" altLang="ko-KR" sz="1600" b="1" dirty="0"/>
-              <a:t>()</a:t>
-            </a:r>
-          </a:p>
-        </p:txBody>
-      </p:sp>
-    </p:spTree>
-    <p:extLst>
-      <p:ext uri="{BB962C8B-B14F-4D97-AF65-F5344CB8AC3E}">
-        <p14:creationId xmlns:p14="http://schemas.microsoft.com/office/powerpoint/2010/main" val="1841210795"/>
-      </p:ext>
-    </p:extLst>
-  </p:cSld>
-  <p:clrMapOvr>
-    <a:masterClrMapping/>
-  </p:clrMapOvr>
-</p:sld>
-</file>
-
-<file path=ppt/slides/slide9.xml><?xml version="1.0" encoding="utf-8"?>
-<p:sld xmlns:a="http://schemas.openxmlformats.org/drawingml/2006/main" xmlns:r="http://schemas.openxmlformats.org/officeDocument/2006/relationships" xmlns:p="http://schemas.openxmlformats.org/presentationml/2006/main">
-  <p:cSld>
-    <p:spTree>
-      <p:nvGrpSpPr>
-        <p:cNvPr id="1" name=""/>
-        <p:cNvGrpSpPr/>
-        <p:nvPr/>
-      </p:nvGrpSpPr>
-      <p:grpSpPr>
-        <a:xfrm>
-          <a:off x="0" y="0"/>
-          <a:ext cx="0" cy="0"/>
-          <a:chOff x="0" y="0"/>
-          <a:chExt cx="0" cy="0"/>
-        </a:xfrm>
-      </p:grpSpPr>
-      <p:sp>
-        <p:nvSpPr>
-          <p:cNvPr id="2" name="제목 1">
-            <a:extLst>
-              <a:ext uri="{FF2B5EF4-FFF2-40B4-BE49-F238E27FC236}">
-                <a16:creationId xmlns:a16="http://schemas.microsoft.com/office/drawing/2014/main" id="{33DFDBA8-2FFE-45A9-98D4-B9671D5C5D40}"/>
-              </a:ext>
-            </a:extLst>
-          </p:cNvPr>
-          <p:cNvSpPr>
-            <a:spLocks noGrp="1"/>
-          </p:cNvSpPr>
-          <p:nvPr>
-            <p:ph type="title"/>
-          </p:nvPr>
-        </p:nvSpPr>
-        <p:spPr/>
-        <p:txBody>
-          <a:bodyPr/>
-          <a:lstStyle/>
-          <a:p>
-            <a:r>
-              <a:rPr lang="ko-KR" altLang="en-US" b="1" dirty="0">
-                <a:effectLst>
-                  <a:outerShdw blurRad="38100" dist="38100" dir="2700000" algn="tl">
-                    <a:srgbClr val="000000">
-                      <a:alpha val="43137"/>
-                    </a:srgbClr>
-                  </a:outerShdw>
-                </a:effectLst>
-              </a:rPr>
-              <a:t>소프트웨어 구조</a:t>
-            </a:r>
-            <a:r>
-              <a:rPr lang="en-US" altLang="ko-KR" b="1" dirty="0">
-                <a:effectLst>
-                  <a:outerShdw blurRad="38100" dist="38100" dir="2700000" algn="tl">
-                    <a:srgbClr val="000000">
-                      <a:alpha val="43137"/>
-                    </a:srgbClr>
-                  </a:outerShdw>
-                </a:effectLst>
-              </a:rPr>
-              <a:t> </a:t>
-            </a:r>
-            <a:r>
-              <a:rPr lang="ko-KR" altLang="en-US" b="1" dirty="0">
-                <a:effectLst>
-                  <a:outerShdw blurRad="38100" dist="38100" dir="2700000" algn="tl">
-                    <a:srgbClr val="000000">
-                      <a:alpha val="43137"/>
-                    </a:srgbClr>
-                  </a:outerShdw>
-                </a:effectLst>
-              </a:rPr>
-              <a:t>설계</a:t>
-            </a:r>
-            <a:r>
-              <a:rPr lang="en-US" altLang="ko-KR" sz="2400" b="1" dirty="0">
-                <a:effectLst>
-                  <a:outerShdw blurRad="38100" dist="38100" dir="2700000" algn="tl">
-                    <a:srgbClr val="000000">
-                      <a:alpha val="43137"/>
-                    </a:srgbClr>
-                  </a:outerShdw>
-                </a:effectLst>
-              </a:rPr>
-              <a:t>(</a:t>
-            </a:r>
-            <a:r>
-              <a:rPr lang="ko-KR" altLang="en-US" sz="2400" b="1" dirty="0">
-                <a:effectLst>
-                  <a:outerShdw blurRad="38100" dist="38100" dir="2700000" algn="tl">
-                    <a:srgbClr val="000000">
-                      <a:alpha val="43137"/>
-                    </a:srgbClr>
-                  </a:outerShdw>
-                </a:effectLst>
-              </a:rPr>
-              <a:t>전체 구조</a:t>
-            </a:r>
-            <a:r>
-              <a:rPr lang="en-US" altLang="ko-KR" sz="2400" b="1" dirty="0">
-                <a:effectLst>
-                  <a:outerShdw blurRad="38100" dist="38100" dir="2700000" algn="tl">
-                    <a:srgbClr val="000000">
-                      <a:alpha val="43137"/>
-                    </a:srgbClr>
-                  </a:outerShdw>
-                </a:effectLst>
-              </a:rPr>
-              <a:t>)</a:t>
-            </a:r>
-            <a:endParaRPr lang="ko-KR" altLang="en-US" b="1" dirty="0">
-              <a:effectLst>
-                <a:outerShdw blurRad="38100" dist="38100" dir="2700000" algn="tl">
-                  <a:srgbClr val="000000">
-                    <a:alpha val="43137"/>
-                  </a:srgbClr>
-                </a:outerShdw>
-              </a:effectLst>
-            </a:endParaRPr>
-          </a:p>
-        </p:txBody>
-      </p:sp>
-      <p:cxnSp>
-        <p:nvCxnSpPr>
-          <p:cNvPr id="5" name="직선 연결선 4">
-            <a:extLst>
-              <a:ext uri="{FF2B5EF4-FFF2-40B4-BE49-F238E27FC236}">
-                <a16:creationId xmlns:a16="http://schemas.microsoft.com/office/drawing/2014/main" id="{F22AA8DD-ED0F-45F1-86B0-9537AE71DA68}"/>
-              </a:ext>
-            </a:extLst>
-          </p:cNvPr>
-          <p:cNvCxnSpPr>
-            <a:cxnSpLocks/>
-          </p:cNvCxnSpPr>
-          <p:nvPr/>
-        </p:nvCxnSpPr>
-        <p:spPr>
-          <a:xfrm>
-            <a:off x="11084767" y="734457"/>
-            <a:ext cx="269033" cy="0"/>
-          </a:xfrm>
-          <a:prstGeom prst="line">
-            <a:avLst/>
-          </a:prstGeom>
-          <a:ln w="44450" cap="rnd">
-            <a:round/>
-          </a:ln>
-        </p:spPr>
-        <p:style>
-          <a:lnRef idx="1">
-            <a:schemeClr val="accent1"/>
-          </a:lnRef>
-          <a:fillRef idx="0">
-            <a:schemeClr val="accent1"/>
-          </a:fillRef>
-          <a:effectRef idx="0">
-            <a:schemeClr val="accent1"/>
-          </a:effectRef>
-          <a:fontRef idx="minor">
-            <a:schemeClr val="tx1"/>
-          </a:fontRef>
-        </p:style>
-      </p:cxnSp>
-      <p:cxnSp>
-        <p:nvCxnSpPr>
-          <p:cNvPr id="7" name="직선 연결선 6">
-            <a:extLst>
-              <a:ext uri="{FF2B5EF4-FFF2-40B4-BE49-F238E27FC236}">
-                <a16:creationId xmlns:a16="http://schemas.microsoft.com/office/drawing/2014/main" id="{F9208F28-276D-406F-A6EC-CFE994BD16F9}"/>
-              </a:ext>
-            </a:extLst>
-          </p:cNvPr>
-          <p:cNvCxnSpPr>
-            <a:cxnSpLocks/>
-          </p:cNvCxnSpPr>
-          <p:nvPr/>
-        </p:nvCxnSpPr>
-        <p:spPr>
-          <a:xfrm>
-            <a:off x="1006151" y="1375692"/>
-            <a:ext cx="234820" cy="0"/>
-          </a:xfrm>
-          <a:prstGeom prst="line">
-            <a:avLst/>
-          </a:prstGeom>
-          <a:ln w="44450" cap="rnd">
-            <a:round/>
-          </a:ln>
-        </p:spPr>
-        <p:style>
-          <a:lnRef idx="1">
-            <a:schemeClr val="accent1"/>
-          </a:lnRef>
-          <a:fillRef idx="0">
-            <a:schemeClr val="accent1"/>
-          </a:fillRef>
-          <a:effectRef idx="0">
-            <a:schemeClr val="accent1"/>
-          </a:effectRef>
-          <a:fontRef idx="minor">
-            <a:schemeClr val="tx1"/>
-          </a:fontRef>
-        </p:style>
-      </p:cxnSp>
-      <p:sp>
-        <p:nvSpPr>
-          <p:cNvPr id="9" name="TextBox 8">
-            <a:extLst>
-              <a:ext uri="{FF2B5EF4-FFF2-40B4-BE49-F238E27FC236}">
-                <a16:creationId xmlns:a16="http://schemas.microsoft.com/office/drawing/2014/main" id="{224FA63F-25E4-4A1B-8A7C-FEC4BFF243CB}"/>
-              </a:ext>
-            </a:extLst>
-          </p:cNvPr>
-          <p:cNvSpPr txBox="1"/>
-          <p:nvPr/>
-        </p:nvSpPr>
-        <p:spPr>
-          <a:xfrm>
-            <a:off x="9806473" y="365125"/>
-            <a:ext cx="1687286" cy="338554"/>
-          </a:xfrm>
-          <a:prstGeom prst="rect">
-            <a:avLst/>
-          </a:prstGeom>
-          <a:noFill/>
-        </p:spPr>
-        <p:txBody>
-          <a:bodyPr wrap="square" rtlCol="0">
-            <a:spAutoFit/>
-          </a:bodyPr>
-          <a:lstStyle/>
-          <a:p>
-            <a:pPr algn="r"/>
-            <a:r>
-              <a:rPr lang="ko-KR" altLang="en-US" sz="1600" b="1" dirty="0"/>
-              <a:t>소프트웨어 설계</a:t>
-            </a:r>
-          </a:p>
-        </p:txBody>
-      </p:sp>
-      <p:sp>
-        <p:nvSpPr>
-          <p:cNvPr id="4" name="사각형: 둥근 모서리 3">
-            <a:extLst>
-              <a:ext uri="{FF2B5EF4-FFF2-40B4-BE49-F238E27FC236}">
-                <a16:creationId xmlns:a16="http://schemas.microsoft.com/office/drawing/2014/main" id="{5F86D1E7-8232-4D1D-9C0B-7BD231765F3B}"/>
-              </a:ext>
-            </a:extLst>
-          </p:cNvPr>
-          <p:cNvSpPr/>
-          <p:nvPr/>
-        </p:nvSpPr>
-        <p:spPr>
-          <a:xfrm>
-            <a:off x="1640633" y="2696547"/>
-            <a:ext cx="1819470" cy="2313991"/>
-          </a:xfrm>
-          <a:prstGeom prst="roundRect">
-            <a:avLst/>
-          </a:prstGeom>
-          <a:noFill/>
-          <a:ln w="69850"/>
-        </p:spPr>
-        <p:style>
-          <a:lnRef idx="2">
-            <a:schemeClr val="accent1">
-              <a:shade val="50000"/>
-            </a:schemeClr>
-          </a:lnRef>
-          <a:fillRef idx="1">
-            <a:schemeClr val="accent1"/>
-          </a:fillRef>
-          <a:effectRef idx="0">
-            <a:schemeClr val="accent1"/>
-          </a:effectRef>
-          <a:fontRef idx="minor">
-            <a:schemeClr val="lt1"/>
-          </a:fontRef>
-        </p:style>
-        <p:txBody>
-          <a:bodyPr rtlCol="0" anchor="ctr"/>
-          <a:lstStyle/>
-          <a:p>
-            <a:pPr algn="ctr"/>
-            <a:r>
-              <a:rPr lang="en-US" altLang="ko-KR" b="1" dirty="0">
-                <a:solidFill>
-                  <a:schemeClr val="tx1"/>
-                </a:solidFill>
-              </a:rPr>
-              <a:t>calendar</a:t>
-            </a:r>
-          </a:p>
-          <a:p>
-            <a:pPr algn="ctr"/>
-            <a:r>
-              <a:rPr lang="en-US" altLang="ko-KR" b="1" dirty="0">
-                <a:solidFill>
-                  <a:schemeClr val="tx1"/>
-                </a:solidFill>
-              </a:rPr>
-              <a:t>Manager.py</a:t>
-            </a:r>
-            <a:endParaRPr lang="ko-KR" altLang="en-US" b="1" dirty="0">
-              <a:solidFill>
-                <a:schemeClr val="tx1"/>
-              </a:solidFill>
-            </a:endParaRPr>
-          </a:p>
-        </p:txBody>
-      </p:sp>
-      <p:sp>
-        <p:nvSpPr>
-          <p:cNvPr id="19" name="TextBox 18">
-            <a:extLst>
-              <a:ext uri="{FF2B5EF4-FFF2-40B4-BE49-F238E27FC236}">
-                <a16:creationId xmlns:a16="http://schemas.microsoft.com/office/drawing/2014/main" id="{4F84AF88-595C-441E-89EE-B725DE89DECC}"/>
-              </a:ext>
-            </a:extLst>
-          </p:cNvPr>
-          <p:cNvSpPr txBox="1"/>
-          <p:nvPr/>
-        </p:nvSpPr>
-        <p:spPr>
-          <a:xfrm>
-            <a:off x="1720720" y="2111772"/>
-            <a:ext cx="1659295" cy="584775"/>
-          </a:xfrm>
-          <a:prstGeom prst="rect">
-            <a:avLst/>
-          </a:prstGeom>
-          <a:noFill/>
-        </p:spPr>
-        <p:txBody>
-          <a:bodyPr wrap="square" rtlCol="0">
-            <a:spAutoFit/>
-          </a:bodyPr>
-          <a:lstStyle/>
-          <a:p>
-            <a:pPr algn="ctr"/>
-            <a:r>
-              <a:rPr lang="en-US" altLang="ko-KR" sz="1600" b="1" dirty="0"/>
-              <a:t>Managing</a:t>
-            </a:r>
-          </a:p>
-          <a:p>
-            <a:pPr algn="ctr"/>
-            <a:r>
-              <a:rPr lang="en-US" altLang="ko-KR" sz="1600" b="1" dirty="0"/>
-              <a:t>Calendar</a:t>
-            </a:r>
-            <a:endParaRPr lang="ko-KR" altLang="en-US" sz="1600" b="1" dirty="0"/>
-          </a:p>
-        </p:txBody>
-      </p:sp>
-      <p:sp>
-        <p:nvSpPr>
-          <p:cNvPr id="3" name="TextBox 2">
-            <a:extLst>
-              <a:ext uri="{FF2B5EF4-FFF2-40B4-BE49-F238E27FC236}">
-                <a16:creationId xmlns:a16="http://schemas.microsoft.com/office/drawing/2014/main" id="{72A45FF1-3820-413C-87F5-985E77E08F3E}"/>
-              </a:ext>
-            </a:extLst>
-          </p:cNvPr>
-          <p:cNvSpPr txBox="1"/>
-          <p:nvPr/>
-        </p:nvSpPr>
-        <p:spPr>
-          <a:xfrm>
-            <a:off x="5494175" y="1837605"/>
-            <a:ext cx="5999584" cy="4031873"/>
-          </a:xfrm>
-          <a:prstGeom prst="rect">
-            <a:avLst/>
-          </a:prstGeom>
-          <a:noFill/>
-        </p:spPr>
-        <p:txBody>
-          <a:bodyPr wrap="square" rtlCol="0">
-            <a:spAutoFit/>
-          </a:bodyPr>
-          <a:lstStyle/>
-          <a:p>
-            <a:r>
-              <a:rPr lang="ko-KR" altLang="en-US" sz="1600" b="1" dirty="0"/>
-              <a:t>달력 정보를 연산한다</a:t>
-            </a:r>
-            <a:r>
-              <a:rPr lang="en-US" altLang="ko-KR" sz="1600" b="1" dirty="0"/>
-              <a:t>. </a:t>
-            </a:r>
-            <a:r>
-              <a:rPr lang="ko-KR" altLang="en-US" sz="1600" b="1" dirty="0"/>
-              <a:t>일정을 클래스에 저장한다</a:t>
-            </a:r>
-            <a:r>
-              <a:rPr lang="en-US" altLang="ko-KR" sz="1600" b="1" dirty="0"/>
-              <a:t>.</a:t>
-            </a:r>
-          </a:p>
-          <a:p>
-            <a:r>
-              <a:rPr lang="ko-KR" altLang="en-US" sz="1600" dirty="0"/>
-              <a:t> 입력 받은 년</a:t>
-            </a:r>
-            <a:r>
-              <a:rPr lang="en-US" altLang="ko-KR" sz="1600" dirty="0"/>
-              <a:t>, </a:t>
-            </a:r>
-            <a:r>
-              <a:rPr lang="ko-KR" altLang="en-US" sz="1600" dirty="0"/>
-              <a:t>월</a:t>
-            </a:r>
-            <a:r>
-              <a:rPr lang="en-US" altLang="ko-KR" sz="1600" dirty="0"/>
-              <a:t>, </a:t>
-            </a:r>
-            <a:r>
-              <a:rPr lang="ko-KR" altLang="en-US" sz="1600" dirty="0"/>
-              <a:t>일로 </a:t>
-            </a:r>
-            <a:r>
-              <a:rPr lang="en-US" altLang="ko-KR" sz="1600" dirty="0"/>
-              <a:t>2</a:t>
-            </a:r>
-            <a:r>
-              <a:rPr lang="ko-KR" altLang="en-US" sz="1600" dirty="0"/>
-              <a:t>차원 배열을 생산한다</a:t>
-            </a:r>
-            <a:r>
-              <a:rPr lang="en-US" altLang="ko-KR" sz="1600" dirty="0"/>
-              <a:t>. </a:t>
-            </a:r>
-            <a:r>
-              <a:rPr lang="ko-KR" altLang="en-US" sz="1600" dirty="0"/>
-              <a:t>각 요소는 </a:t>
-            </a:r>
-            <a:r>
-              <a:rPr lang="en-US" altLang="ko-KR" sz="1600" dirty="0"/>
-              <a:t>1</a:t>
-            </a:r>
-            <a:r>
-              <a:rPr lang="ko-KR" altLang="en-US" sz="1600" dirty="0"/>
-              <a:t>부터 </a:t>
-            </a:r>
-            <a:r>
-              <a:rPr lang="en-US" altLang="ko-KR" sz="1600" dirty="0"/>
-              <a:t>30 </a:t>
-            </a:r>
-            <a:r>
-              <a:rPr lang="ko-KR" altLang="en-US" sz="1600" dirty="0"/>
-              <a:t>혹은 </a:t>
-            </a:r>
-            <a:r>
-              <a:rPr lang="en-US" altLang="ko-KR" sz="1600" dirty="0"/>
-              <a:t>31</a:t>
-            </a:r>
-            <a:r>
-              <a:rPr lang="ko-KR" altLang="en-US" sz="1600" dirty="0"/>
-              <a:t>로 구성되어 있으며</a:t>
-            </a:r>
-            <a:r>
-              <a:rPr lang="en-US" altLang="ko-KR" sz="1600" dirty="0"/>
-              <a:t>, </a:t>
-            </a:r>
-            <a:r>
-              <a:rPr lang="ko-KR" altLang="en-US" sz="1600" dirty="0"/>
-              <a:t>각 요소의 인덱스 값은 달력의 좌표 값을 나타낸다</a:t>
-            </a:r>
-            <a:r>
-              <a:rPr lang="en-US" altLang="ko-KR" sz="1600" dirty="0"/>
-              <a:t>.</a:t>
-            </a:r>
-          </a:p>
-          <a:p>
-            <a:r>
-              <a:rPr lang="en-US" altLang="ko-KR" sz="1600" dirty="0"/>
-              <a:t> </a:t>
-            </a:r>
-            <a:r>
-              <a:rPr lang="ko-KR" altLang="en-US" sz="1600" dirty="0"/>
-              <a:t>휴일들을 </a:t>
-            </a:r>
-            <a:r>
-              <a:rPr lang="ko-KR" altLang="en-US" sz="1600" dirty="0" err="1"/>
-              <a:t>튜플로</a:t>
-            </a:r>
-            <a:r>
-              <a:rPr lang="ko-KR" altLang="en-US" sz="1600" dirty="0"/>
-              <a:t> 저장한다</a:t>
-            </a:r>
-            <a:r>
-              <a:rPr lang="en-US" altLang="ko-KR" sz="1600" dirty="0"/>
-              <a:t>. Ex.</a:t>
-            </a:r>
-            <a:r>
-              <a:rPr lang="ko-KR" altLang="en-US" sz="1600" dirty="0"/>
-              <a:t> </a:t>
-            </a:r>
-            <a:r>
-              <a:rPr lang="en-US" altLang="ko-KR" sz="1600" dirty="0"/>
-              <a:t>-&gt;</a:t>
-            </a:r>
-            <a:r>
-              <a:rPr lang="ko-KR" altLang="en-US" sz="1600" dirty="0"/>
-              <a:t> </a:t>
-            </a:r>
-            <a:r>
-              <a:rPr lang="en-US" altLang="ko-KR" sz="1600" dirty="0"/>
-              <a:t>(</a:t>
-            </a:r>
-            <a:r>
-              <a:rPr lang="ko-KR" altLang="en-US" sz="1600" dirty="0"/>
-              <a:t>월</a:t>
-            </a:r>
-            <a:r>
-              <a:rPr lang="en-US" altLang="ko-KR" sz="1600" dirty="0"/>
-              <a:t>, </a:t>
-            </a:r>
-            <a:r>
-              <a:rPr lang="ko-KR" altLang="en-US" sz="1600" dirty="0"/>
-              <a:t>일</a:t>
-            </a:r>
-            <a:r>
-              <a:rPr lang="en-US" altLang="ko-KR" sz="1600" dirty="0"/>
-              <a:t>, </a:t>
-            </a:r>
-            <a:r>
-              <a:rPr lang="ko-KR" altLang="en-US" sz="1600" dirty="0"/>
-              <a:t>휴일 명</a:t>
-            </a:r>
-            <a:r>
-              <a:rPr lang="en-US" altLang="ko-KR" sz="1600" dirty="0"/>
-              <a:t>)</a:t>
-            </a:r>
-          </a:p>
-          <a:p>
-            <a:r>
-              <a:rPr lang="en-US" altLang="ko-KR" sz="1600" dirty="0"/>
-              <a:t> </a:t>
-            </a:r>
-            <a:r>
-              <a:rPr lang="ko-KR" altLang="en-US" sz="1600" dirty="0"/>
-              <a:t>일정을 내부 클래스에 저장한다</a:t>
-            </a:r>
-            <a:r>
-              <a:rPr lang="en-US" altLang="ko-KR" sz="1600" dirty="0"/>
-              <a:t>. </a:t>
-            </a:r>
-            <a:r>
-              <a:rPr lang="ko-KR" altLang="en-US" sz="1600" dirty="0"/>
-              <a:t>이 클래스는 </a:t>
-            </a:r>
-            <a:r>
-              <a:rPr lang="en-US" altLang="ko-KR" sz="1600" dirty="0"/>
-              <a:t>pickle</a:t>
-            </a:r>
-            <a:r>
-              <a:rPr lang="ko-KR" altLang="en-US" sz="1600" dirty="0"/>
-              <a:t>로 저장된다</a:t>
-            </a:r>
-            <a:r>
-              <a:rPr lang="en-US" altLang="ko-KR" sz="1600" dirty="0"/>
-              <a:t>.</a:t>
-            </a:r>
-          </a:p>
-          <a:p>
-            <a:endParaRPr lang="en-US" altLang="ko-KR" sz="1600" dirty="0"/>
-          </a:p>
-          <a:p>
-            <a:pPr marL="285750" indent="-285750">
-              <a:buFont typeface="Arial" panose="020B0604020202020204" pitchFamily="34" charset="0"/>
-              <a:buChar char="•"/>
-            </a:pPr>
-            <a:r>
-              <a:rPr lang="en-US" altLang="ko-KR" sz="1600" b="1" dirty="0" err="1"/>
-              <a:t>getCalendar</a:t>
-            </a:r>
-            <a:r>
-              <a:rPr lang="en-US" altLang="ko-KR" sz="1600" b="1" dirty="0"/>
-              <a:t>()</a:t>
-            </a:r>
-          </a:p>
-          <a:p>
-            <a:pPr marL="285750" indent="-285750">
-              <a:buFont typeface="Arial" panose="020B0604020202020204" pitchFamily="34" charset="0"/>
-              <a:buChar char="•"/>
-            </a:pPr>
-            <a:r>
-              <a:rPr lang="en-US" altLang="ko-KR" sz="1600" b="1" dirty="0" err="1"/>
-              <a:t>getMaxDay</a:t>
-            </a:r>
-            <a:r>
-              <a:rPr lang="en-US" altLang="ko-KR" sz="1600" b="1" dirty="0"/>
-              <a:t>()</a:t>
-            </a:r>
-          </a:p>
-          <a:p>
-            <a:pPr marL="285750" indent="-285750">
-              <a:buFont typeface="Arial" panose="020B0604020202020204" pitchFamily="34" charset="0"/>
-              <a:buChar char="•"/>
-            </a:pPr>
-            <a:r>
-              <a:rPr lang="en-US" altLang="ko-KR" sz="1600" b="1" dirty="0" err="1"/>
-              <a:t>setYear</a:t>
-            </a:r>
-            <a:r>
-              <a:rPr lang="en-US" altLang="ko-KR" sz="1600" b="1" dirty="0"/>
-              <a:t>()</a:t>
-            </a:r>
-          </a:p>
-          <a:p>
-            <a:pPr marL="285750" indent="-285750">
-              <a:buFont typeface="Arial" panose="020B0604020202020204" pitchFamily="34" charset="0"/>
-              <a:buChar char="•"/>
-            </a:pPr>
-            <a:r>
-              <a:rPr lang="en-US" altLang="ko-KR" sz="1600" b="1" dirty="0" err="1"/>
-              <a:t>setMonth</a:t>
-            </a:r>
-            <a:r>
-              <a:rPr lang="en-US" altLang="ko-KR" sz="1600" b="1" dirty="0"/>
-              <a:t>()</a:t>
-            </a:r>
-          </a:p>
-          <a:p>
-            <a:pPr marL="285750" indent="-285750">
-              <a:buFont typeface="Arial" panose="020B0604020202020204" pitchFamily="34" charset="0"/>
-              <a:buChar char="•"/>
-            </a:pPr>
-            <a:r>
-              <a:rPr lang="en-US" altLang="ko-KR" sz="1600" b="1" dirty="0" err="1"/>
-              <a:t>setCalendar</a:t>
-            </a:r>
-            <a:r>
-              <a:rPr lang="en-US" altLang="ko-KR" sz="1600" b="1" dirty="0"/>
-              <a:t>()</a:t>
-            </a:r>
-          </a:p>
-          <a:p>
-            <a:pPr marL="285750" indent="-285750">
-              <a:buFont typeface="Arial" panose="020B0604020202020204" pitchFamily="34" charset="0"/>
-              <a:buChar char="•"/>
-            </a:pPr>
-            <a:r>
-              <a:rPr lang="en-US" altLang="ko-KR" sz="1600" b="1" dirty="0" err="1"/>
-              <a:t>makeCalendar</a:t>
-            </a:r>
-            <a:r>
-              <a:rPr lang="en-US" altLang="ko-KR" sz="1600" b="1" dirty="0"/>
-              <a:t>()</a:t>
-            </a:r>
-          </a:p>
-          <a:p>
-            <a:pPr marL="285750" indent="-285750">
-              <a:buFont typeface="Arial" panose="020B0604020202020204" pitchFamily="34" charset="0"/>
-              <a:buChar char="•"/>
-            </a:pPr>
-            <a:r>
-              <a:rPr lang="en-US" altLang="ko-KR" sz="1600" b="1" dirty="0" err="1"/>
-              <a:t>enrollHoliday</a:t>
-            </a:r>
-            <a:r>
-              <a:rPr lang="en-US" altLang="ko-KR" sz="1600" b="1" dirty="0"/>
-              <a:t>()</a:t>
-            </a:r>
-          </a:p>
-          <a:p>
-            <a:pPr marL="285750" indent="-285750">
-              <a:buFont typeface="Arial" panose="020B0604020202020204" pitchFamily="34" charset="0"/>
-              <a:buChar char="•"/>
-            </a:pPr>
-            <a:r>
-              <a:rPr lang="en-US" altLang="ko-KR" sz="1600" b="1" dirty="0" err="1"/>
-              <a:t>loadHoliday</a:t>
-            </a:r>
-            <a:r>
-              <a:rPr lang="en-US" altLang="ko-KR" sz="1600" b="1" dirty="0"/>
-              <a:t>()</a:t>
-            </a:r>
-          </a:p>
-        </p:txBody>
-      </p:sp>
-    </p:spTree>
-    <p:extLst>
-      <p:ext uri="{BB962C8B-B14F-4D97-AF65-F5344CB8AC3E}">
-        <p14:creationId xmlns:p14="http://schemas.microsoft.com/office/powerpoint/2010/main" val="1282942851"/>
       </p:ext>
     </p:extLst>
   </p:cSld>
